--- a/projeto-final/Projeto Final - Artefatos/I2A2_Agentes_Inteligentes_Projeto_Final_SIA.pptx
+++ b/projeto-final/Projeto Final - Artefatos/I2A2_Agentes_Inteligentes_Projeto_Final_SIA.pptx
@@ -27,56 +27,51 @@
     <p:sldId id="272" r:id="rId23"/>
     <p:sldId id="273" r:id="rId24"/>
     <p:sldId id="274" r:id="rId25"/>
-    <p:sldId id="275" r:id="rId26"/>
-    <p:sldId id="276" r:id="rId27"/>
-    <p:sldId id="277" r:id="rId28"/>
-    <p:sldId id="278" r:id="rId29"/>
-    <p:sldId id="279" r:id="rId30"/>
   </p:sldIdLst>
   <p:sldSz cy="5143500" cx="9144000"/>
   <p:notesSz cx="6858000" cy="9144000"/>
   <p:embeddedFontLst>
     <p:embeddedFont>
       <p:font typeface="Roboto"/>
-      <p:regular r:id="rId31"/>
-      <p:bold r:id="rId32"/>
-      <p:italic r:id="rId33"/>
-      <p:boldItalic r:id="rId34"/>
+      <p:regular r:id="rId26"/>
+      <p:bold r:id="rId27"/>
+      <p:italic r:id="rId28"/>
+      <p:boldItalic r:id="rId29"/>
     </p:embeddedFont>
     <p:embeddedFont>
       <p:font typeface="Roboto Medium"/>
-      <p:regular r:id="rId35"/>
-      <p:bold r:id="rId36"/>
-      <p:italic r:id="rId37"/>
-      <p:boldItalic r:id="rId38"/>
+      <p:regular r:id="rId30"/>
+      <p:bold r:id="rId31"/>
+      <p:italic r:id="rId32"/>
+      <p:boldItalic r:id="rId33"/>
     </p:embeddedFont>
     <p:embeddedFont>
       <p:font typeface="Inter"/>
-      <p:regular r:id="rId39"/>
-      <p:bold r:id="rId40"/>
-      <p:italic r:id="rId41"/>
-      <p:boldItalic r:id="rId42"/>
+      <p:regular r:id="rId34"/>
+      <p:bold r:id="rId35"/>
+      <p:italic r:id="rId36"/>
+      <p:boldItalic r:id="rId37"/>
     </p:embeddedFont>
     <p:embeddedFont>
       <p:font typeface="PT Sans"/>
-      <p:regular r:id="rId43"/>
-      <p:bold r:id="rId44"/>
-      <p:italic r:id="rId45"/>
-      <p:boldItalic r:id="rId46"/>
+      <p:regular r:id="rId38"/>
+      <p:bold r:id="rId39"/>
+      <p:italic r:id="rId40"/>
+      <p:boldItalic r:id="rId41"/>
     </p:embeddedFont>
     <p:embeddedFont>
       <p:font typeface="Inter Medium"/>
-      <p:regular r:id="rId47"/>
-      <p:bold r:id="rId48"/>
-      <p:italic r:id="rId49"/>
-      <p:boldItalic r:id="rId50"/>
+      <p:regular r:id="rId42"/>
+      <p:bold r:id="rId43"/>
+      <p:italic r:id="rId44"/>
+      <p:boldItalic r:id="rId45"/>
     </p:embeddedFont>
     <p:embeddedFont>
       <p:font typeface="Open Sans"/>
-      <p:regular r:id="rId51"/>
-      <p:bold r:id="rId52"/>
-      <p:italic r:id="rId53"/>
-      <p:boldItalic r:id="rId54"/>
+      <p:regular r:id="rId46"/>
+      <p:bold r:id="rId47"/>
+      <p:italic r:id="rId48"/>
+      <p:boldItalic r:id="rId49"/>
     </p:embeddedFont>
   </p:embeddedFontLst>
   <p:defaultTextStyle>
@@ -1902,501 +1897,6 @@
       <p:sp>
         <p:nvSpPr>
           <p:cNvPr id="133" name="Google Shape;133;g39f8a0fb765_0_136:notes"/>
-          <p:cNvSpPr txBox="1"/>
-          <p:nvPr>
-            <p:ph idx="1" type="body"/>
-          </p:nvPr>
-        </p:nvSpPr>
-        <p:spPr>
-          <a:xfrm>
-            <a:off x="685800" y="4343400"/>
-            <a:ext cx="5486400" cy="4114800"/>
-          </a:xfrm>
-          <a:prstGeom prst="rect">
-            <a:avLst/>
-          </a:prstGeom>
-        </p:spPr>
-        <p:txBody>
-          <a:bodyPr anchorCtr="0" anchor="t" bIns="91425" lIns="91425" spcFirstLastPara="1" rIns="91425" wrap="square" tIns="91425">
-            <a:noAutofit/>
-          </a:bodyPr>
-          <a:lstStyle/>
-          <a:p>
-            <a:pPr indent="0" lvl="0" marL="0" rtl="0" algn="l">
-              <a:spcBef>
-                <a:spcPts val="0"/>
-              </a:spcBef>
-              <a:spcAft>
-                <a:spcPts val="0"/>
-              </a:spcAft>
-              <a:buNone/>
-            </a:pPr>
-            <a:r>
-              <a:t/>
-            </a:r>
-            <a:endParaRPr/>
-          </a:p>
-        </p:txBody>
-      </p:sp>
-    </p:spTree>
-  </p:cSld>
-  <p:clrMapOvr>
-    <a:masterClrMapping/>
-  </p:clrMapOvr>
-</p:notes>
-</file>
-
-<file path=ppt/notesSlides/notesSlide20.xml><?xml version="1.0" encoding="utf-8"?>
-<p:notes xmlns:a="http://schemas.openxmlformats.org/drawingml/2006/main" xmlns:r="http://schemas.openxmlformats.org/officeDocument/2006/relationships" xmlns:mc="http://schemas.openxmlformats.org/markup-compatibility/2006" xmlns:mv="urn:schemas-microsoft-com:mac:vml" xmlns:p="http://schemas.openxmlformats.org/presentationml/2006/main" xmlns:c="http://schemas.openxmlformats.org/drawingml/2006/chart" xmlns:dgm="http://schemas.openxmlformats.org/drawingml/2006/diagram" xmlns:o="urn:schemas-microsoft-com:office:office" xmlns:v="urn:schemas-microsoft-com:vml" xmlns:pvml="urn:schemas-microsoft-com:office:powerpoint" xmlns:com="http://schemas.openxmlformats.org/drawingml/2006/compatibility" xmlns:p14="http://schemas.microsoft.com/office/powerpoint/2010/main" xmlns:p15="http://schemas.microsoft.com/office/powerpoint/2012/main" xmlns:ahyp="http://schemas.microsoft.com/office/drawing/2018/hyperlinkcolor" showMasterPhAnim="0" showMasterSp="0">
-  <p:cSld>
-    <p:spTree>
-      <p:nvGrpSpPr>
-        <p:cNvPr id="361" name="Shape 361"/>
-        <p:cNvGrpSpPr/>
-        <p:nvPr/>
-      </p:nvGrpSpPr>
-      <p:grpSpPr>
-        <a:xfrm>
-          <a:off x="0" y="0"/>
-          <a:ext cx="0" cy="0"/>
-          <a:chOff x="0" y="0"/>
-          <a:chExt cx="0" cy="0"/>
-        </a:xfrm>
-      </p:grpSpPr>
-      <p:sp>
-        <p:nvSpPr>
-          <p:cNvPr id="362" name="Google Shape;362;g39d1cda8c53_0_429:notes"/>
-          <p:cNvSpPr/>
-          <p:nvPr>
-            <p:ph idx="2" type="sldImg"/>
-          </p:nvPr>
-        </p:nvSpPr>
-        <p:spPr>
-          <a:xfrm>
-            <a:off x="381300" y="685800"/>
-            <a:ext cx="6096000" cy="3429000"/>
-          </a:xfrm>
-          <a:custGeom>
-            <a:rect b="b" l="l" r="r" t="t"/>
-            <a:pathLst>
-              <a:path extrusionOk="0" h="120000" w="120000">
-                <a:moveTo>
-                  <a:pt x="0" y="0"/>
-                </a:moveTo>
-                <a:lnTo>
-                  <a:pt x="120000" y="0"/>
-                </a:lnTo>
-                <a:lnTo>
-                  <a:pt x="120000" y="120000"/>
-                </a:lnTo>
-                <a:lnTo>
-                  <a:pt x="0" y="120000"/>
-                </a:lnTo>
-                <a:close/>
-              </a:path>
-            </a:pathLst>
-          </a:custGeom>
-        </p:spPr>
-      </p:sp>
-      <p:sp>
-        <p:nvSpPr>
-          <p:cNvPr id="363" name="Google Shape;363;g39d1cda8c53_0_429:notes"/>
-          <p:cNvSpPr txBox="1"/>
-          <p:nvPr>
-            <p:ph idx="1" type="body"/>
-          </p:nvPr>
-        </p:nvSpPr>
-        <p:spPr>
-          <a:xfrm>
-            <a:off x="685800" y="4343400"/>
-            <a:ext cx="5486400" cy="4114800"/>
-          </a:xfrm>
-          <a:prstGeom prst="rect">
-            <a:avLst/>
-          </a:prstGeom>
-        </p:spPr>
-        <p:txBody>
-          <a:bodyPr anchorCtr="0" anchor="t" bIns="91425" lIns="91425" spcFirstLastPara="1" rIns="91425" wrap="square" tIns="91425">
-            <a:noAutofit/>
-          </a:bodyPr>
-          <a:lstStyle/>
-          <a:p>
-            <a:pPr indent="0" lvl="0" marL="0" rtl="0" algn="l">
-              <a:spcBef>
-                <a:spcPts val="0"/>
-              </a:spcBef>
-              <a:spcAft>
-                <a:spcPts val="0"/>
-              </a:spcAft>
-              <a:buNone/>
-            </a:pPr>
-            <a:r>
-              <a:t/>
-            </a:r>
-            <a:endParaRPr/>
-          </a:p>
-        </p:txBody>
-      </p:sp>
-    </p:spTree>
-  </p:cSld>
-  <p:clrMapOvr>
-    <a:masterClrMapping/>
-  </p:clrMapOvr>
-</p:notes>
-</file>
-
-<file path=ppt/notesSlides/notesSlide21.xml><?xml version="1.0" encoding="utf-8"?>
-<p:notes xmlns:a="http://schemas.openxmlformats.org/drawingml/2006/main" xmlns:r="http://schemas.openxmlformats.org/officeDocument/2006/relationships" xmlns:mc="http://schemas.openxmlformats.org/markup-compatibility/2006" xmlns:mv="urn:schemas-microsoft-com:mac:vml" xmlns:p="http://schemas.openxmlformats.org/presentationml/2006/main" xmlns:c="http://schemas.openxmlformats.org/drawingml/2006/chart" xmlns:dgm="http://schemas.openxmlformats.org/drawingml/2006/diagram" xmlns:o="urn:schemas-microsoft-com:office:office" xmlns:v="urn:schemas-microsoft-com:vml" xmlns:pvml="urn:schemas-microsoft-com:office:powerpoint" xmlns:com="http://schemas.openxmlformats.org/drawingml/2006/compatibility" xmlns:p14="http://schemas.microsoft.com/office/powerpoint/2010/main" xmlns:p15="http://schemas.microsoft.com/office/powerpoint/2012/main" xmlns:ahyp="http://schemas.microsoft.com/office/drawing/2018/hyperlinkcolor" showMasterPhAnim="0" showMasterSp="0">
-  <p:cSld>
-    <p:spTree>
-      <p:nvGrpSpPr>
-        <p:cNvPr id="385" name="Shape 385"/>
-        <p:cNvGrpSpPr/>
-        <p:nvPr/>
-      </p:nvGrpSpPr>
-      <p:grpSpPr>
-        <a:xfrm>
-          <a:off x="0" y="0"/>
-          <a:ext cx="0" cy="0"/>
-          <a:chOff x="0" y="0"/>
-          <a:chExt cx="0" cy="0"/>
-        </a:xfrm>
-      </p:grpSpPr>
-      <p:sp>
-        <p:nvSpPr>
-          <p:cNvPr id="386" name="Google Shape;386;g39d1cda8c53_0_0:notes"/>
-          <p:cNvSpPr/>
-          <p:nvPr>
-            <p:ph idx="2" type="sldImg"/>
-          </p:nvPr>
-        </p:nvSpPr>
-        <p:spPr>
-          <a:xfrm>
-            <a:off x="381300" y="685800"/>
-            <a:ext cx="6096000" cy="3429000"/>
-          </a:xfrm>
-          <a:custGeom>
-            <a:rect b="b" l="l" r="r" t="t"/>
-            <a:pathLst>
-              <a:path extrusionOk="0" h="120000" w="120000">
-                <a:moveTo>
-                  <a:pt x="0" y="0"/>
-                </a:moveTo>
-                <a:lnTo>
-                  <a:pt x="120000" y="0"/>
-                </a:lnTo>
-                <a:lnTo>
-                  <a:pt x="120000" y="120000"/>
-                </a:lnTo>
-                <a:lnTo>
-                  <a:pt x="0" y="120000"/>
-                </a:lnTo>
-                <a:close/>
-              </a:path>
-            </a:pathLst>
-          </a:custGeom>
-        </p:spPr>
-      </p:sp>
-      <p:sp>
-        <p:nvSpPr>
-          <p:cNvPr id="387" name="Google Shape;387;g39d1cda8c53_0_0:notes"/>
-          <p:cNvSpPr txBox="1"/>
-          <p:nvPr>
-            <p:ph idx="1" type="body"/>
-          </p:nvPr>
-        </p:nvSpPr>
-        <p:spPr>
-          <a:xfrm>
-            <a:off x="685800" y="4343400"/>
-            <a:ext cx="5486400" cy="4114800"/>
-          </a:xfrm>
-          <a:prstGeom prst="rect">
-            <a:avLst/>
-          </a:prstGeom>
-        </p:spPr>
-        <p:txBody>
-          <a:bodyPr anchorCtr="0" anchor="t" bIns="91425" lIns="91425" spcFirstLastPara="1" rIns="91425" wrap="square" tIns="91425">
-            <a:noAutofit/>
-          </a:bodyPr>
-          <a:lstStyle/>
-          <a:p>
-            <a:pPr indent="0" lvl="0" marL="0" rtl="0" algn="l">
-              <a:spcBef>
-                <a:spcPts val="0"/>
-              </a:spcBef>
-              <a:spcAft>
-                <a:spcPts val="0"/>
-              </a:spcAft>
-              <a:buNone/>
-            </a:pPr>
-            <a:r>
-              <a:t/>
-            </a:r>
-            <a:endParaRPr/>
-          </a:p>
-        </p:txBody>
-      </p:sp>
-    </p:spTree>
-  </p:cSld>
-  <p:clrMapOvr>
-    <a:masterClrMapping/>
-  </p:clrMapOvr>
-</p:notes>
-</file>
-
-<file path=ppt/notesSlides/notesSlide22.xml><?xml version="1.0" encoding="utf-8"?>
-<p:notes xmlns:a="http://schemas.openxmlformats.org/drawingml/2006/main" xmlns:r="http://schemas.openxmlformats.org/officeDocument/2006/relationships" xmlns:mc="http://schemas.openxmlformats.org/markup-compatibility/2006" xmlns:mv="urn:schemas-microsoft-com:mac:vml" xmlns:p="http://schemas.openxmlformats.org/presentationml/2006/main" xmlns:c="http://schemas.openxmlformats.org/drawingml/2006/chart" xmlns:dgm="http://schemas.openxmlformats.org/drawingml/2006/diagram" xmlns:o="urn:schemas-microsoft-com:office:office" xmlns:v="urn:schemas-microsoft-com:vml" xmlns:pvml="urn:schemas-microsoft-com:office:powerpoint" xmlns:com="http://schemas.openxmlformats.org/drawingml/2006/compatibility" xmlns:p14="http://schemas.microsoft.com/office/powerpoint/2010/main" xmlns:p15="http://schemas.microsoft.com/office/powerpoint/2012/main" xmlns:ahyp="http://schemas.microsoft.com/office/drawing/2018/hyperlinkcolor" showMasterPhAnim="0" showMasterSp="0">
-  <p:cSld>
-    <p:spTree>
-      <p:nvGrpSpPr>
-        <p:cNvPr id="409" name="Shape 409"/>
-        <p:cNvGrpSpPr/>
-        <p:nvPr/>
-      </p:nvGrpSpPr>
-      <p:grpSpPr>
-        <a:xfrm>
-          <a:off x="0" y="0"/>
-          <a:ext cx="0" cy="0"/>
-          <a:chOff x="0" y="0"/>
-          <a:chExt cx="0" cy="0"/>
-        </a:xfrm>
-      </p:grpSpPr>
-      <p:sp>
-        <p:nvSpPr>
-          <p:cNvPr id="410" name="Google Shape;410;g39f8a0fb765_0_0:notes"/>
-          <p:cNvSpPr/>
-          <p:nvPr>
-            <p:ph idx="2" type="sldImg"/>
-          </p:nvPr>
-        </p:nvSpPr>
-        <p:spPr>
-          <a:xfrm>
-            <a:off x="381300" y="685800"/>
-            <a:ext cx="6096000" cy="3429000"/>
-          </a:xfrm>
-          <a:custGeom>
-            <a:rect b="b" l="l" r="r" t="t"/>
-            <a:pathLst>
-              <a:path extrusionOk="0" h="120000" w="120000">
-                <a:moveTo>
-                  <a:pt x="0" y="0"/>
-                </a:moveTo>
-                <a:lnTo>
-                  <a:pt x="120000" y="0"/>
-                </a:lnTo>
-                <a:lnTo>
-                  <a:pt x="120000" y="120000"/>
-                </a:lnTo>
-                <a:lnTo>
-                  <a:pt x="0" y="120000"/>
-                </a:lnTo>
-                <a:close/>
-              </a:path>
-            </a:pathLst>
-          </a:custGeom>
-        </p:spPr>
-      </p:sp>
-      <p:sp>
-        <p:nvSpPr>
-          <p:cNvPr id="411" name="Google Shape;411;g39f8a0fb765_0_0:notes"/>
-          <p:cNvSpPr txBox="1"/>
-          <p:nvPr>
-            <p:ph idx="1" type="body"/>
-          </p:nvPr>
-        </p:nvSpPr>
-        <p:spPr>
-          <a:xfrm>
-            <a:off x="685800" y="4343400"/>
-            <a:ext cx="5486400" cy="4114800"/>
-          </a:xfrm>
-          <a:prstGeom prst="rect">
-            <a:avLst/>
-          </a:prstGeom>
-        </p:spPr>
-        <p:txBody>
-          <a:bodyPr anchorCtr="0" anchor="t" bIns="91425" lIns="91425" spcFirstLastPara="1" rIns="91425" wrap="square" tIns="91425">
-            <a:noAutofit/>
-          </a:bodyPr>
-          <a:lstStyle/>
-          <a:p>
-            <a:pPr indent="0" lvl="0" marL="0" rtl="0" algn="l">
-              <a:spcBef>
-                <a:spcPts val="0"/>
-              </a:spcBef>
-              <a:spcAft>
-                <a:spcPts val="0"/>
-              </a:spcAft>
-              <a:buNone/>
-            </a:pPr>
-            <a:r>
-              <a:t/>
-            </a:r>
-            <a:endParaRPr/>
-          </a:p>
-        </p:txBody>
-      </p:sp>
-    </p:spTree>
-  </p:cSld>
-  <p:clrMapOvr>
-    <a:masterClrMapping/>
-  </p:clrMapOvr>
-</p:notes>
-</file>
-
-<file path=ppt/notesSlides/notesSlide23.xml><?xml version="1.0" encoding="utf-8"?>
-<p:notes xmlns:a="http://schemas.openxmlformats.org/drawingml/2006/main" xmlns:r="http://schemas.openxmlformats.org/officeDocument/2006/relationships" xmlns:mc="http://schemas.openxmlformats.org/markup-compatibility/2006" xmlns:mv="urn:schemas-microsoft-com:mac:vml" xmlns:p="http://schemas.openxmlformats.org/presentationml/2006/main" xmlns:c="http://schemas.openxmlformats.org/drawingml/2006/chart" xmlns:dgm="http://schemas.openxmlformats.org/drawingml/2006/diagram" xmlns:o="urn:schemas-microsoft-com:office:office" xmlns:v="urn:schemas-microsoft-com:vml" xmlns:pvml="urn:schemas-microsoft-com:office:powerpoint" xmlns:com="http://schemas.openxmlformats.org/drawingml/2006/compatibility" xmlns:p14="http://schemas.microsoft.com/office/powerpoint/2010/main" xmlns:p15="http://schemas.microsoft.com/office/powerpoint/2012/main" xmlns:ahyp="http://schemas.microsoft.com/office/drawing/2018/hyperlinkcolor" showMasterPhAnim="0" showMasterSp="0">
-  <p:cSld>
-    <p:spTree>
-      <p:nvGrpSpPr>
-        <p:cNvPr id="429" name="Shape 429"/>
-        <p:cNvGrpSpPr/>
-        <p:nvPr/>
-      </p:nvGrpSpPr>
-      <p:grpSpPr>
-        <a:xfrm>
-          <a:off x="0" y="0"/>
-          <a:ext cx="0" cy="0"/>
-          <a:chOff x="0" y="0"/>
-          <a:chExt cx="0" cy="0"/>
-        </a:xfrm>
-      </p:grpSpPr>
-      <p:sp>
-        <p:nvSpPr>
-          <p:cNvPr id="430" name="Google Shape;430;g39d22f40a72_0_306:notes"/>
-          <p:cNvSpPr/>
-          <p:nvPr>
-            <p:ph idx="2" type="sldImg"/>
-          </p:nvPr>
-        </p:nvSpPr>
-        <p:spPr>
-          <a:xfrm>
-            <a:off x="381300" y="685800"/>
-            <a:ext cx="6096000" cy="3429000"/>
-          </a:xfrm>
-          <a:custGeom>
-            <a:rect b="b" l="l" r="r" t="t"/>
-            <a:pathLst>
-              <a:path extrusionOk="0" h="120000" w="120000">
-                <a:moveTo>
-                  <a:pt x="0" y="0"/>
-                </a:moveTo>
-                <a:lnTo>
-                  <a:pt x="120000" y="0"/>
-                </a:lnTo>
-                <a:lnTo>
-                  <a:pt x="120000" y="120000"/>
-                </a:lnTo>
-                <a:lnTo>
-                  <a:pt x="0" y="120000"/>
-                </a:lnTo>
-                <a:close/>
-              </a:path>
-            </a:pathLst>
-          </a:custGeom>
-        </p:spPr>
-      </p:sp>
-      <p:sp>
-        <p:nvSpPr>
-          <p:cNvPr id="431" name="Google Shape;431;g39d22f40a72_0_306:notes"/>
-          <p:cNvSpPr txBox="1"/>
-          <p:nvPr>
-            <p:ph idx="1" type="body"/>
-          </p:nvPr>
-        </p:nvSpPr>
-        <p:spPr>
-          <a:xfrm>
-            <a:off x="685800" y="4343400"/>
-            <a:ext cx="5486400" cy="4114800"/>
-          </a:xfrm>
-          <a:prstGeom prst="rect">
-            <a:avLst/>
-          </a:prstGeom>
-        </p:spPr>
-        <p:txBody>
-          <a:bodyPr anchorCtr="0" anchor="t" bIns="91425" lIns="91425" spcFirstLastPara="1" rIns="91425" wrap="square" tIns="91425">
-            <a:noAutofit/>
-          </a:bodyPr>
-          <a:lstStyle/>
-          <a:p>
-            <a:pPr indent="0" lvl="0" marL="0" rtl="0" algn="l">
-              <a:spcBef>
-                <a:spcPts val="0"/>
-              </a:spcBef>
-              <a:spcAft>
-                <a:spcPts val="0"/>
-              </a:spcAft>
-              <a:buNone/>
-            </a:pPr>
-            <a:r>
-              <a:t/>
-            </a:r>
-            <a:endParaRPr/>
-          </a:p>
-        </p:txBody>
-      </p:sp>
-    </p:spTree>
-  </p:cSld>
-  <p:clrMapOvr>
-    <a:masterClrMapping/>
-  </p:clrMapOvr>
-</p:notes>
-</file>
-
-<file path=ppt/notesSlides/notesSlide24.xml><?xml version="1.0" encoding="utf-8"?>
-<p:notes xmlns:a="http://schemas.openxmlformats.org/drawingml/2006/main" xmlns:r="http://schemas.openxmlformats.org/officeDocument/2006/relationships" xmlns:mc="http://schemas.openxmlformats.org/markup-compatibility/2006" xmlns:mv="urn:schemas-microsoft-com:mac:vml" xmlns:p="http://schemas.openxmlformats.org/presentationml/2006/main" xmlns:c="http://schemas.openxmlformats.org/drawingml/2006/chart" xmlns:dgm="http://schemas.openxmlformats.org/drawingml/2006/diagram" xmlns:o="urn:schemas-microsoft-com:office:office" xmlns:v="urn:schemas-microsoft-com:vml" xmlns:pvml="urn:schemas-microsoft-com:office:powerpoint" xmlns:com="http://schemas.openxmlformats.org/drawingml/2006/compatibility" xmlns:p14="http://schemas.microsoft.com/office/powerpoint/2010/main" xmlns:p15="http://schemas.microsoft.com/office/powerpoint/2012/main" xmlns:ahyp="http://schemas.microsoft.com/office/drawing/2018/hyperlinkcolor" showMasterPhAnim="0" showMasterSp="0">
-  <p:cSld>
-    <p:spTree>
-      <p:nvGrpSpPr>
-        <p:cNvPr id="439" name="Shape 439"/>
-        <p:cNvGrpSpPr/>
-        <p:nvPr/>
-      </p:nvGrpSpPr>
-      <p:grpSpPr>
-        <a:xfrm>
-          <a:off x="0" y="0"/>
-          <a:ext cx="0" cy="0"/>
-          <a:chOff x="0" y="0"/>
-          <a:chExt cx="0" cy="0"/>
-        </a:xfrm>
-      </p:grpSpPr>
-      <p:sp>
-        <p:nvSpPr>
-          <p:cNvPr id="440" name="Google Shape;440;g39d22f40a72_0_316:notes"/>
-          <p:cNvSpPr/>
-          <p:nvPr>
-            <p:ph idx="2" type="sldImg"/>
-          </p:nvPr>
-        </p:nvSpPr>
-        <p:spPr>
-          <a:xfrm>
-            <a:off x="381300" y="685800"/>
-            <a:ext cx="6096000" cy="3429000"/>
-          </a:xfrm>
-          <a:custGeom>
-            <a:rect b="b" l="l" r="r" t="t"/>
-            <a:pathLst>
-              <a:path extrusionOk="0" h="120000" w="120000">
-                <a:moveTo>
-                  <a:pt x="0" y="0"/>
-                </a:moveTo>
-                <a:lnTo>
-                  <a:pt x="120000" y="0"/>
-                </a:lnTo>
-                <a:lnTo>
-                  <a:pt x="120000" y="120000"/>
-                </a:lnTo>
-                <a:lnTo>
-                  <a:pt x="0" y="120000"/>
-                </a:lnTo>
-                <a:close/>
-              </a:path>
-            </a:pathLst>
-          </a:custGeom>
-        </p:spPr>
-      </p:sp>
-      <p:sp>
-        <p:nvSpPr>
-          <p:cNvPr id="441" name="Google Shape;441;g39d22f40a72_0_316:notes"/>
           <p:cNvSpPr txBox="1"/>
           <p:nvPr>
             <p:ph idx="1" type="body"/>
@@ -20109,7 +19609,7 @@
             <a:tbl>
               <a:tblPr>
                 <a:noFill/>
-                <a:tableStyleId>{AE9D1308-345A-421A-9E02-396EEAEEFB33}</a:tableStyleId>
+                <a:tableStyleId>{570ED1C0-5C36-48CA-AD4B-77B59B7D5A2E}</a:tableStyleId>
               </a:tblPr>
               <a:tblGrid>
                 <a:gridCol w="2481375"/>
@@ -22624,7 +22124,7 @@
             <a:tbl>
               <a:tblPr>
                 <a:noFill/>
-                <a:tableStyleId>{11956437-BD61-44E9-9959-3B7B5E1DDDC8}</a:tableStyleId>
+                <a:tableStyleId>{3545C560-9254-4400-A8C3-3D85775E7572}</a:tableStyleId>
               </a:tblPr>
               <a:tblGrid>
                 <a:gridCol w="954500"/>
@@ -30133,4659 +29633,6 @@
 </p:sld>
 </file>
 
-<file path=ppt/slides/slide20.xml><?xml version="1.0" encoding="utf-8"?>
-<p:sld xmlns:a="http://schemas.openxmlformats.org/drawingml/2006/main" xmlns:r="http://schemas.openxmlformats.org/officeDocument/2006/relationships" xmlns:mc="http://schemas.openxmlformats.org/markup-compatibility/2006" xmlns:mv="urn:schemas-microsoft-com:mac:vml" xmlns:p="http://schemas.openxmlformats.org/presentationml/2006/main" xmlns:c="http://schemas.openxmlformats.org/drawingml/2006/chart" xmlns:dgm="http://schemas.openxmlformats.org/drawingml/2006/diagram" xmlns:o="urn:schemas-microsoft-com:office:office" xmlns:v="urn:schemas-microsoft-com:vml" xmlns:pvml="urn:schemas-microsoft-com:office:powerpoint" xmlns:com="http://schemas.openxmlformats.org/drawingml/2006/compatibility" xmlns:p14="http://schemas.microsoft.com/office/powerpoint/2010/main" xmlns:p15="http://schemas.microsoft.com/office/powerpoint/2012/main" xmlns:ahyp="http://schemas.microsoft.com/office/drawing/2018/hyperlinkcolor" show="0">
-  <p:cSld>
-    <p:spTree>
-      <p:nvGrpSpPr>
-        <p:cNvPr id="364" name="Shape 364"/>
-        <p:cNvGrpSpPr/>
-        <p:nvPr/>
-      </p:nvGrpSpPr>
-      <p:grpSpPr>
-        <a:xfrm>
-          <a:off x="0" y="0"/>
-          <a:ext cx="0" cy="0"/>
-          <a:chOff x="0" y="0"/>
-          <a:chExt cx="0" cy="0"/>
-        </a:xfrm>
-      </p:grpSpPr>
-      <p:sp>
-        <p:nvSpPr>
-          <p:cNvPr id="365" name="Google Shape;365;p43"/>
-          <p:cNvSpPr txBox="1"/>
-          <p:nvPr>
-            <p:ph type="title"/>
-          </p:nvPr>
-        </p:nvSpPr>
-        <p:spPr>
-          <a:xfrm>
-            <a:off x="713225" y="539506"/>
-            <a:ext cx="4448100" cy="954300"/>
-          </a:xfrm>
-          <a:prstGeom prst="rect">
-            <a:avLst/>
-          </a:prstGeom>
-        </p:spPr>
-        <p:txBody>
-          <a:bodyPr anchorCtr="0" anchor="b" bIns="91425" lIns="91425" spcFirstLastPara="1" rIns="91425" wrap="square" tIns="91425">
-            <a:noAutofit/>
-          </a:bodyPr>
-          <a:lstStyle/>
-          <a:p>
-            <a:pPr indent="0" lvl="0" marL="0" rtl="0" algn="l">
-              <a:spcBef>
-                <a:spcPts val="0"/>
-              </a:spcBef>
-              <a:spcAft>
-                <a:spcPts val="0"/>
-              </a:spcAft>
-              <a:buNone/>
-            </a:pPr>
-            <a:r>
-              <a:rPr lang="en"/>
-              <a:t>Thanks!</a:t>
-            </a:r>
-            <a:endParaRPr/>
-          </a:p>
-        </p:txBody>
-      </p:sp>
-      <p:sp>
-        <p:nvSpPr>
-          <p:cNvPr id="366" name="Google Shape;366;p43"/>
-          <p:cNvSpPr txBox="1"/>
-          <p:nvPr>
-            <p:ph idx="1" type="subTitle"/>
-          </p:nvPr>
-        </p:nvSpPr>
-        <p:spPr>
-          <a:xfrm>
-            <a:off x="713225" y="1423672"/>
-            <a:ext cx="4448100" cy="1046700"/>
-          </a:xfrm>
-          <a:prstGeom prst="rect">
-            <a:avLst/>
-          </a:prstGeom>
-        </p:spPr>
-        <p:txBody>
-          <a:bodyPr anchorCtr="0" anchor="t" bIns="91425" lIns="91425" spcFirstLastPara="1" rIns="91425" wrap="square" tIns="91425">
-            <a:noAutofit/>
-          </a:bodyPr>
-          <a:lstStyle/>
-          <a:p>
-            <a:pPr indent="0" lvl="0" marL="0" rtl="0" algn="l">
-              <a:spcBef>
-                <a:spcPts val="0"/>
-              </a:spcBef>
-              <a:spcAft>
-                <a:spcPts val="0"/>
-              </a:spcAft>
-              <a:buNone/>
-            </a:pPr>
-            <a:r>
-              <a:rPr b="1" lang="en">
-                <a:solidFill>
-                  <a:schemeClr val="lt1"/>
-                </a:solidFill>
-              </a:rPr>
-              <a:t>Do you have any questions?</a:t>
-            </a:r>
-            <a:endParaRPr b="1">
-              <a:solidFill>
-                <a:schemeClr val="lt1"/>
-              </a:solidFill>
-            </a:endParaRPr>
-          </a:p>
-          <a:p>
-            <a:pPr indent="0" lvl="0" marL="0" rtl="0" algn="l">
-              <a:spcBef>
-                <a:spcPts val="0"/>
-              </a:spcBef>
-              <a:spcAft>
-                <a:spcPts val="0"/>
-              </a:spcAft>
-              <a:buNone/>
-            </a:pPr>
-            <a:r>
-              <a:rPr lang="en">
-                <a:solidFill>
-                  <a:schemeClr val="lt1"/>
-                </a:solidFill>
-              </a:rPr>
-              <a:t>youremail@freepik.com</a:t>
-            </a:r>
-            <a:endParaRPr>
-              <a:solidFill>
-                <a:schemeClr val="lt1"/>
-              </a:solidFill>
-            </a:endParaRPr>
-          </a:p>
-          <a:p>
-            <a:pPr indent="0" lvl="0" marL="0" rtl="0" algn="l">
-              <a:spcBef>
-                <a:spcPts val="0"/>
-              </a:spcBef>
-              <a:spcAft>
-                <a:spcPts val="0"/>
-              </a:spcAft>
-              <a:buNone/>
-            </a:pPr>
-            <a:r>
-              <a:rPr lang="en">
-                <a:solidFill>
-                  <a:schemeClr val="lt1"/>
-                </a:solidFill>
-              </a:rPr>
-              <a:t>+34 654 321 432</a:t>
-            </a:r>
-            <a:endParaRPr>
-              <a:solidFill>
-                <a:schemeClr val="lt1"/>
-              </a:solidFill>
-            </a:endParaRPr>
-          </a:p>
-          <a:p>
-            <a:pPr indent="0" lvl="0" marL="0" rtl="0" algn="l">
-              <a:spcBef>
-                <a:spcPts val="0"/>
-              </a:spcBef>
-              <a:spcAft>
-                <a:spcPts val="0"/>
-              </a:spcAft>
-              <a:buNone/>
-            </a:pPr>
-            <a:r>
-              <a:rPr lang="en">
-                <a:solidFill>
-                  <a:schemeClr val="lt1"/>
-                </a:solidFill>
-              </a:rPr>
-              <a:t>yourwebsite.com</a:t>
-            </a:r>
-            <a:endParaRPr>
-              <a:solidFill>
-                <a:schemeClr val="lt1"/>
-              </a:solidFill>
-            </a:endParaRPr>
-          </a:p>
-        </p:txBody>
-      </p:sp>
-      <p:sp>
-        <p:nvSpPr>
-          <p:cNvPr id="367" name="Google Shape;367;p43"/>
-          <p:cNvSpPr txBox="1"/>
-          <p:nvPr/>
-        </p:nvSpPr>
-        <p:spPr>
-          <a:xfrm>
-            <a:off x="713225" y="3908194"/>
-            <a:ext cx="4151700" cy="338700"/>
-          </a:xfrm>
-          <a:prstGeom prst="rect">
-            <a:avLst/>
-          </a:prstGeom>
-          <a:noFill/>
-          <a:ln>
-            <a:noFill/>
-          </a:ln>
-        </p:spPr>
-        <p:txBody>
-          <a:bodyPr anchorCtr="0" anchor="t" bIns="91425" lIns="91425" spcFirstLastPara="1" rIns="91425" wrap="square" tIns="91425">
-            <a:noAutofit/>
-          </a:bodyPr>
-          <a:lstStyle/>
-          <a:p>
-            <a:pPr indent="0" lvl="0" marL="0" rtl="0" algn="l">
-              <a:spcBef>
-                <a:spcPts val="0"/>
-              </a:spcBef>
-              <a:spcAft>
-                <a:spcPts val="0"/>
-              </a:spcAft>
-              <a:buNone/>
-            </a:pPr>
-            <a:r>
-              <a:rPr lang="en" sz="1000">
-                <a:solidFill>
-                  <a:schemeClr val="lt1"/>
-                </a:solidFill>
-                <a:latin typeface="Roboto"/>
-                <a:ea typeface="Roboto"/>
-                <a:cs typeface="Roboto"/>
-                <a:sym typeface="Roboto"/>
-              </a:rPr>
-              <a:t>Please keep this slide for attribution</a:t>
-            </a:r>
-            <a:endParaRPr sz="1000">
-              <a:solidFill>
-                <a:schemeClr val="lt1"/>
-              </a:solidFill>
-              <a:latin typeface="Roboto"/>
-              <a:ea typeface="Roboto"/>
-              <a:cs typeface="Roboto"/>
-              <a:sym typeface="Roboto"/>
-            </a:endParaRPr>
-          </a:p>
-        </p:txBody>
-      </p:sp>
-      <p:sp>
-        <p:nvSpPr>
-          <p:cNvPr id="368" name="Google Shape;368;p43"/>
-          <p:cNvSpPr/>
-          <p:nvPr/>
-        </p:nvSpPr>
-        <p:spPr>
-          <a:xfrm>
-            <a:off x="749169" y="2673966"/>
-            <a:ext cx="291347" cy="291669"/>
-          </a:xfrm>
-          <a:custGeom>
-            <a:rect b="b" l="l" r="r" t="t"/>
-            <a:pathLst>
-              <a:path extrusionOk="0" h="10872" w="10860">
-                <a:moveTo>
-                  <a:pt x="5430" y="1"/>
-                </a:moveTo>
-                <a:cubicBezTo>
-                  <a:pt x="3990" y="1"/>
-                  <a:pt x="2608" y="560"/>
-                  <a:pt x="1596" y="1584"/>
-                </a:cubicBezTo>
-                <a:cubicBezTo>
-                  <a:pt x="561" y="2620"/>
-                  <a:pt x="1" y="3989"/>
-                  <a:pt x="1" y="5430"/>
-                </a:cubicBezTo>
-                <a:cubicBezTo>
-                  <a:pt x="1" y="6561"/>
-                  <a:pt x="346" y="7645"/>
-                  <a:pt x="1001" y="8573"/>
-                </a:cubicBezTo>
-                <a:cubicBezTo>
-                  <a:pt x="1632" y="9466"/>
-                  <a:pt x="2513" y="10145"/>
-                  <a:pt x="3537" y="10538"/>
-                </a:cubicBezTo>
-                <a:cubicBezTo>
-                  <a:pt x="3559" y="10544"/>
-                  <a:pt x="3579" y="10547"/>
-                  <a:pt x="3599" y="10547"/>
-                </a:cubicBezTo>
-                <a:cubicBezTo>
-                  <a:pt x="3656" y="10547"/>
-                  <a:pt x="3704" y="10522"/>
-                  <a:pt x="3740" y="10478"/>
-                </a:cubicBezTo>
-                <a:cubicBezTo>
-                  <a:pt x="3763" y="10443"/>
-                  <a:pt x="3763" y="10395"/>
-                  <a:pt x="3763" y="10371"/>
-                </a:cubicBezTo>
-                <a:lnTo>
-                  <a:pt x="3763" y="7275"/>
-                </a:lnTo>
-                <a:cubicBezTo>
-                  <a:pt x="3763" y="7180"/>
-                  <a:pt x="3692" y="7097"/>
-                  <a:pt x="3585" y="7097"/>
-                </a:cubicBezTo>
-                <a:lnTo>
-                  <a:pt x="2156" y="7097"/>
-                </a:lnTo>
-                <a:lnTo>
-                  <a:pt x="2156" y="5835"/>
-                </a:lnTo>
-                <a:lnTo>
-                  <a:pt x="3585" y="5835"/>
-                </a:lnTo>
-                <a:cubicBezTo>
-                  <a:pt x="3680" y="5835"/>
-                  <a:pt x="3763" y="5751"/>
-                  <a:pt x="3763" y="5656"/>
-                </a:cubicBezTo>
-                <a:lnTo>
-                  <a:pt x="3763" y="5430"/>
-                </a:lnTo>
-                <a:cubicBezTo>
-                  <a:pt x="3763" y="3942"/>
-                  <a:pt x="5180" y="2632"/>
-                  <a:pt x="6799" y="2632"/>
-                </a:cubicBezTo>
-                <a:lnTo>
-                  <a:pt x="7550" y="2632"/>
-                </a:lnTo>
-                <a:lnTo>
-                  <a:pt x="7550" y="3894"/>
-                </a:lnTo>
-                <a:lnTo>
-                  <a:pt x="6799" y="3894"/>
-                </a:lnTo>
-                <a:cubicBezTo>
-                  <a:pt x="6311" y="3894"/>
-                  <a:pt x="5883" y="4025"/>
-                  <a:pt x="5561" y="4287"/>
-                </a:cubicBezTo>
-                <a:cubicBezTo>
-                  <a:pt x="5228" y="4561"/>
-                  <a:pt x="5025" y="4966"/>
-                  <a:pt x="5025" y="5430"/>
-                </a:cubicBezTo>
-                <a:lnTo>
-                  <a:pt x="5025" y="5656"/>
-                </a:lnTo>
-                <a:cubicBezTo>
-                  <a:pt x="5025" y="5740"/>
-                  <a:pt x="5109" y="5835"/>
-                  <a:pt x="5204" y="5835"/>
-                </a:cubicBezTo>
-                <a:lnTo>
-                  <a:pt x="5883" y="5835"/>
-                </a:lnTo>
-                <a:cubicBezTo>
-                  <a:pt x="5966" y="5835"/>
-                  <a:pt x="6061" y="5751"/>
-                  <a:pt x="6061" y="5656"/>
-                </a:cubicBezTo>
-                <a:cubicBezTo>
-                  <a:pt x="6061" y="5561"/>
-                  <a:pt x="5978" y="5478"/>
-                  <a:pt x="5883" y="5478"/>
-                </a:cubicBezTo>
-                <a:lnTo>
-                  <a:pt x="5371" y="5478"/>
-                </a:lnTo>
-                <a:lnTo>
-                  <a:pt x="5371" y="5418"/>
-                </a:lnTo>
-                <a:cubicBezTo>
-                  <a:pt x="5371" y="4525"/>
-                  <a:pt x="6145" y="4204"/>
-                  <a:pt x="6799" y="4204"/>
-                </a:cubicBezTo>
-                <a:lnTo>
-                  <a:pt x="7704" y="4204"/>
-                </a:lnTo>
-                <a:cubicBezTo>
-                  <a:pt x="7800" y="4204"/>
-                  <a:pt x="7883" y="4132"/>
-                  <a:pt x="7883" y="4025"/>
-                </a:cubicBezTo>
-                <a:lnTo>
-                  <a:pt x="7883" y="2418"/>
-                </a:lnTo>
-                <a:cubicBezTo>
-                  <a:pt x="7883" y="2334"/>
-                  <a:pt x="7811" y="2239"/>
-                  <a:pt x="7704" y="2239"/>
-                </a:cubicBezTo>
-                <a:lnTo>
-                  <a:pt x="6799" y="2239"/>
-                </a:lnTo>
-                <a:cubicBezTo>
-                  <a:pt x="5966" y="2239"/>
-                  <a:pt x="5121" y="2572"/>
-                  <a:pt x="4466" y="3156"/>
-                </a:cubicBezTo>
-                <a:cubicBezTo>
-                  <a:pt x="3799" y="3763"/>
-                  <a:pt x="3418" y="4549"/>
-                  <a:pt x="3418" y="5382"/>
-                </a:cubicBezTo>
-                <a:lnTo>
-                  <a:pt x="3418" y="5442"/>
-                </a:lnTo>
-                <a:lnTo>
-                  <a:pt x="1989" y="5442"/>
-                </a:lnTo>
-                <a:cubicBezTo>
-                  <a:pt x="1906" y="5442"/>
-                  <a:pt x="1811" y="5513"/>
-                  <a:pt x="1811" y="5620"/>
-                </a:cubicBezTo>
-                <a:lnTo>
-                  <a:pt x="1811" y="7228"/>
-                </a:lnTo>
-                <a:cubicBezTo>
-                  <a:pt x="1811" y="7323"/>
-                  <a:pt x="1894" y="7406"/>
-                  <a:pt x="1989" y="7406"/>
-                </a:cubicBezTo>
-                <a:lnTo>
-                  <a:pt x="3418" y="7406"/>
-                </a:lnTo>
-                <a:lnTo>
-                  <a:pt x="3418" y="10085"/>
-                </a:lnTo>
-                <a:cubicBezTo>
-                  <a:pt x="1561" y="9300"/>
-                  <a:pt x="346" y="7442"/>
-                  <a:pt x="346" y="5418"/>
-                </a:cubicBezTo>
-                <a:cubicBezTo>
-                  <a:pt x="346" y="2596"/>
-                  <a:pt x="2620" y="322"/>
-                  <a:pt x="5430" y="322"/>
-                </a:cubicBezTo>
-                <a:cubicBezTo>
-                  <a:pt x="8228" y="322"/>
-                  <a:pt x="10526" y="2620"/>
-                  <a:pt x="10526" y="5418"/>
-                </a:cubicBezTo>
-                <a:cubicBezTo>
-                  <a:pt x="10526" y="8228"/>
-                  <a:pt x="8240" y="10502"/>
-                  <a:pt x="5430" y="10502"/>
-                </a:cubicBezTo>
-                <a:lnTo>
-                  <a:pt x="5371" y="10502"/>
-                </a:lnTo>
-                <a:lnTo>
-                  <a:pt x="5371" y="7418"/>
-                </a:lnTo>
-                <a:lnTo>
-                  <a:pt x="7728" y="7418"/>
-                </a:lnTo>
-                <a:cubicBezTo>
-                  <a:pt x="7811" y="7418"/>
-                  <a:pt x="7907" y="7347"/>
-                  <a:pt x="7907" y="7240"/>
-                </a:cubicBezTo>
-                <a:lnTo>
-                  <a:pt x="7907" y="5656"/>
-                </a:lnTo>
-                <a:cubicBezTo>
-                  <a:pt x="7907" y="5561"/>
-                  <a:pt x="7823" y="5478"/>
-                  <a:pt x="7728" y="5478"/>
-                </a:cubicBezTo>
-                <a:lnTo>
-                  <a:pt x="6728" y="5478"/>
-                </a:lnTo>
-                <a:cubicBezTo>
-                  <a:pt x="6633" y="5478"/>
-                  <a:pt x="6549" y="5549"/>
-                  <a:pt x="6549" y="5656"/>
-                </a:cubicBezTo>
-                <a:cubicBezTo>
-                  <a:pt x="6549" y="5740"/>
-                  <a:pt x="6621" y="5835"/>
-                  <a:pt x="6728" y="5835"/>
-                </a:cubicBezTo>
-                <a:lnTo>
-                  <a:pt x="7561" y="5835"/>
-                </a:lnTo>
-                <a:lnTo>
-                  <a:pt x="7561" y="7097"/>
-                </a:lnTo>
-                <a:lnTo>
-                  <a:pt x="5204" y="7097"/>
-                </a:lnTo>
-                <a:cubicBezTo>
-                  <a:pt x="5121" y="7097"/>
-                  <a:pt x="5025" y="7168"/>
-                  <a:pt x="5025" y="7275"/>
-                </a:cubicBezTo>
-                <a:lnTo>
-                  <a:pt x="5025" y="10693"/>
-                </a:lnTo>
-                <a:cubicBezTo>
-                  <a:pt x="5025" y="10788"/>
-                  <a:pt x="5109" y="10859"/>
-                  <a:pt x="5192" y="10871"/>
-                </a:cubicBezTo>
-                <a:lnTo>
-                  <a:pt x="5430" y="10871"/>
-                </a:lnTo>
-                <a:cubicBezTo>
-                  <a:pt x="6871" y="10871"/>
-                  <a:pt x="8240" y="10312"/>
-                  <a:pt x="9276" y="9288"/>
-                </a:cubicBezTo>
-                <a:cubicBezTo>
-                  <a:pt x="10300" y="8252"/>
-                  <a:pt x="10859" y="6883"/>
-                  <a:pt x="10859" y="5442"/>
-                </a:cubicBezTo>
-                <a:cubicBezTo>
-                  <a:pt x="10859" y="3989"/>
-                  <a:pt x="10300" y="2620"/>
-                  <a:pt x="9276" y="1584"/>
-                </a:cubicBezTo>
-                <a:cubicBezTo>
-                  <a:pt x="8240" y="560"/>
-                  <a:pt x="6871" y="1"/>
-                  <a:pt x="5430" y="1"/>
-                </a:cubicBezTo>
-                <a:close/>
-              </a:path>
-            </a:pathLst>
-          </a:custGeom>
-          <a:solidFill>
-            <a:schemeClr val="lt1"/>
-          </a:solidFill>
-          <a:ln>
-            <a:noFill/>
-          </a:ln>
-        </p:spPr>
-        <p:txBody>
-          <a:bodyPr anchorCtr="0" anchor="ctr" bIns="91425" lIns="91425" spcFirstLastPara="1" rIns="91425" wrap="square" tIns="91425">
-            <a:noAutofit/>
-          </a:bodyPr>
-          <a:lstStyle/>
-          <a:p>
-            <a:pPr indent="0" lvl="0" marL="0" rtl="0" algn="l">
-              <a:spcBef>
-                <a:spcPts val="0"/>
-              </a:spcBef>
-              <a:spcAft>
-                <a:spcPts val="0"/>
-              </a:spcAft>
-              <a:buNone/>
-            </a:pPr>
-            <a:r>
-              <a:t/>
-            </a:r>
-            <a:endParaRPr/>
-          </a:p>
-        </p:txBody>
-      </p:sp>
-      <p:grpSp>
-        <p:nvGrpSpPr>
-          <p:cNvPr id="369" name="Google Shape;369;p43"/>
-          <p:cNvGrpSpPr/>
-          <p:nvPr/>
-        </p:nvGrpSpPr>
-        <p:grpSpPr>
-          <a:xfrm>
-            <a:off x="1183178" y="2673494"/>
-            <a:ext cx="288091" cy="292613"/>
-            <a:chOff x="3303268" y="3817349"/>
-            <a:chExt cx="346056" cy="345674"/>
-          </a:xfrm>
-        </p:grpSpPr>
-        <p:sp>
-          <p:nvSpPr>
-            <p:cNvPr id="370" name="Google Shape;370;p43"/>
-            <p:cNvSpPr/>
-            <p:nvPr/>
-          </p:nvSpPr>
-          <p:spPr>
-            <a:xfrm>
-              <a:off x="3303268" y="3817349"/>
-              <a:ext cx="346056" cy="345674"/>
-            </a:xfrm>
-            <a:custGeom>
-              <a:rect b="b" l="l" r="r" t="t"/>
-              <a:pathLst>
-                <a:path extrusionOk="0" h="10860" w="10872">
-                  <a:moveTo>
-                    <a:pt x="5418" y="334"/>
-                  </a:moveTo>
-                  <a:cubicBezTo>
-                    <a:pt x="8228" y="334"/>
-                    <a:pt x="10514" y="2608"/>
-                    <a:pt x="10514" y="5430"/>
-                  </a:cubicBezTo>
-                  <a:cubicBezTo>
-                    <a:pt x="10514" y="8240"/>
-                    <a:pt x="8228" y="10514"/>
-                    <a:pt x="5418" y="10514"/>
-                  </a:cubicBezTo>
-                  <a:cubicBezTo>
-                    <a:pt x="2608" y="10514"/>
-                    <a:pt x="334" y="8240"/>
-                    <a:pt x="334" y="5430"/>
-                  </a:cubicBezTo>
-                  <a:cubicBezTo>
-                    <a:pt x="334" y="2608"/>
-                    <a:pt x="2608" y="334"/>
-                    <a:pt x="5418" y="334"/>
-                  </a:cubicBezTo>
-                  <a:close/>
-                  <a:moveTo>
-                    <a:pt x="5430" y="1"/>
-                  </a:moveTo>
-                  <a:cubicBezTo>
-                    <a:pt x="3989" y="1"/>
-                    <a:pt x="2620" y="560"/>
-                    <a:pt x="1596" y="1584"/>
-                  </a:cubicBezTo>
-                  <a:cubicBezTo>
-                    <a:pt x="572" y="2620"/>
-                    <a:pt x="1" y="3989"/>
-                    <a:pt x="1" y="5430"/>
-                  </a:cubicBezTo>
-                  <a:cubicBezTo>
-                    <a:pt x="1" y="6871"/>
-                    <a:pt x="572" y="8240"/>
-                    <a:pt x="1596" y="9264"/>
-                  </a:cubicBezTo>
-                  <a:cubicBezTo>
-                    <a:pt x="2620" y="10300"/>
-                    <a:pt x="3989" y="10859"/>
-                    <a:pt x="5430" y="10859"/>
-                  </a:cubicBezTo>
-                  <a:cubicBezTo>
-                    <a:pt x="6883" y="10859"/>
-                    <a:pt x="8252" y="10300"/>
-                    <a:pt x="9276" y="9264"/>
-                  </a:cubicBezTo>
-                  <a:cubicBezTo>
-                    <a:pt x="10300" y="8240"/>
-                    <a:pt x="10871" y="6871"/>
-                    <a:pt x="10871" y="5430"/>
-                  </a:cubicBezTo>
-                  <a:cubicBezTo>
-                    <a:pt x="10871" y="3989"/>
-                    <a:pt x="10300" y="2620"/>
-                    <a:pt x="9276" y="1584"/>
-                  </a:cubicBezTo>
-                  <a:cubicBezTo>
-                    <a:pt x="8252" y="560"/>
-                    <a:pt x="6883" y="1"/>
-                    <a:pt x="5430" y="1"/>
-                  </a:cubicBezTo>
-                  <a:close/>
-                </a:path>
-              </a:pathLst>
-            </a:custGeom>
-            <a:solidFill>
-              <a:schemeClr val="lt1"/>
-            </a:solidFill>
-            <a:ln>
-              <a:noFill/>
-            </a:ln>
-          </p:spPr>
-          <p:txBody>
-            <a:bodyPr anchorCtr="0" anchor="ctr" bIns="91425" lIns="91425" spcFirstLastPara="1" rIns="91425" wrap="square" tIns="91425">
-              <a:noAutofit/>
-            </a:bodyPr>
-            <a:lstStyle/>
-            <a:p>
-              <a:pPr indent="0" lvl="0" marL="0" rtl="0" algn="l">
-                <a:spcBef>
-                  <a:spcPts val="0"/>
-                </a:spcBef>
-                <a:spcAft>
-                  <a:spcPts val="0"/>
-                </a:spcAft>
-                <a:buNone/>
-              </a:pPr>
-              <a:r>
-                <a:t/>
-              </a:r>
-              <a:endParaRPr/>
-            </a:p>
-          </p:txBody>
-        </p:sp>
-        <p:sp>
-          <p:nvSpPr>
-            <p:cNvPr id="371" name="Google Shape;371;p43"/>
-            <p:cNvSpPr/>
-            <p:nvPr/>
-          </p:nvSpPr>
-          <p:spPr>
-            <a:xfrm>
-              <a:off x="3368074" y="3882537"/>
-              <a:ext cx="215298" cy="215298"/>
-            </a:xfrm>
-            <a:custGeom>
-              <a:rect b="b" l="l" r="r" t="t"/>
-              <a:pathLst>
-                <a:path extrusionOk="0" h="6764" w="6764">
-                  <a:moveTo>
-                    <a:pt x="5335" y="346"/>
-                  </a:moveTo>
-                  <a:cubicBezTo>
-                    <a:pt x="5930" y="346"/>
-                    <a:pt x="6418" y="834"/>
-                    <a:pt x="6418" y="1429"/>
-                  </a:cubicBezTo>
-                  <a:lnTo>
-                    <a:pt x="6418" y="5335"/>
-                  </a:lnTo>
-                  <a:cubicBezTo>
-                    <a:pt x="6418" y="5930"/>
-                    <a:pt x="5930" y="6418"/>
-                    <a:pt x="5335" y="6418"/>
-                  </a:cubicBezTo>
-                  <a:lnTo>
-                    <a:pt x="1429" y="6418"/>
-                  </a:lnTo>
-                  <a:cubicBezTo>
-                    <a:pt x="834" y="6418"/>
-                    <a:pt x="346" y="5930"/>
-                    <a:pt x="346" y="5335"/>
-                  </a:cubicBezTo>
-                  <a:lnTo>
-                    <a:pt x="346" y="1429"/>
-                  </a:lnTo>
-                  <a:cubicBezTo>
-                    <a:pt x="346" y="834"/>
-                    <a:pt x="834" y="346"/>
-                    <a:pt x="1429" y="346"/>
-                  </a:cubicBezTo>
-                  <a:close/>
-                  <a:moveTo>
-                    <a:pt x="1429" y="1"/>
-                  </a:moveTo>
-                  <a:cubicBezTo>
-                    <a:pt x="644" y="1"/>
-                    <a:pt x="1" y="644"/>
-                    <a:pt x="1" y="1429"/>
-                  </a:cubicBezTo>
-                  <a:lnTo>
-                    <a:pt x="1" y="5335"/>
-                  </a:lnTo>
-                  <a:cubicBezTo>
-                    <a:pt x="1" y="6120"/>
-                    <a:pt x="644" y="6763"/>
-                    <a:pt x="1429" y="6763"/>
-                  </a:cubicBezTo>
-                  <a:lnTo>
-                    <a:pt x="5335" y="6763"/>
-                  </a:lnTo>
-                  <a:cubicBezTo>
-                    <a:pt x="6121" y="6763"/>
-                    <a:pt x="6763" y="6120"/>
-                    <a:pt x="6763" y="5335"/>
-                  </a:cubicBezTo>
-                  <a:lnTo>
-                    <a:pt x="6763" y="1429"/>
-                  </a:lnTo>
-                  <a:cubicBezTo>
-                    <a:pt x="6763" y="644"/>
-                    <a:pt x="6121" y="1"/>
-                    <a:pt x="5335" y="1"/>
-                  </a:cubicBezTo>
-                  <a:close/>
-                </a:path>
-              </a:pathLst>
-            </a:custGeom>
-            <a:solidFill>
-              <a:schemeClr val="lt1"/>
-            </a:solidFill>
-            <a:ln>
-              <a:noFill/>
-            </a:ln>
-          </p:spPr>
-          <p:txBody>
-            <a:bodyPr anchorCtr="0" anchor="ctr" bIns="91425" lIns="91425" spcFirstLastPara="1" rIns="91425" wrap="square" tIns="91425">
-              <a:noAutofit/>
-            </a:bodyPr>
-            <a:lstStyle/>
-            <a:p>
-              <a:pPr indent="0" lvl="0" marL="0" rtl="0" algn="l">
-                <a:spcBef>
-                  <a:spcPts val="0"/>
-                </a:spcBef>
-                <a:spcAft>
-                  <a:spcPts val="0"/>
-                </a:spcAft>
-                <a:buNone/>
-              </a:pPr>
-              <a:r>
-                <a:t/>
-              </a:r>
-              <a:endParaRPr/>
-            </a:p>
-          </p:txBody>
-        </p:sp>
-        <p:sp>
-          <p:nvSpPr>
-            <p:cNvPr id="372" name="Google Shape;372;p43"/>
-            <p:cNvSpPr/>
-            <p:nvPr/>
-          </p:nvSpPr>
-          <p:spPr>
-            <a:xfrm>
-              <a:off x="3418143" y="3933656"/>
-              <a:ext cx="114811" cy="112742"/>
-            </a:xfrm>
-            <a:custGeom>
-              <a:rect b="b" l="l" r="r" t="t"/>
-              <a:pathLst>
-                <a:path extrusionOk="0" h="3542" w="3607">
-                  <a:moveTo>
-                    <a:pt x="1822" y="0"/>
-                  </a:moveTo>
-                  <a:cubicBezTo>
-                    <a:pt x="812" y="0"/>
-                    <a:pt x="1" y="851"/>
-                    <a:pt x="59" y="1859"/>
-                  </a:cubicBezTo>
-                  <a:cubicBezTo>
-                    <a:pt x="95" y="2776"/>
-                    <a:pt x="833" y="3502"/>
-                    <a:pt x="1726" y="3538"/>
-                  </a:cubicBezTo>
-                  <a:cubicBezTo>
-                    <a:pt x="1764" y="3541"/>
-                    <a:pt x="1802" y="3542"/>
-                    <a:pt x="1840" y="3542"/>
-                  </a:cubicBezTo>
-                  <a:cubicBezTo>
-                    <a:pt x="2178" y="3542"/>
-                    <a:pt x="2494" y="3447"/>
-                    <a:pt x="2762" y="3276"/>
-                  </a:cubicBezTo>
-                  <a:cubicBezTo>
-                    <a:pt x="2857" y="3217"/>
-                    <a:pt x="2869" y="3086"/>
-                    <a:pt x="2797" y="3014"/>
-                  </a:cubicBezTo>
-                  <a:cubicBezTo>
-                    <a:pt x="2761" y="2978"/>
-                    <a:pt x="2711" y="2964"/>
-                    <a:pt x="2664" y="2964"/>
-                  </a:cubicBezTo>
-                  <a:cubicBezTo>
-                    <a:pt x="2634" y="2964"/>
-                    <a:pt x="2606" y="2969"/>
-                    <a:pt x="2583" y="2979"/>
-                  </a:cubicBezTo>
-                  <a:cubicBezTo>
-                    <a:pt x="2380" y="3096"/>
-                    <a:pt x="2149" y="3185"/>
-                    <a:pt x="1897" y="3185"/>
-                  </a:cubicBezTo>
-                  <a:cubicBezTo>
-                    <a:pt x="1868" y="3185"/>
-                    <a:pt x="1839" y="3183"/>
-                    <a:pt x="1809" y="3181"/>
-                  </a:cubicBezTo>
-                  <a:cubicBezTo>
-                    <a:pt x="1023" y="3169"/>
-                    <a:pt x="380" y="2514"/>
-                    <a:pt x="392" y="1716"/>
-                  </a:cubicBezTo>
-                  <a:cubicBezTo>
-                    <a:pt x="426" y="948"/>
-                    <a:pt x="1028" y="330"/>
-                    <a:pt x="1792" y="330"/>
-                  </a:cubicBezTo>
-                  <a:cubicBezTo>
-                    <a:pt x="1833" y="330"/>
-                    <a:pt x="1874" y="332"/>
-                    <a:pt x="1916" y="335"/>
-                  </a:cubicBezTo>
-                  <a:cubicBezTo>
-                    <a:pt x="2619" y="371"/>
-                    <a:pt x="3190" y="943"/>
-                    <a:pt x="3250" y="1633"/>
-                  </a:cubicBezTo>
-                  <a:cubicBezTo>
-                    <a:pt x="3285" y="1919"/>
-                    <a:pt x="3214" y="2193"/>
-                    <a:pt x="3095" y="2431"/>
-                  </a:cubicBezTo>
-                  <a:cubicBezTo>
-                    <a:pt x="3059" y="2490"/>
-                    <a:pt x="3059" y="2574"/>
-                    <a:pt x="3119" y="2633"/>
-                  </a:cubicBezTo>
-                  <a:cubicBezTo>
-                    <a:pt x="3149" y="2663"/>
-                    <a:pt x="3191" y="2678"/>
-                    <a:pt x="3234" y="2678"/>
-                  </a:cubicBezTo>
-                  <a:cubicBezTo>
-                    <a:pt x="3295" y="2678"/>
-                    <a:pt x="3358" y="2648"/>
-                    <a:pt x="3393" y="2586"/>
-                  </a:cubicBezTo>
-                  <a:cubicBezTo>
-                    <a:pt x="3536" y="2324"/>
-                    <a:pt x="3607" y="2014"/>
-                    <a:pt x="3583" y="1669"/>
-                  </a:cubicBezTo>
-                  <a:cubicBezTo>
-                    <a:pt x="3536" y="764"/>
-                    <a:pt x="2797" y="50"/>
-                    <a:pt x="1904" y="2"/>
-                  </a:cubicBezTo>
-                  <a:cubicBezTo>
-                    <a:pt x="1877" y="1"/>
-                    <a:pt x="1849" y="0"/>
-                    <a:pt x="1822" y="0"/>
-                  </a:cubicBezTo>
-                  <a:close/>
-                </a:path>
-              </a:pathLst>
-            </a:custGeom>
-            <a:solidFill>
-              <a:schemeClr val="lt1"/>
-            </a:solidFill>
-            <a:ln>
-              <a:noFill/>
-            </a:ln>
-          </p:spPr>
-          <p:txBody>
-            <a:bodyPr anchorCtr="0" anchor="ctr" bIns="91425" lIns="91425" spcFirstLastPara="1" rIns="91425" wrap="square" tIns="91425">
-              <a:noAutofit/>
-            </a:bodyPr>
-            <a:lstStyle/>
-            <a:p>
-              <a:pPr indent="0" lvl="0" marL="0" rtl="0" algn="l">
-                <a:spcBef>
-                  <a:spcPts val="0"/>
-                </a:spcBef>
-                <a:spcAft>
-                  <a:spcPts val="0"/>
-                </a:spcAft>
-                <a:buNone/>
-              </a:pPr>
-              <a:r>
-                <a:t/>
-              </a:r>
-              <a:endParaRPr/>
-            </a:p>
-          </p:txBody>
-        </p:sp>
-        <p:sp>
-          <p:nvSpPr>
-            <p:cNvPr id="373" name="Google Shape;373;p43"/>
-            <p:cNvSpPr/>
-            <p:nvPr/>
-          </p:nvSpPr>
-          <p:spPr>
-            <a:xfrm>
-              <a:off x="3519298" y="3910197"/>
-              <a:ext cx="29570" cy="29220"/>
-            </a:xfrm>
-            <a:custGeom>
-              <a:rect b="b" l="l" r="r" t="t"/>
-              <a:pathLst>
-                <a:path extrusionOk="0" h="918" w="929">
-                  <a:moveTo>
-                    <a:pt x="465" y="1"/>
-                  </a:moveTo>
-                  <a:cubicBezTo>
-                    <a:pt x="203" y="1"/>
-                    <a:pt x="0" y="203"/>
-                    <a:pt x="0" y="453"/>
-                  </a:cubicBezTo>
-                  <a:cubicBezTo>
-                    <a:pt x="0" y="715"/>
-                    <a:pt x="203" y="918"/>
-                    <a:pt x="465" y="918"/>
-                  </a:cubicBezTo>
-                  <a:cubicBezTo>
-                    <a:pt x="715" y="918"/>
-                    <a:pt x="929" y="715"/>
-                    <a:pt x="929" y="453"/>
-                  </a:cubicBezTo>
-                  <a:cubicBezTo>
-                    <a:pt x="929" y="203"/>
-                    <a:pt x="715" y="1"/>
-                    <a:pt x="465" y="1"/>
-                  </a:cubicBezTo>
-                  <a:close/>
-                </a:path>
-              </a:pathLst>
-            </a:custGeom>
-            <a:solidFill>
-              <a:schemeClr val="lt1"/>
-            </a:solidFill>
-            <a:ln>
-              <a:noFill/>
-            </a:ln>
-          </p:spPr>
-          <p:txBody>
-            <a:bodyPr anchorCtr="0" anchor="ctr" bIns="91425" lIns="91425" spcFirstLastPara="1" rIns="91425" wrap="square" tIns="91425">
-              <a:noAutofit/>
-            </a:bodyPr>
-            <a:lstStyle/>
-            <a:p>
-              <a:pPr indent="0" lvl="0" marL="0" rtl="0" algn="l">
-                <a:spcBef>
-                  <a:spcPts val="0"/>
-                </a:spcBef>
-                <a:spcAft>
-                  <a:spcPts val="0"/>
-                </a:spcAft>
-                <a:buNone/>
-              </a:pPr>
-              <a:r>
-                <a:t/>
-              </a:r>
-              <a:endParaRPr/>
-            </a:p>
-          </p:txBody>
-        </p:sp>
-      </p:grpSp>
-      <p:grpSp>
-        <p:nvGrpSpPr>
-          <p:cNvPr id="374" name="Google Shape;374;p43"/>
-          <p:cNvGrpSpPr/>
-          <p:nvPr/>
-        </p:nvGrpSpPr>
-        <p:grpSpPr>
-          <a:xfrm>
-            <a:off x="1625552" y="2673494"/>
-            <a:ext cx="292625" cy="292613"/>
-            <a:chOff x="3752358" y="3817349"/>
-            <a:chExt cx="346056" cy="345674"/>
-          </a:xfrm>
-        </p:grpSpPr>
-        <p:sp>
-          <p:nvSpPr>
-            <p:cNvPr id="375" name="Google Shape;375;p43"/>
-            <p:cNvSpPr/>
-            <p:nvPr/>
-          </p:nvSpPr>
-          <p:spPr>
-            <a:xfrm>
-              <a:off x="3752358" y="3817349"/>
-              <a:ext cx="346056" cy="345674"/>
-            </a:xfrm>
-            <a:custGeom>
-              <a:rect b="b" l="l" r="r" t="t"/>
-              <a:pathLst>
-                <a:path extrusionOk="0" h="10860" w="10872">
-                  <a:moveTo>
-                    <a:pt x="5430" y="334"/>
-                  </a:moveTo>
-                  <a:cubicBezTo>
-                    <a:pt x="8252" y="334"/>
-                    <a:pt x="10526" y="2608"/>
-                    <a:pt x="10526" y="5430"/>
-                  </a:cubicBezTo>
-                  <a:cubicBezTo>
-                    <a:pt x="10526" y="8240"/>
-                    <a:pt x="8228" y="10514"/>
-                    <a:pt x="5430" y="10514"/>
-                  </a:cubicBezTo>
-                  <a:cubicBezTo>
-                    <a:pt x="2620" y="10514"/>
-                    <a:pt x="346" y="8240"/>
-                    <a:pt x="346" y="5430"/>
-                  </a:cubicBezTo>
-                  <a:cubicBezTo>
-                    <a:pt x="346" y="2608"/>
-                    <a:pt x="2620" y="334"/>
-                    <a:pt x="5430" y="334"/>
-                  </a:cubicBezTo>
-                  <a:close/>
-                  <a:moveTo>
-                    <a:pt x="5430" y="1"/>
-                  </a:moveTo>
-                  <a:cubicBezTo>
-                    <a:pt x="3989" y="1"/>
-                    <a:pt x="2620" y="560"/>
-                    <a:pt x="1596" y="1584"/>
-                  </a:cubicBezTo>
-                  <a:cubicBezTo>
-                    <a:pt x="572" y="2620"/>
-                    <a:pt x="1" y="3989"/>
-                    <a:pt x="1" y="5430"/>
-                  </a:cubicBezTo>
-                  <a:cubicBezTo>
-                    <a:pt x="1" y="6871"/>
-                    <a:pt x="572" y="8240"/>
-                    <a:pt x="1596" y="9264"/>
-                  </a:cubicBezTo>
-                  <a:cubicBezTo>
-                    <a:pt x="2620" y="10300"/>
-                    <a:pt x="3989" y="10859"/>
-                    <a:pt x="5430" y="10859"/>
-                  </a:cubicBezTo>
-                  <a:cubicBezTo>
-                    <a:pt x="6882" y="10859"/>
-                    <a:pt x="8252" y="10300"/>
-                    <a:pt x="9276" y="9264"/>
-                  </a:cubicBezTo>
-                  <a:cubicBezTo>
-                    <a:pt x="10300" y="8240"/>
-                    <a:pt x="10871" y="6871"/>
-                    <a:pt x="10871" y="5430"/>
-                  </a:cubicBezTo>
-                  <a:cubicBezTo>
-                    <a:pt x="10871" y="3989"/>
-                    <a:pt x="10300" y="2620"/>
-                    <a:pt x="9276" y="1584"/>
-                  </a:cubicBezTo>
-                  <a:cubicBezTo>
-                    <a:pt x="8252" y="560"/>
-                    <a:pt x="6882" y="1"/>
-                    <a:pt x="5430" y="1"/>
-                  </a:cubicBezTo>
-                  <a:close/>
-                </a:path>
-              </a:pathLst>
-            </a:custGeom>
-            <a:solidFill>
-              <a:schemeClr val="lt1"/>
-            </a:solidFill>
-            <a:ln>
-              <a:noFill/>
-            </a:ln>
-          </p:spPr>
-          <p:txBody>
-            <a:bodyPr anchorCtr="0" anchor="ctr" bIns="91425" lIns="91425" spcFirstLastPara="1" rIns="91425" wrap="square" tIns="91425">
-              <a:noAutofit/>
-            </a:bodyPr>
-            <a:lstStyle/>
-            <a:p>
-              <a:pPr indent="0" lvl="0" marL="0" rtl="0" algn="l">
-                <a:spcBef>
-                  <a:spcPts val="0"/>
-                </a:spcBef>
-                <a:spcAft>
-                  <a:spcPts val="0"/>
-                </a:spcAft>
-                <a:buNone/>
-              </a:pPr>
-              <a:r>
-                <a:t/>
-              </a:r>
-              <a:endParaRPr/>
-            </a:p>
-          </p:txBody>
-        </p:sp>
-        <p:sp>
-          <p:nvSpPr>
-            <p:cNvPr id="376" name="Google Shape;376;p43"/>
-            <p:cNvSpPr/>
-            <p:nvPr/>
-          </p:nvSpPr>
-          <p:spPr>
-            <a:xfrm>
-              <a:off x="3831933" y="3955682"/>
-              <a:ext cx="47809" cy="120540"/>
-            </a:xfrm>
-            <a:custGeom>
-              <a:rect b="b" l="l" r="r" t="t"/>
-              <a:pathLst>
-                <a:path extrusionOk="0" h="3787" w="1502">
-                  <a:moveTo>
-                    <a:pt x="1168" y="346"/>
-                  </a:moveTo>
-                  <a:lnTo>
-                    <a:pt x="1168" y="3430"/>
-                  </a:lnTo>
-                  <a:lnTo>
-                    <a:pt x="358" y="3430"/>
-                  </a:lnTo>
-                  <a:lnTo>
-                    <a:pt x="358" y="346"/>
-                  </a:lnTo>
-                  <a:close/>
-                  <a:moveTo>
-                    <a:pt x="180" y="1"/>
-                  </a:moveTo>
-                  <a:cubicBezTo>
-                    <a:pt x="96" y="1"/>
-                    <a:pt x="1" y="72"/>
-                    <a:pt x="1" y="179"/>
-                  </a:cubicBezTo>
-                  <a:lnTo>
-                    <a:pt x="1" y="3608"/>
-                  </a:lnTo>
-                  <a:cubicBezTo>
-                    <a:pt x="1" y="3703"/>
-                    <a:pt x="72" y="3787"/>
-                    <a:pt x="180" y="3787"/>
-                  </a:cubicBezTo>
-                  <a:lnTo>
-                    <a:pt x="1323" y="3787"/>
-                  </a:lnTo>
-                  <a:cubicBezTo>
-                    <a:pt x="1418" y="3787"/>
-                    <a:pt x="1501" y="3715"/>
-                    <a:pt x="1501" y="3608"/>
-                  </a:cubicBezTo>
-                  <a:lnTo>
-                    <a:pt x="1501" y="179"/>
-                  </a:lnTo>
-                  <a:cubicBezTo>
-                    <a:pt x="1501" y="72"/>
-                    <a:pt x="1430" y="1"/>
-                    <a:pt x="1323" y="1"/>
-                  </a:cubicBezTo>
-                  <a:close/>
-                </a:path>
-              </a:pathLst>
-            </a:custGeom>
-            <a:solidFill>
-              <a:schemeClr val="lt1"/>
-            </a:solidFill>
-            <a:ln>
-              <a:noFill/>
-            </a:ln>
-          </p:spPr>
-          <p:txBody>
-            <a:bodyPr anchorCtr="0" anchor="ctr" bIns="91425" lIns="91425" spcFirstLastPara="1" rIns="91425" wrap="square" tIns="91425">
-              <a:noAutofit/>
-            </a:bodyPr>
-            <a:lstStyle/>
-            <a:p>
-              <a:pPr indent="0" lvl="0" marL="0" rtl="0" algn="l">
-                <a:spcBef>
-                  <a:spcPts val="0"/>
-                </a:spcBef>
-                <a:spcAft>
-                  <a:spcPts val="0"/>
-                </a:spcAft>
-                <a:buNone/>
-              </a:pPr>
-              <a:r>
-                <a:t/>
-              </a:r>
-              <a:endParaRPr/>
-            </a:p>
-          </p:txBody>
-        </p:sp>
-        <p:sp>
-          <p:nvSpPr>
-            <p:cNvPr id="377" name="Google Shape;377;p43"/>
-            <p:cNvSpPr/>
-            <p:nvPr/>
-          </p:nvSpPr>
-          <p:spPr>
-            <a:xfrm>
-              <a:off x="3824739" y="3890112"/>
-              <a:ext cx="55002" cy="55002"/>
-            </a:xfrm>
-            <a:custGeom>
-              <a:rect b="b" l="l" r="r" t="t"/>
-              <a:pathLst>
-                <a:path extrusionOk="0" h="1728" w="1728">
-                  <a:moveTo>
-                    <a:pt x="870" y="334"/>
-                  </a:moveTo>
-                  <a:cubicBezTo>
-                    <a:pt x="1156" y="334"/>
-                    <a:pt x="1394" y="572"/>
-                    <a:pt x="1394" y="846"/>
-                  </a:cubicBezTo>
-                  <a:cubicBezTo>
-                    <a:pt x="1394" y="1132"/>
-                    <a:pt x="1156" y="1370"/>
-                    <a:pt x="870" y="1370"/>
-                  </a:cubicBezTo>
-                  <a:cubicBezTo>
-                    <a:pt x="584" y="1370"/>
-                    <a:pt x="346" y="1132"/>
-                    <a:pt x="346" y="846"/>
-                  </a:cubicBezTo>
-                  <a:cubicBezTo>
-                    <a:pt x="346" y="572"/>
-                    <a:pt x="584" y="334"/>
-                    <a:pt x="870" y="334"/>
-                  </a:cubicBezTo>
-                  <a:close/>
-                  <a:moveTo>
-                    <a:pt x="870" y="1"/>
-                  </a:moveTo>
-                  <a:cubicBezTo>
-                    <a:pt x="394" y="1"/>
-                    <a:pt x="1" y="394"/>
-                    <a:pt x="1" y="870"/>
-                  </a:cubicBezTo>
-                  <a:cubicBezTo>
-                    <a:pt x="1" y="1346"/>
-                    <a:pt x="394" y="1727"/>
-                    <a:pt x="870" y="1727"/>
-                  </a:cubicBezTo>
-                  <a:cubicBezTo>
-                    <a:pt x="1346" y="1727"/>
-                    <a:pt x="1727" y="1334"/>
-                    <a:pt x="1727" y="870"/>
-                  </a:cubicBezTo>
-                  <a:cubicBezTo>
-                    <a:pt x="1727" y="394"/>
-                    <a:pt x="1346" y="1"/>
-                    <a:pt x="870" y="1"/>
-                  </a:cubicBezTo>
-                  <a:close/>
-                </a:path>
-              </a:pathLst>
-            </a:custGeom>
-            <a:solidFill>
-              <a:schemeClr val="lt1"/>
-            </a:solidFill>
-            <a:ln>
-              <a:noFill/>
-            </a:ln>
-          </p:spPr>
-          <p:txBody>
-            <a:bodyPr anchorCtr="0" anchor="ctr" bIns="91425" lIns="91425" spcFirstLastPara="1" rIns="91425" wrap="square" tIns="91425">
-              <a:noAutofit/>
-            </a:bodyPr>
-            <a:lstStyle/>
-            <a:p>
-              <a:pPr indent="0" lvl="0" marL="0" rtl="0" algn="l">
-                <a:spcBef>
-                  <a:spcPts val="0"/>
-                </a:spcBef>
-                <a:spcAft>
-                  <a:spcPts val="0"/>
-                </a:spcAft>
-                <a:buNone/>
-              </a:pPr>
-              <a:r>
-                <a:t/>
-              </a:r>
-              <a:endParaRPr/>
-            </a:p>
-          </p:txBody>
-        </p:sp>
-        <p:sp>
-          <p:nvSpPr>
-            <p:cNvPr id="378" name="Google Shape;378;p43"/>
-            <p:cNvSpPr/>
-            <p:nvPr/>
-          </p:nvSpPr>
-          <p:spPr>
-            <a:xfrm>
-              <a:off x="3904696" y="3955682"/>
-              <a:ext cx="128148" cy="120540"/>
-            </a:xfrm>
-            <a:custGeom>
-              <a:rect b="b" l="l" r="r" t="t"/>
-              <a:pathLst>
-                <a:path extrusionOk="0" h="3787" w="4026">
-                  <a:moveTo>
-                    <a:pt x="191" y="1"/>
-                  </a:moveTo>
-                  <a:cubicBezTo>
-                    <a:pt x="96" y="1"/>
-                    <a:pt x="1" y="72"/>
-                    <a:pt x="1" y="179"/>
-                  </a:cubicBezTo>
-                  <a:lnTo>
-                    <a:pt x="1" y="3608"/>
-                  </a:lnTo>
-                  <a:cubicBezTo>
-                    <a:pt x="1" y="3703"/>
-                    <a:pt x="84" y="3787"/>
-                    <a:pt x="191" y="3787"/>
-                  </a:cubicBezTo>
-                  <a:lnTo>
-                    <a:pt x="1334" y="3787"/>
-                  </a:lnTo>
-                  <a:cubicBezTo>
-                    <a:pt x="1418" y="3787"/>
-                    <a:pt x="1513" y="3715"/>
-                    <a:pt x="1513" y="3608"/>
-                  </a:cubicBezTo>
-                  <a:lnTo>
-                    <a:pt x="1513" y="2382"/>
-                  </a:lnTo>
-                  <a:cubicBezTo>
-                    <a:pt x="1513" y="1977"/>
-                    <a:pt x="1596" y="1501"/>
-                    <a:pt x="2037" y="1501"/>
-                  </a:cubicBezTo>
-                  <a:cubicBezTo>
-                    <a:pt x="2347" y="1501"/>
-                    <a:pt x="2477" y="1763"/>
-                    <a:pt x="2525" y="2060"/>
-                  </a:cubicBezTo>
-                  <a:cubicBezTo>
-                    <a:pt x="2537" y="2156"/>
-                    <a:pt x="2608" y="2215"/>
-                    <a:pt x="2692" y="2215"/>
-                  </a:cubicBezTo>
-                  <a:cubicBezTo>
-                    <a:pt x="2787" y="2215"/>
-                    <a:pt x="2870" y="2120"/>
-                    <a:pt x="2847" y="2025"/>
-                  </a:cubicBezTo>
-                  <a:cubicBezTo>
-                    <a:pt x="2763" y="1465"/>
-                    <a:pt x="2477" y="1155"/>
-                    <a:pt x="2013" y="1155"/>
-                  </a:cubicBezTo>
-                  <a:cubicBezTo>
-                    <a:pt x="1465" y="1155"/>
-                    <a:pt x="1156" y="1608"/>
-                    <a:pt x="1156" y="2382"/>
-                  </a:cubicBezTo>
-                  <a:lnTo>
-                    <a:pt x="1156" y="3430"/>
-                  </a:lnTo>
-                  <a:lnTo>
-                    <a:pt x="346" y="3430"/>
-                  </a:lnTo>
-                  <a:lnTo>
-                    <a:pt x="346" y="358"/>
-                  </a:lnTo>
-                  <a:lnTo>
-                    <a:pt x="918" y="358"/>
-                  </a:lnTo>
-                  <a:lnTo>
-                    <a:pt x="918" y="572"/>
-                  </a:lnTo>
-                  <a:cubicBezTo>
-                    <a:pt x="918" y="632"/>
-                    <a:pt x="930" y="679"/>
-                    <a:pt x="977" y="715"/>
-                  </a:cubicBezTo>
-                  <a:cubicBezTo>
-                    <a:pt x="1007" y="733"/>
-                    <a:pt x="1043" y="742"/>
-                    <a:pt x="1078" y="742"/>
-                  </a:cubicBezTo>
-                  <a:cubicBezTo>
-                    <a:pt x="1114" y="742"/>
-                    <a:pt x="1150" y="733"/>
-                    <a:pt x="1180" y="715"/>
-                  </a:cubicBezTo>
-                  <a:cubicBezTo>
-                    <a:pt x="1477" y="477"/>
-                    <a:pt x="1835" y="358"/>
-                    <a:pt x="2227" y="358"/>
-                  </a:cubicBezTo>
-                  <a:cubicBezTo>
-                    <a:pt x="3204" y="358"/>
-                    <a:pt x="3656" y="1191"/>
-                    <a:pt x="3656" y="2001"/>
-                  </a:cubicBezTo>
-                  <a:lnTo>
-                    <a:pt x="3656" y="3430"/>
-                  </a:lnTo>
-                  <a:lnTo>
-                    <a:pt x="2847" y="3430"/>
-                  </a:lnTo>
-                  <a:lnTo>
-                    <a:pt x="2847" y="2870"/>
-                  </a:lnTo>
-                  <a:cubicBezTo>
-                    <a:pt x="2847" y="2775"/>
-                    <a:pt x="2775" y="2703"/>
-                    <a:pt x="2692" y="2703"/>
-                  </a:cubicBezTo>
-                  <a:cubicBezTo>
-                    <a:pt x="2597" y="2703"/>
-                    <a:pt x="2525" y="2775"/>
-                    <a:pt x="2525" y="2870"/>
-                  </a:cubicBezTo>
-                  <a:lnTo>
-                    <a:pt x="2525" y="3596"/>
-                  </a:lnTo>
-                  <a:cubicBezTo>
-                    <a:pt x="2525" y="3691"/>
-                    <a:pt x="2597" y="3775"/>
-                    <a:pt x="2704" y="3775"/>
-                  </a:cubicBezTo>
-                  <a:lnTo>
-                    <a:pt x="3847" y="3775"/>
-                  </a:lnTo>
-                  <a:cubicBezTo>
-                    <a:pt x="3942" y="3775"/>
-                    <a:pt x="4025" y="3703"/>
-                    <a:pt x="4025" y="3596"/>
-                  </a:cubicBezTo>
-                  <a:lnTo>
-                    <a:pt x="4025" y="1989"/>
-                  </a:lnTo>
-                  <a:cubicBezTo>
-                    <a:pt x="4025" y="810"/>
-                    <a:pt x="3299" y="1"/>
-                    <a:pt x="2239" y="1"/>
-                  </a:cubicBezTo>
-                  <a:cubicBezTo>
-                    <a:pt x="1894" y="1"/>
-                    <a:pt x="1573" y="84"/>
-                    <a:pt x="1275" y="251"/>
-                  </a:cubicBezTo>
-                  <a:lnTo>
-                    <a:pt x="1275" y="179"/>
-                  </a:lnTo>
-                  <a:cubicBezTo>
-                    <a:pt x="1275" y="84"/>
-                    <a:pt x="1204" y="1"/>
-                    <a:pt x="1096" y="1"/>
-                  </a:cubicBezTo>
-                  <a:close/>
-                </a:path>
-              </a:pathLst>
-            </a:custGeom>
-            <a:solidFill>
-              <a:schemeClr val="lt1"/>
-            </a:solidFill>
-            <a:ln>
-              <a:noFill/>
-            </a:ln>
-          </p:spPr>
-          <p:txBody>
-            <a:bodyPr anchorCtr="0" anchor="ctr" bIns="91425" lIns="91425" spcFirstLastPara="1" rIns="91425" wrap="square" tIns="91425">
-              <a:noAutofit/>
-            </a:bodyPr>
-            <a:lstStyle/>
-            <a:p>
-              <a:pPr indent="0" lvl="0" marL="0" rtl="0" algn="l">
-                <a:spcBef>
-                  <a:spcPts val="0"/>
-                </a:spcBef>
-                <a:spcAft>
-                  <a:spcPts val="0"/>
-                </a:spcAft>
-                <a:buNone/>
-              </a:pPr>
-              <a:r>
-                <a:t/>
-              </a:r>
-              <a:endParaRPr/>
-            </a:p>
-          </p:txBody>
-        </p:sp>
-      </p:grpSp>
-      <p:grpSp>
-        <p:nvGrpSpPr>
-          <p:cNvPr id="379" name="Google Shape;379;p43"/>
-          <p:cNvGrpSpPr/>
-          <p:nvPr/>
-        </p:nvGrpSpPr>
-        <p:grpSpPr>
-          <a:xfrm>
-            <a:off x="2055284" y="2673489"/>
-            <a:ext cx="292620" cy="292623"/>
-            <a:chOff x="8145888" y="2870792"/>
-            <a:chExt cx="292620" cy="292623"/>
-          </a:xfrm>
-        </p:grpSpPr>
-        <p:sp>
-          <p:nvSpPr>
-            <p:cNvPr id="380" name="Google Shape;380;p43"/>
-            <p:cNvSpPr/>
-            <p:nvPr/>
-          </p:nvSpPr>
-          <p:spPr>
-            <a:xfrm>
-              <a:off x="8211186" y="2934325"/>
-              <a:ext cx="162023" cy="165580"/>
-            </a:xfrm>
-            <a:custGeom>
-              <a:rect b="b" l="l" r="r" t="t"/>
-              <a:pathLst>
-                <a:path extrusionOk="0" h="505587" w="494728">
-                  <a:moveTo>
-                    <a:pt x="294418" y="214122"/>
-                  </a:moveTo>
-                  <a:lnTo>
-                    <a:pt x="478631" y="0"/>
-                  </a:lnTo>
-                  <a:lnTo>
-                    <a:pt x="435007" y="0"/>
-                  </a:lnTo>
-                  <a:lnTo>
-                    <a:pt x="275082" y="185928"/>
-                  </a:lnTo>
-                  <a:lnTo>
-                    <a:pt x="147352" y="0"/>
-                  </a:lnTo>
-                  <a:lnTo>
-                    <a:pt x="0" y="0"/>
-                  </a:lnTo>
-                  <a:lnTo>
-                    <a:pt x="193167" y="281083"/>
-                  </a:lnTo>
-                  <a:lnTo>
-                    <a:pt x="0" y="505587"/>
-                  </a:lnTo>
-                  <a:lnTo>
-                    <a:pt x="43625" y="505587"/>
-                  </a:lnTo>
-                  <a:lnTo>
-                    <a:pt x="212503" y="309277"/>
-                  </a:lnTo>
-                  <a:lnTo>
-                    <a:pt x="347377" y="505587"/>
-                  </a:lnTo>
-                  <a:lnTo>
-                    <a:pt x="494729" y="505587"/>
-                  </a:lnTo>
-                  <a:lnTo>
-                    <a:pt x="294418" y="214027"/>
-                  </a:lnTo>
-                  <a:lnTo>
-                    <a:pt x="294418" y="214027"/>
-                  </a:lnTo>
-                  <a:close/>
-                  <a:moveTo>
-                    <a:pt x="234601" y="283655"/>
-                  </a:moveTo>
-                  <a:lnTo>
-                    <a:pt x="215075" y="255651"/>
-                  </a:lnTo>
-                  <a:lnTo>
-                    <a:pt x="59341" y="32861"/>
-                  </a:lnTo>
-                  <a:lnTo>
-                    <a:pt x="126397" y="32861"/>
-                  </a:lnTo>
-                  <a:lnTo>
-                    <a:pt x="252032" y="212598"/>
-                  </a:lnTo>
-                  <a:lnTo>
-                    <a:pt x="271558" y="240601"/>
-                  </a:lnTo>
-                  <a:lnTo>
-                    <a:pt x="434912" y="474250"/>
-                  </a:lnTo>
-                  <a:lnTo>
-                    <a:pt x="367855" y="474250"/>
-                  </a:lnTo>
-                  <a:lnTo>
-                    <a:pt x="234505" y="283559"/>
-                  </a:lnTo>
-                  <a:lnTo>
-                    <a:pt x="234505" y="283559"/>
-                  </a:lnTo>
-                  <a:close/>
-                </a:path>
-              </a:pathLst>
-            </a:custGeom>
-            <a:solidFill>
-              <a:schemeClr val="lt1"/>
-            </a:solidFill>
-            <a:ln>
-              <a:noFill/>
-            </a:ln>
-          </p:spPr>
-          <p:txBody>
-            <a:bodyPr anchorCtr="0" anchor="ctr" bIns="45700" lIns="91425" spcFirstLastPara="1" rIns="91425" wrap="square" tIns="45700">
-              <a:noAutofit/>
-            </a:bodyPr>
-            <a:lstStyle/>
-            <a:p>
-              <a:pPr indent="0" lvl="0" marL="0" marR="0" rtl="0" algn="l">
-                <a:spcBef>
-                  <a:spcPts val="0"/>
-                </a:spcBef>
-                <a:spcAft>
-                  <a:spcPts val="0"/>
-                </a:spcAft>
-                <a:buNone/>
-              </a:pPr>
-              <a:r>
-                <a:t/>
-              </a:r>
-              <a:endParaRPr sz="1800">
-                <a:solidFill>
-                  <a:srgbClr val="000000"/>
-                </a:solidFill>
-                <a:latin typeface="Calibri"/>
-                <a:ea typeface="Calibri"/>
-                <a:cs typeface="Calibri"/>
-                <a:sym typeface="Calibri"/>
-              </a:endParaRPr>
-            </a:p>
-          </p:txBody>
-        </p:sp>
-        <p:sp>
-          <p:nvSpPr>
-            <p:cNvPr id="381" name="Google Shape;381;p43"/>
-            <p:cNvSpPr/>
-            <p:nvPr/>
-          </p:nvSpPr>
-          <p:spPr>
-            <a:xfrm>
-              <a:off x="8145888" y="2870792"/>
-              <a:ext cx="292620" cy="292623"/>
-            </a:xfrm>
-            <a:custGeom>
-              <a:rect b="b" l="l" r="r" t="t"/>
-              <a:pathLst>
-                <a:path extrusionOk="0" h="10860" w="10872">
-                  <a:moveTo>
-                    <a:pt x="5430" y="334"/>
-                  </a:moveTo>
-                  <a:cubicBezTo>
-                    <a:pt x="8252" y="334"/>
-                    <a:pt x="10526" y="2608"/>
-                    <a:pt x="10526" y="5430"/>
-                  </a:cubicBezTo>
-                  <a:cubicBezTo>
-                    <a:pt x="10526" y="8240"/>
-                    <a:pt x="8228" y="10514"/>
-                    <a:pt x="5430" y="10514"/>
-                  </a:cubicBezTo>
-                  <a:cubicBezTo>
-                    <a:pt x="2620" y="10514"/>
-                    <a:pt x="346" y="8240"/>
-                    <a:pt x="346" y="5430"/>
-                  </a:cubicBezTo>
-                  <a:cubicBezTo>
-                    <a:pt x="346" y="2608"/>
-                    <a:pt x="2620" y="334"/>
-                    <a:pt x="5430" y="334"/>
-                  </a:cubicBezTo>
-                  <a:close/>
-                  <a:moveTo>
-                    <a:pt x="5430" y="1"/>
-                  </a:moveTo>
-                  <a:cubicBezTo>
-                    <a:pt x="3989" y="1"/>
-                    <a:pt x="2620" y="560"/>
-                    <a:pt x="1596" y="1584"/>
-                  </a:cubicBezTo>
-                  <a:cubicBezTo>
-                    <a:pt x="572" y="2620"/>
-                    <a:pt x="1" y="3989"/>
-                    <a:pt x="1" y="5430"/>
-                  </a:cubicBezTo>
-                  <a:cubicBezTo>
-                    <a:pt x="1" y="6871"/>
-                    <a:pt x="572" y="8240"/>
-                    <a:pt x="1596" y="9264"/>
-                  </a:cubicBezTo>
-                  <a:cubicBezTo>
-                    <a:pt x="2620" y="10300"/>
-                    <a:pt x="3989" y="10859"/>
-                    <a:pt x="5430" y="10859"/>
-                  </a:cubicBezTo>
-                  <a:cubicBezTo>
-                    <a:pt x="6882" y="10859"/>
-                    <a:pt x="8252" y="10300"/>
-                    <a:pt x="9276" y="9264"/>
-                  </a:cubicBezTo>
-                  <a:cubicBezTo>
-                    <a:pt x="10300" y="8240"/>
-                    <a:pt x="10871" y="6871"/>
-                    <a:pt x="10871" y="5430"/>
-                  </a:cubicBezTo>
-                  <a:cubicBezTo>
-                    <a:pt x="10871" y="3989"/>
-                    <a:pt x="10300" y="2620"/>
-                    <a:pt x="9276" y="1584"/>
-                  </a:cubicBezTo>
-                  <a:cubicBezTo>
-                    <a:pt x="8252" y="560"/>
-                    <a:pt x="6882" y="1"/>
-                    <a:pt x="5430" y="1"/>
-                  </a:cubicBezTo>
-                  <a:close/>
-                </a:path>
-              </a:pathLst>
-            </a:custGeom>
-            <a:solidFill>
-              <a:schemeClr val="lt1"/>
-            </a:solidFill>
-            <a:ln>
-              <a:noFill/>
-            </a:ln>
-          </p:spPr>
-          <p:txBody>
-            <a:bodyPr anchorCtr="0" anchor="ctr" bIns="91425" lIns="91425" spcFirstLastPara="1" rIns="91425" wrap="square" tIns="91425">
-              <a:noAutofit/>
-            </a:bodyPr>
-            <a:lstStyle/>
-            <a:p>
-              <a:pPr indent="0" lvl="0" marL="0" rtl="0" algn="l">
-                <a:spcBef>
-                  <a:spcPts val="0"/>
-                </a:spcBef>
-                <a:spcAft>
-                  <a:spcPts val="0"/>
-                </a:spcAft>
-                <a:buNone/>
-              </a:pPr>
-              <a:r>
-                <a:t/>
-              </a:r>
-              <a:endParaRPr/>
-            </a:p>
-          </p:txBody>
-        </p:sp>
-      </p:grpSp>
-      <p:sp>
-        <p:nvSpPr>
-          <p:cNvPr id="382" name="Google Shape;382;p43"/>
-          <p:cNvSpPr txBox="1"/>
-          <p:nvPr/>
-        </p:nvSpPr>
-        <p:spPr>
-          <a:xfrm>
-            <a:off x="1343325" y="4851000"/>
-            <a:ext cx="1225800" cy="292500"/>
-          </a:xfrm>
-          <a:prstGeom prst="rect">
-            <a:avLst/>
-          </a:prstGeom>
-          <a:noFill/>
-          <a:ln>
-            <a:noFill/>
-          </a:ln>
-        </p:spPr>
-        <p:txBody>
-          <a:bodyPr anchorCtr="0" anchor="b" bIns="91425" lIns="91425" spcFirstLastPara="1" rIns="91425" wrap="square" tIns="91425">
-            <a:noAutofit/>
-          </a:bodyPr>
-          <a:lstStyle/>
-          <a:p>
-            <a:pPr indent="0" lvl="0" marL="0" rtl="0" algn="l">
-              <a:spcBef>
-                <a:spcPts val="0"/>
-              </a:spcBef>
-              <a:spcAft>
-                <a:spcPts val="0"/>
-              </a:spcAft>
-              <a:buNone/>
-            </a:pPr>
-            <a:r>
-              <a:rPr lang="en" sz="700">
-                <a:solidFill>
-                  <a:schemeClr val="dk1"/>
-                </a:solidFill>
-                <a:latin typeface="Roboto"/>
-                <a:ea typeface="Roboto"/>
-                <a:cs typeface="Roboto"/>
-                <a:sym typeface="Roboto"/>
-              </a:rPr>
-              <a:t>Feature Name/Product</a:t>
-            </a:r>
-            <a:endParaRPr sz="700">
-              <a:solidFill>
-                <a:schemeClr val="dk1"/>
-              </a:solidFill>
-              <a:latin typeface="Roboto"/>
-              <a:ea typeface="Roboto"/>
-              <a:cs typeface="Roboto"/>
-              <a:sym typeface="Roboto"/>
-            </a:endParaRPr>
-          </a:p>
-        </p:txBody>
-      </p:sp>
-      <p:sp>
-        <p:nvSpPr>
-          <p:cNvPr id="383" name="Google Shape;383;p43"/>
-          <p:cNvSpPr txBox="1"/>
-          <p:nvPr/>
-        </p:nvSpPr>
-        <p:spPr>
-          <a:xfrm>
-            <a:off x="117900" y="4851000"/>
-            <a:ext cx="1225200" cy="292500"/>
-          </a:xfrm>
-          <a:prstGeom prst="rect">
-            <a:avLst/>
-          </a:prstGeom>
-          <a:noFill/>
-          <a:ln>
-            <a:noFill/>
-          </a:ln>
-        </p:spPr>
-        <p:txBody>
-          <a:bodyPr anchorCtr="0" anchor="b" bIns="91425" lIns="91425" spcFirstLastPara="1" rIns="91425" wrap="square" tIns="91425">
-            <a:noAutofit/>
-          </a:bodyPr>
-          <a:lstStyle/>
-          <a:p>
-            <a:pPr indent="0" lvl="0" marL="0" rtl="0" algn="l">
-              <a:spcBef>
-                <a:spcPts val="0"/>
-              </a:spcBef>
-              <a:spcAft>
-                <a:spcPts val="0"/>
-              </a:spcAft>
-              <a:buNone/>
-            </a:pPr>
-            <a:r>
-              <a:rPr lang="en" sz="700">
-                <a:solidFill>
-                  <a:schemeClr val="dk1"/>
-                </a:solidFill>
-                <a:latin typeface="Roboto"/>
-                <a:ea typeface="Roboto"/>
-                <a:cs typeface="Roboto"/>
-                <a:sym typeface="Roboto"/>
-              </a:rPr>
-              <a:t>DD/MM/YYYY</a:t>
-            </a:r>
-            <a:endParaRPr sz="700">
-              <a:solidFill>
-                <a:schemeClr val="dk1"/>
-              </a:solidFill>
-              <a:latin typeface="Roboto"/>
-              <a:ea typeface="Roboto"/>
-              <a:cs typeface="Roboto"/>
-              <a:sym typeface="Roboto"/>
-            </a:endParaRPr>
-          </a:p>
-        </p:txBody>
-      </p:sp>
-      <p:sp>
-        <p:nvSpPr>
-          <p:cNvPr id="384" name="Google Shape;384;p43"/>
-          <p:cNvSpPr txBox="1"/>
-          <p:nvPr/>
-        </p:nvSpPr>
-        <p:spPr>
-          <a:xfrm>
-            <a:off x="7800300" y="4851000"/>
-            <a:ext cx="1225800" cy="292500"/>
-          </a:xfrm>
-          <a:prstGeom prst="rect">
-            <a:avLst/>
-          </a:prstGeom>
-          <a:noFill/>
-          <a:ln>
-            <a:noFill/>
-          </a:ln>
-        </p:spPr>
-        <p:txBody>
-          <a:bodyPr anchorCtr="0" anchor="b" bIns="91425" lIns="91425" spcFirstLastPara="1" rIns="91425" wrap="square" tIns="91425">
-            <a:noAutofit/>
-          </a:bodyPr>
-          <a:lstStyle/>
-          <a:p>
-            <a:pPr indent="0" lvl="0" marL="0" rtl="0" algn="r">
-              <a:spcBef>
-                <a:spcPts val="0"/>
-              </a:spcBef>
-              <a:spcAft>
-                <a:spcPts val="0"/>
-              </a:spcAft>
-              <a:buNone/>
-            </a:pPr>
-            <a:r>
-              <a:rPr lang="en" sz="700">
-                <a:solidFill>
-                  <a:schemeClr val="dk1"/>
-                </a:solidFill>
-                <a:latin typeface="Roboto"/>
-                <a:ea typeface="Roboto"/>
-                <a:cs typeface="Roboto"/>
-                <a:sym typeface="Roboto"/>
-              </a:rPr>
-              <a:t>Your Company Name</a:t>
-            </a:r>
-            <a:endParaRPr sz="700">
-              <a:solidFill>
-                <a:schemeClr val="dk1"/>
-              </a:solidFill>
-              <a:latin typeface="Roboto"/>
-              <a:ea typeface="Roboto"/>
-              <a:cs typeface="Roboto"/>
-              <a:sym typeface="Roboto"/>
-            </a:endParaRPr>
-          </a:p>
-        </p:txBody>
-      </p:sp>
-    </p:spTree>
-  </p:cSld>
-  <p:clrMapOvr>
-    <a:masterClrMapping/>
-  </p:clrMapOvr>
-</p:sld>
-</file>
-
-<file path=ppt/slides/slide21.xml><?xml version="1.0" encoding="utf-8"?>
-<p:sld xmlns:a="http://schemas.openxmlformats.org/drawingml/2006/main" xmlns:r="http://schemas.openxmlformats.org/officeDocument/2006/relationships" xmlns:mc="http://schemas.openxmlformats.org/markup-compatibility/2006" xmlns:mv="urn:schemas-microsoft-com:mac:vml" xmlns:p="http://schemas.openxmlformats.org/presentationml/2006/main" xmlns:c="http://schemas.openxmlformats.org/drawingml/2006/chart" xmlns:dgm="http://schemas.openxmlformats.org/drawingml/2006/diagram" xmlns:o="urn:schemas-microsoft-com:office:office" xmlns:v="urn:schemas-microsoft-com:vml" xmlns:pvml="urn:schemas-microsoft-com:office:powerpoint" xmlns:com="http://schemas.openxmlformats.org/drawingml/2006/compatibility" xmlns:p14="http://schemas.microsoft.com/office/powerpoint/2010/main" xmlns:p15="http://schemas.microsoft.com/office/powerpoint/2012/main" xmlns:ahyp="http://schemas.microsoft.com/office/drawing/2018/hyperlinkcolor" show="0">
-  <p:cSld>
-    <p:bg>
-      <p:bgPr>
-        <a:solidFill>
-          <a:schemeClr val="dk1"/>
-        </a:solidFill>
-      </p:bgPr>
-    </p:bg>
-    <p:spTree>
-      <p:nvGrpSpPr>
-        <p:cNvPr id="388" name="Shape 388"/>
-        <p:cNvGrpSpPr/>
-        <p:nvPr/>
-      </p:nvGrpSpPr>
-      <p:grpSpPr>
-        <a:xfrm>
-          <a:off x="0" y="0"/>
-          <a:ext cx="0" cy="0"/>
-          <a:chOff x="0" y="0"/>
-          <a:chExt cx="0" cy="0"/>
-        </a:xfrm>
-      </p:grpSpPr>
-      <p:sp>
-        <p:nvSpPr>
-          <p:cNvPr id="389" name="Google Shape;389;p44"/>
-          <p:cNvSpPr txBox="1"/>
-          <p:nvPr/>
-        </p:nvSpPr>
-        <p:spPr>
-          <a:xfrm>
-            <a:off x="1343325" y="4851000"/>
-            <a:ext cx="1225800" cy="292500"/>
-          </a:xfrm>
-          <a:prstGeom prst="rect">
-            <a:avLst/>
-          </a:prstGeom>
-          <a:noFill/>
-          <a:ln>
-            <a:noFill/>
-          </a:ln>
-        </p:spPr>
-        <p:txBody>
-          <a:bodyPr anchorCtr="0" anchor="b" bIns="91425" lIns="91425" spcFirstLastPara="1" rIns="91425" wrap="square" tIns="91425">
-            <a:noAutofit/>
-          </a:bodyPr>
-          <a:lstStyle/>
-          <a:p>
-            <a:pPr indent="0" lvl="0" marL="0" rtl="0" algn="l">
-              <a:spcBef>
-                <a:spcPts val="0"/>
-              </a:spcBef>
-              <a:spcAft>
-                <a:spcPts val="0"/>
-              </a:spcAft>
-              <a:buNone/>
-            </a:pPr>
-            <a:r>
-              <a:rPr lang="en" sz="700">
-                <a:solidFill>
-                  <a:schemeClr val="lt1"/>
-                </a:solidFill>
-                <a:latin typeface="Roboto"/>
-                <a:ea typeface="Roboto"/>
-                <a:cs typeface="Roboto"/>
-                <a:sym typeface="Roboto"/>
-              </a:rPr>
-              <a:t>Gestão de NF-e com IA</a:t>
-            </a:r>
-            <a:endParaRPr sz="700">
-              <a:solidFill>
-                <a:schemeClr val="lt1"/>
-              </a:solidFill>
-              <a:latin typeface="Roboto"/>
-              <a:ea typeface="Roboto"/>
-              <a:cs typeface="Roboto"/>
-              <a:sym typeface="Roboto"/>
-            </a:endParaRPr>
-          </a:p>
-        </p:txBody>
-      </p:sp>
-      <p:sp>
-        <p:nvSpPr>
-          <p:cNvPr id="390" name="Google Shape;390;p44"/>
-          <p:cNvSpPr txBox="1"/>
-          <p:nvPr/>
-        </p:nvSpPr>
-        <p:spPr>
-          <a:xfrm>
-            <a:off x="117900" y="4851000"/>
-            <a:ext cx="1225200" cy="292500"/>
-          </a:xfrm>
-          <a:prstGeom prst="rect">
-            <a:avLst/>
-          </a:prstGeom>
-          <a:noFill/>
-          <a:ln>
-            <a:noFill/>
-          </a:ln>
-        </p:spPr>
-        <p:txBody>
-          <a:bodyPr anchorCtr="0" anchor="b" bIns="91425" lIns="91425" spcFirstLastPara="1" rIns="91425" wrap="square" tIns="91425">
-            <a:noAutofit/>
-          </a:bodyPr>
-          <a:lstStyle/>
-          <a:p>
-            <a:pPr indent="0" lvl="0" marL="0" rtl="0" algn="l">
-              <a:spcBef>
-                <a:spcPts val="0"/>
-              </a:spcBef>
-              <a:spcAft>
-                <a:spcPts val="0"/>
-              </a:spcAft>
-              <a:buNone/>
-            </a:pPr>
-            <a:r>
-              <a:rPr lang="en" sz="700">
-                <a:solidFill>
-                  <a:schemeClr val="lt1"/>
-                </a:solidFill>
-                <a:latin typeface="Roboto"/>
-                <a:ea typeface="Roboto"/>
-                <a:cs typeface="Roboto"/>
-                <a:sym typeface="Roboto"/>
-              </a:rPr>
-              <a:t>02</a:t>
-            </a:r>
-            <a:r>
-              <a:rPr lang="en" sz="700">
-                <a:solidFill>
-                  <a:schemeClr val="lt1"/>
-                </a:solidFill>
-                <a:latin typeface="Roboto"/>
-                <a:ea typeface="Roboto"/>
-                <a:cs typeface="Roboto"/>
-                <a:sym typeface="Roboto"/>
-              </a:rPr>
-              <a:t>/11/2025</a:t>
-            </a:r>
-            <a:endParaRPr sz="700">
-              <a:solidFill>
-                <a:schemeClr val="lt1"/>
-              </a:solidFill>
-              <a:latin typeface="Roboto"/>
-              <a:ea typeface="Roboto"/>
-              <a:cs typeface="Roboto"/>
-              <a:sym typeface="Roboto"/>
-            </a:endParaRPr>
-          </a:p>
-        </p:txBody>
-      </p:sp>
-      <p:sp>
-        <p:nvSpPr>
-          <p:cNvPr id="391" name="Google Shape;391;p44"/>
-          <p:cNvSpPr txBox="1"/>
-          <p:nvPr/>
-        </p:nvSpPr>
-        <p:spPr>
-          <a:xfrm>
-            <a:off x="7800300" y="4851000"/>
-            <a:ext cx="1225800" cy="292500"/>
-          </a:xfrm>
-          <a:prstGeom prst="rect">
-            <a:avLst/>
-          </a:prstGeom>
-          <a:noFill/>
-          <a:ln>
-            <a:noFill/>
-          </a:ln>
-        </p:spPr>
-        <p:txBody>
-          <a:bodyPr anchorCtr="0" anchor="b" bIns="91425" lIns="91425" spcFirstLastPara="1" rIns="91425" wrap="square" tIns="91425">
-            <a:noAutofit/>
-          </a:bodyPr>
-          <a:lstStyle/>
-          <a:p>
-            <a:pPr indent="0" lvl="0" marL="0" rtl="0" algn="r">
-              <a:spcBef>
-                <a:spcPts val="0"/>
-              </a:spcBef>
-              <a:spcAft>
-                <a:spcPts val="0"/>
-              </a:spcAft>
-              <a:buNone/>
-            </a:pPr>
-            <a:r>
-              <a:rPr lang="en" sz="700">
-                <a:solidFill>
-                  <a:schemeClr val="lt1"/>
-                </a:solidFill>
-                <a:latin typeface="Roboto"/>
-                <a:ea typeface="Roboto"/>
-                <a:cs typeface="Roboto"/>
-                <a:sym typeface="Roboto"/>
-              </a:rPr>
-              <a:t>Grupo SIA</a:t>
-            </a:r>
-            <a:endParaRPr sz="700">
-              <a:solidFill>
-                <a:schemeClr val="lt1"/>
-              </a:solidFill>
-              <a:latin typeface="Roboto"/>
-              <a:ea typeface="Roboto"/>
-              <a:cs typeface="Roboto"/>
-              <a:sym typeface="Roboto"/>
-            </a:endParaRPr>
-          </a:p>
-        </p:txBody>
-      </p:sp>
-      <p:sp>
-        <p:nvSpPr>
-          <p:cNvPr id="392" name="Google Shape;392;p44"/>
-          <p:cNvSpPr txBox="1"/>
-          <p:nvPr>
-            <p:ph type="title"/>
-          </p:nvPr>
-        </p:nvSpPr>
-        <p:spPr>
-          <a:xfrm>
-            <a:off x="720000" y="445025"/>
-            <a:ext cx="7704000" cy="572700"/>
-          </a:xfrm>
-          <a:prstGeom prst="rect">
-            <a:avLst/>
-          </a:prstGeom>
-        </p:spPr>
-        <p:txBody>
-          <a:bodyPr anchorCtr="0" anchor="t" bIns="91425" lIns="91425" spcFirstLastPara="1" rIns="91425" wrap="square" tIns="91425">
-            <a:noAutofit/>
-          </a:bodyPr>
-          <a:lstStyle/>
-          <a:p>
-            <a:pPr indent="0" lvl="0" marL="0" rtl="0" algn="l">
-              <a:spcBef>
-                <a:spcPts val="0"/>
-              </a:spcBef>
-              <a:spcAft>
-                <a:spcPts val="0"/>
-              </a:spcAft>
-              <a:buNone/>
-            </a:pPr>
-            <a:r>
-              <a:rPr lang="en"/>
-              <a:t>Tabela de Conteúdo</a:t>
-            </a:r>
-            <a:endParaRPr/>
-          </a:p>
-        </p:txBody>
-      </p:sp>
-      <p:sp>
-        <p:nvSpPr>
-          <p:cNvPr id="393" name="Google Shape;393;p44"/>
-          <p:cNvSpPr txBox="1"/>
-          <p:nvPr>
-            <p:ph idx="2" type="title"/>
-          </p:nvPr>
-        </p:nvSpPr>
-        <p:spPr>
-          <a:xfrm>
-            <a:off x="713225" y="1400863"/>
-            <a:ext cx="577800" cy="677100"/>
-          </a:xfrm>
-          <a:prstGeom prst="rect">
-            <a:avLst/>
-          </a:prstGeom>
-        </p:spPr>
-        <p:txBody>
-          <a:bodyPr anchorCtr="0" anchor="t" bIns="91425" lIns="91425" spcFirstLastPara="1" rIns="91425" wrap="square" tIns="91425">
-            <a:noAutofit/>
-          </a:bodyPr>
-          <a:lstStyle/>
-          <a:p>
-            <a:pPr indent="0" lvl="0" marL="0" rtl="0" algn="ctr">
-              <a:spcBef>
-                <a:spcPts val="0"/>
-              </a:spcBef>
-              <a:spcAft>
-                <a:spcPts val="0"/>
-              </a:spcAft>
-              <a:buNone/>
-            </a:pPr>
-            <a:r>
-              <a:rPr lang="en"/>
-              <a:t>1.</a:t>
-            </a:r>
-            <a:endParaRPr/>
-          </a:p>
-        </p:txBody>
-      </p:sp>
-      <p:sp>
-        <p:nvSpPr>
-          <p:cNvPr id="394" name="Google Shape;394;p44"/>
-          <p:cNvSpPr txBox="1"/>
-          <p:nvPr>
-            <p:ph idx="3" type="title"/>
-          </p:nvPr>
-        </p:nvSpPr>
-        <p:spPr>
-          <a:xfrm>
-            <a:off x="4223200" y="1400840"/>
-            <a:ext cx="576000" cy="677100"/>
-          </a:xfrm>
-          <a:prstGeom prst="rect">
-            <a:avLst/>
-          </a:prstGeom>
-        </p:spPr>
-        <p:txBody>
-          <a:bodyPr anchorCtr="0" anchor="t" bIns="91425" lIns="91425" spcFirstLastPara="1" rIns="91425" wrap="square" tIns="91425">
-            <a:noAutofit/>
-          </a:bodyPr>
-          <a:lstStyle/>
-          <a:p>
-            <a:pPr indent="0" lvl="0" marL="0" rtl="0" algn="ctr">
-              <a:spcBef>
-                <a:spcPts val="0"/>
-              </a:spcBef>
-              <a:spcAft>
-                <a:spcPts val="0"/>
-              </a:spcAft>
-              <a:buNone/>
-            </a:pPr>
-            <a:r>
-              <a:rPr lang="en"/>
-              <a:t>5.</a:t>
-            </a:r>
-            <a:endParaRPr/>
-          </a:p>
-        </p:txBody>
-      </p:sp>
-      <p:sp>
-        <p:nvSpPr>
-          <p:cNvPr id="395" name="Google Shape;395;p44"/>
-          <p:cNvSpPr txBox="1"/>
-          <p:nvPr>
-            <p:ph idx="4" type="title"/>
-          </p:nvPr>
-        </p:nvSpPr>
-        <p:spPr>
-          <a:xfrm>
-            <a:off x="713225" y="2133738"/>
-            <a:ext cx="577800" cy="677100"/>
-          </a:xfrm>
-          <a:prstGeom prst="rect">
-            <a:avLst/>
-          </a:prstGeom>
-        </p:spPr>
-        <p:txBody>
-          <a:bodyPr anchorCtr="0" anchor="t" bIns="91425" lIns="91425" spcFirstLastPara="1" rIns="91425" wrap="square" tIns="91425">
-            <a:noAutofit/>
-          </a:bodyPr>
-          <a:lstStyle/>
-          <a:p>
-            <a:pPr indent="0" lvl="0" marL="0" rtl="0" algn="ctr">
-              <a:spcBef>
-                <a:spcPts val="0"/>
-              </a:spcBef>
-              <a:spcAft>
-                <a:spcPts val="0"/>
-              </a:spcAft>
-              <a:buNone/>
-            </a:pPr>
-            <a:r>
-              <a:rPr lang="en"/>
-              <a:t>2.</a:t>
-            </a:r>
-            <a:endParaRPr/>
-          </a:p>
-        </p:txBody>
-      </p:sp>
-      <p:sp>
-        <p:nvSpPr>
-          <p:cNvPr id="396" name="Google Shape;396;p44"/>
-          <p:cNvSpPr txBox="1"/>
-          <p:nvPr>
-            <p:ph idx="5" type="title"/>
-          </p:nvPr>
-        </p:nvSpPr>
-        <p:spPr>
-          <a:xfrm>
-            <a:off x="4223200" y="2866614"/>
-            <a:ext cx="576000" cy="677100"/>
-          </a:xfrm>
-          <a:prstGeom prst="rect">
-            <a:avLst/>
-          </a:prstGeom>
-        </p:spPr>
-        <p:txBody>
-          <a:bodyPr anchorCtr="0" anchor="t" bIns="91425" lIns="91425" spcFirstLastPara="1" rIns="91425" wrap="square" tIns="91425">
-            <a:noAutofit/>
-          </a:bodyPr>
-          <a:lstStyle/>
-          <a:p>
-            <a:pPr indent="0" lvl="0" marL="0" rtl="0" algn="ctr">
-              <a:spcBef>
-                <a:spcPts val="0"/>
-              </a:spcBef>
-              <a:spcAft>
-                <a:spcPts val="0"/>
-              </a:spcAft>
-              <a:buNone/>
-            </a:pPr>
-            <a:r>
-              <a:rPr lang="en"/>
-              <a:t>7.</a:t>
-            </a:r>
-            <a:endParaRPr/>
-          </a:p>
-        </p:txBody>
-      </p:sp>
-      <p:sp>
-        <p:nvSpPr>
-          <p:cNvPr id="397" name="Google Shape;397;p44"/>
-          <p:cNvSpPr txBox="1"/>
-          <p:nvPr>
-            <p:ph idx="6" type="title"/>
-          </p:nvPr>
-        </p:nvSpPr>
-        <p:spPr>
-          <a:xfrm>
-            <a:off x="713225" y="3599488"/>
-            <a:ext cx="577800" cy="677100"/>
-          </a:xfrm>
-          <a:prstGeom prst="rect">
-            <a:avLst/>
-          </a:prstGeom>
-        </p:spPr>
-        <p:txBody>
-          <a:bodyPr anchorCtr="0" anchor="t" bIns="91425" lIns="91425" spcFirstLastPara="1" rIns="91425" wrap="square" tIns="91425">
-            <a:noAutofit/>
-          </a:bodyPr>
-          <a:lstStyle/>
-          <a:p>
-            <a:pPr indent="0" lvl="0" marL="0" rtl="0" algn="ctr">
-              <a:spcBef>
-                <a:spcPts val="0"/>
-              </a:spcBef>
-              <a:spcAft>
-                <a:spcPts val="0"/>
-              </a:spcAft>
-              <a:buNone/>
-            </a:pPr>
-            <a:r>
-              <a:rPr lang="en"/>
-              <a:t>4.</a:t>
-            </a:r>
-            <a:endParaRPr/>
-          </a:p>
-        </p:txBody>
-      </p:sp>
-      <p:sp>
-        <p:nvSpPr>
-          <p:cNvPr id="398" name="Google Shape;398;p44"/>
-          <p:cNvSpPr txBox="1"/>
-          <p:nvPr>
-            <p:ph idx="7" type="title"/>
-          </p:nvPr>
-        </p:nvSpPr>
-        <p:spPr>
-          <a:xfrm>
-            <a:off x="4223200" y="3599489"/>
-            <a:ext cx="576000" cy="677100"/>
-          </a:xfrm>
-          <a:prstGeom prst="rect">
-            <a:avLst/>
-          </a:prstGeom>
-        </p:spPr>
-        <p:txBody>
-          <a:bodyPr anchorCtr="0" anchor="t" bIns="91425" lIns="91425" spcFirstLastPara="1" rIns="91425" wrap="square" tIns="91425">
-            <a:noAutofit/>
-          </a:bodyPr>
-          <a:lstStyle/>
-          <a:p>
-            <a:pPr indent="0" lvl="0" marL="0" rtl="0" algn="ctr">
-              <a:spcBef>
-                <a:spcPts val="0"/>
-              </a:spcBef>
-              <a:spcAft>
-                <a:spcPts val="0"/>
-              </a:spcAft>
-              <a:buNone/>
-            </a:pPr>
-            <a:r>
-              <a:rPr lang="en"/>
-              <a:t>8.</a:t>
-            </a:r>
-            <a:endParaRPr/>
-          </a:p>
-        </p:txBody>
-      </p:sp>
-      <p:sp>
-        <p:nvSpPr>
-          <p:cNvPr id="399" name="Google Shape;399;p44"/>
-          <p:cNvSpPr txBox="1"/>
-          <p:nvPr>
-            <p:ph idx="1" type="subTitle"/>
-          </p:nvPr>
-        </p:nvSpPr>
-        <p:spPr>
-          <a:xfrm>
-            <a:off x="1292489" y="1400867"/>
-            <a:ext cx="2702100" cy="677100"/>
-          </a:xfrm>
-          <a:prstGeom prst="rect">
-            <a:avLst/>
-          </a:prstGeom>
-        </p:spPr>
-        <p:txBody>
-          <a:bodyPr anchorCtr="0" anchor="t" bIns="91425" lIns="91425" spcFirstLastPara="1" rIns="91425" wrap="square" tIns="91425">
-            <a:noAutofit/>
-          </a:bodyPr>
-          <a:lstStyle/>
-          <a:p>
-            <a:pPr indent="0" lvl="0" marL="0" rtl="0" algn="l">
-              <a:spcBef>
-                <a:spcPts val="0"/>
-              </a:spcBef>
-              <a:spcAft>
-                <a:spcPts val="0"/>
-              </a:spcAft>
-              <a:buNone/>
-            </a:pPr>
-            <a:r>
-              <a:rPr lang="en"/>
-              <a:t>O Problema</a:t>
-            </a:r>
-            <a:endParaRPr/>
-          </a:p>
-        </p:txBody>
-      </p:sp>
-      <p:sp>
-        <p:nvSpPr>
-          <p:cNvPr id="400" name="Google Shape;400;p44"/>
-          <p:cNvSpPr txBox="1"/>
-          <p:nvPr>
-            <p:ph idx="8" type="subTitle"/>
-          </p:nvPr>
-        </p:nvSpPr>
-        <p:spPr>
-          <a:xfrm>
-            <a:off x="1292489" y="2133758"/>
-            <a:ext cx="2702100" cy="677100"/>
-          </a:xfrm>
-          <a:prstGeom prst="rect">
-            <a:avLst/>
-          </a:prstGeom>
-        </p:spPr>
-        <p:txBody>
-          <a:bodyPr anchorCtr="0" anchor="t" bIns="91425" lIns="91425" spcFirstLastPara="1" rIns="91425" wrap="square" tIns="91425">
-            <a:noAutofit/>
-          </a:bodyPr>
-          <a:lstStyle/>
-          <a:p>
-            <a:pPr indent="0" lvl="0" marL="0" rtl="0" algn="l">
-              <a:spcBef>
-                <a:spcPts val="0"/>
-              </a:spcBef>
-              <a:spcAft>
-                <a:spcPts val="0"/>
-              </a:spcAft>
-              <a:buNone/>
-            </a:pPr>
-            <a:r>
-              <a:rPr lang="en"/>
-              <a:t>A Solução</a:t>
-            </a:r>
-            <a:endParaRPr/>
-          </a:p>
-        </p:txBody>
-      </p:sp>
-      <p:sp>
-        <p:nvSpPr>
-          <p:cNvPr id="401" name="Google Shape;401;p44"/>
-          <p:cNvSpPr txBox="1"/>
-          <p:nvPr>
-            <p:ph idx="9" type="subTitle"/>
-          </p:nvPr>
-        </p:nvSpPr>
-        <p:spPr>
-          <a:xfrm>
-            <a:off x="1292489" y="2866625"/>
-            <a:ext cx="2702100" cy="677100"/>
-          </a:xfrm>
-          <a:prstGeom prst="rect">
-            <a:avLst/>
-          </a:prstGeom>
-        </p:spPr>
-        <p:txBody>
-          <a:bodyPr anchorCtr="0" anchor="t" bIns="91425" lIns="91425" spcFirstLastPara="1" rIns="91425" wrap="square" tIns="91425">
-            <a:noAutofit/>
-          </a:bodyPr>
-          <a:lstStyle/>
-          <a:p>
-            <a:pPr indent="0" lvl="0" marL="0" rtl="0" algn="l">
-              <a:spcBef>
-                <a:spcPts val="0"/>
-              </a:spcBef>
-              <a:spcAft>
-                <a:spcPts val="0"/>
-              </a:spcAft>
-              <a:buNone/>
-            </a:pPr>
-            <a:r>
-              <a:rPr lang="en"/>
-              <a:t>O Produto em Ação</a:t>
-            </a:r>
-            <a:endParaRPr/>
-          </a:p>
-        </p:txBody>
-      </p:sp>
-      <p:sp>
-        <p:nvSpPr>
-          <p:cNvPr id="402" name="Google Shape;402;p44"/>
-          <p:cNvSpPr txBox="1"/>
-          <p:nvPr>
-            <p:ph idx="13" type="subTitle"/>
-          </p:nvPr>
-        </p:nvSpPr>
-        <p:spPr>
-          <a:xfrm>
-            <a:off x="4799202" y="1400867"/>
-            <a:ext cx="2702100" cy="677100"/>
-          </a:xfrm>
-          <a:prstGeom prst="rect">
-            <a:avLst/>
-          </a:prstGeom>
-        </p:spPr>
-        <p:txBody>
-          <a:bodyPr anchorCtr="0" anchor="t" bIns="91425" lIns="91425" spcFirstLastPara="1" rIns="91425" wrap="square" tIns="91425">
-            <a:noAutofit/>
-          </a:bodyPr>
-          <a:lstStyle/>
-          <a:p>
-            <a:pPr indent="0" lvl="0" marL="0" rtl="0" algn="l">
-              <a:spcBef>
-                <a:spcPts val="0"/>
-              </a:spcBef>
-              <a:spcAft>
-                <a:spcPts val="0"/>
-              </a:spcAft>
-              <a:buNone/>
-            </a:pPr>
-            <a:r>
-              <a:rPr lang="en"/>
-              <a:t>Modelo de Negócio</a:t>
-            </a:r>
-            <a:endParaRPr/>
-          </a:p>
-        </p:txBody>
-      </p:sp>
-      <p:sp>
-        <p:nvSpPr>
-          <p:cNvPr id="403" name="Google Shape;403;p44"/>
-          <p:cNvSpPr txBox="1"/>
-          <p:nvPr>
-            <p:ph idx="14" type="subTitle"/>
-          </p:nvPr>
-        </p:nvSpPr>
-        <p:spPr>
-          <a:xfrm>
-            <a:off x="4724402" y="2866631"/>
-            <a:ext cx="2702100" cy="677100"/>
-          </a:xfrm>
-          <a:prstGeom prst="rect">
-            <a:avLst/>
-          </a:prstGeom>
-        </p:spPr>
-        <p:txBody>
-          <a:bodyPr anchorCtr="0" anchor="t" bIns="91425" lIns="91425" spcFirstLastPara="1" rIns="91425" wrap="square" tIns="91425">
-            <a:noAutofit/>
-          </a:bodyPr>
-          <a:lstStyle/>
-          <a:p>
-            <a:pPr indent="0" lvl="0" marL="0" rtl="0" algn="l">
-              <a:spcBef>
-                <a:spcPts val="0"/>
-              </a:spcBef>
-              <a:spcAft>
-                <a:spcPts val="0"/>
-              </a:spcAft>
-              <a:buClr>
-                <a:schemeClr val="dk1"/>
-              </a:buClr>
-              <a:buSzPts val="1100"/>
-              <a:buFont typeface="Arial"/>
-              <a:buNone/>
-            </a:pPr>
-            <a:r>
-              <a:rPr lang="en"/>
-              <a:t>Vantagens Competitivas</a:t>
-            </a:r>
-            <a:endParaRPr/>
-          </a:p>
-        </p:txBody>
-      </p:sp>
-      <p:sp>
-        <p:nvSpPr>
-          <p:cNvPr id="404" name="Google Shape;404;p44"/>
-          <p:cNvSpPr txBox="1"/>
-          <p:nvPr>
-            <p:ph idx="15" type="subTitle"/>
-          </p:nvPr>
-        </p:nvSpPr>
-        <p:spPr>
-          <a:xfrm>
-            <a:off x="4799202" y="3599496"/>
-            <a:ext cx="2702100" cy="677100"/>
-          </a:xfrm>
-          <a:prstGeom prst="rect">
-            <a:avLst/>
-          </a:prstGeom>
-        </p:spPr>
-        <p:txBody>
-          <a:bodyPr anchorCtr="0" anchor="t" bIns="91425" lIns="91425" spcFirstLastPara="1" rIns="91425" wrap="square" tIns="91425">
-            <a:noAutofit/>
-          </a:bodyPr>
-          <a:lstStyle/>
-          <a:p>
-            <a:pPr indent="0" lvl="0" marL="0" rtl="0" algn="l">
-              <a:spcBef>
-                <a:spcPts val="0"/>
-              </a:spcBef>
-              <a:spcAft>
-                <a:spcPts val="0"/>
-              </a:spcAft>
-              <a:buNone/>
-            </a:pPr>
-            <a:r>
-              <a:rPr lang="en"/>
-              <a:t>Próximos Passos</a:t>
-            </a:r>
-            <a:endParaRPr/>
-          </a:p>
-        </p:txBody>
-      </p:sp>
-      <p:sp>
-        <p:nvSpPr>
-          <p:cNvPr id="405" name="Google Shape;405;p44"/>
-          <p:cNvSpPr txBox="1"/>
-          <p:nvPr>
-            <p:ph idx="9" type="subTitle"/>
-          </p:nvPr>
-        </p:nvSpPr>
-        <p:spPr>
-          <a:xfrm>
-            <a:off x="1292501" y="3599500"/>
-            <a:ext cx="2702100" cy="677100"/>
-          </a:xfrm>
-          <a:prstGeom prst="rect">
-            <a:avLst/>
-          </a:prstGeom>
-        </p:spPr>
-        <p:txBody>
-          <a:bodyPr anchorCtr="0" anchor="t" bIns="91425" lIns="91425" spcFirstLastPara="1" rIns="91425" wrap="square" tIns="91425">
-            <a:noAutofit/>
-          </a:bodyPr>
-          <a:lstStyle/>
-          <a:p>
-            <a:pPr indent="0" lvl="0" marL="0" rtl="0" algn="l">
-              <a:spcBef>
-                <a:spcPts val="0"/>
-              </a:spcBef>
-              <a:spcAft>
-                <a:spcPts val="0"/>
-              </a:spcAft>
-              <a:buNone/>
-            </a:pPr>
-            <a:r>
-              <a:rPr lang="en"/>
-              <a:t>Valor de Mercado</a:t>
-            </a:r>
-            <a:endParaRPr/>
-          </a:p>
-        </p:txBody>
-      </p:sp>
-      <p:sp>
-        <p:nvSpPr>
-          <p:cNvPr id="406" name="Google Shape;406;p44"/>
-          <p:cNvSpPr txBox="1"/>
-          <p:nvPr>
-            <p:ph idx="14" type="subTitle"/>
-          </p:nvPr>
-        </p:nvSpPr>
-        <p:spPr>
-          <a:xfrm>
-            <a:off x="4799202" y="2133744"/>
-            <a:ext cx="2702100" cy="677100"/>
-          </a:xfrm>
-          <a:prstGeom prst="rect">
-            <a:avLst/>
-          </a:prstGeom>
-        </p:spPr>
-        <p:txBody>
-          <a:bodyPr anchorCtr="0" anchor="t" bIns="91425" lIns="91425" spcFirstLastPara="1" rIns="91425" wrap="square" tIns="91425">
-            <a:noAutofit/>
-          </a:bodyPr>
-          <a:lstStyle/>
-          <a:p>
-            <a:pPr indent="0" lvl="0" marL="0" rtl="0" algn="l">
-              <a:spcBef>
-                <a:spcPts val="0"/>
-              </a:spcBef>
-              <a:spcAft>
-                <a:spcPts val="0"/>
-              </a:spcAft>
-              <a:buNone/>
-            </a:pPr>
-            <a:r>
-              <a:rPr lang="en"/>
-              <a:t>Adoção de Mercado</a:t>
-            </a:r>
-            <a:endParaRPr/>
-          </a:p>
-        </p:txBody>
-      </p:sp>
-      <p:sp>
-        <p:nvSpPr>
-          <p:cNvPr id="407" name="Google Shape;407;p44"/>
-          <p:cNvSpPr txBox="1"/>
-          <p:nvPr>
-            <p:ph idx="4" type="title"/>
-          </p:nvPr>
-        </p:nvSpPr>
-        <p:spPr>
-          <a:xfrm>
-            <a:off x="713225" y="2866626"/>
-            <a:ext cx="577800" cy="677100"/>
-          </a:xfrm>
-          <a:prstGeom prst="rect">
-            <a:avLst/>
-          </a:prstGeom>
-        </p:spPr>
-        <p:txBody>
-          <a:bodyPr anchorCtr="0" anchor="t" bIns="91425" lIns="91425" spcFirstLastPara="1" rIns="91425" wrap="square" tIns="91425">
-            <a:noAutofit/>
-          </a:bodyPr>
-          <a:lstStyle/>
-          <a:p>
-            <a:pPr indent="0" lvl="0" marL="0" rtl="0" algn="ctr">
-              <a:spcBef>
-                <a:spcPts val="0"/>
-              </a:spcBef>
-              <a:spcAft>
-                <a:spcPts val="0"/>
-              </a:spcAft>
-              <a:buNone/>
-            </a:pPr>
-            <a:r>
-              <a:rPr lang="en"/>
-              <a:t>3.</a:t>
-            </a:r>
-            <a:endParaRPr/>
-          </a:p>
-        </p:txBody>
-      </p:sp>
-      <p:sp>
-        <p:nvSpPr>
-          <p:cNvPr id="408" name="Google Shape;408;p44"/>
-          <p:cNvSpPr txBox="1"/>
-          <p:nvPr>
-            <p:ph idx="3" type="title"/>
-          </p:nvPr>
-        </p:nvSpPr>
-        <p:spPr>
-          <a:xfrm>
-            <a:off x="4223200" y="2133740"/>
-            <a:ext cx="576000" cy="677100"/>
-          </a:xfrm>
-          <a:prstGeom prst="rect">
-            <a:avLst/>
-          </a:prstGeom>
-        </p:spPr>
-        <p:txBody>
-          <a:bodyPr anchorCtr="0" anchor="t" bIns="91425" lIns="91425" spcFirstLastPara="1" rIns="91425" wrap="square" tIns="91425">
-            <a:noAutofit/>
-          </a:bodyPr>
-          <a:lstStyle/>
-          <a:p>
-            <a:pPr indent="0" lvl="0" marL="0" rtl="0" algn="ctr">
-              <a:spcBef>
-                <a:spcPts val="0"/>
-              </a:spcBef>
-              <a:spcAft>
-                <a:spcPts val="0"/>
-              </a:spcAft>
-              <a:buNone/>
-            </a:pPr>
-            <a:r>
-              <a:rPr lang="en"/>
-              <a:t>6.</a:t>
-            </a:r>
-            <a:endParaRPr/>
-          </a:p>
-        </p:txBody>
-      </p:sp>
-    </p:spTree>
-  </p:cSld>
-  <p:clrMapOvr>
-    <a:masterClrMapping/>
-  </p:clrMapOvr>
-</p:sld>
-</file>
-
-<file path=ppt/slides/slide22.xml><?xml version="1.0" encoding="utf-8"?>
-<p:sld xmlns:a="http://schemas.openxmlformats.org/drawingml/2006/main" xmlns:r="http://schemas.openxmlformats.org/officeDocument/2006/relationships" xmlns:mc="http://schemas.openxmlformats.org/markup-compatibility/2006" xmlns:mv="urn:schemas-microsoft-com:mac:vml" xmlns:p="http://schemas.openxmlformats.org/presentationml/2006/main" xmlns:c="http://schemas.openxmlformats.org/drawingml/2006/chart" xmlns:dgm="http://schemas.openxmlformats.org/drawingml/2006/diagram" xmlns:o="urn:schemas-microsoft-com:office:office" xmlns:v="urn:schemas-microsoft-com:vml" xmlns:pvml="urn:schemas-microsoft-com:office:powerpoint" xmlns:com="http://schemas.openxmlformats.org/drawingml/2006/compatibility" xmlns:p14="http://schemas.microsoft.com/office/powerpoint/2010/main" xmlns:p15="http://schemas.microsoft.com/office/powerpoint/2012/main" xmlns:ahyp="http://schemas.microsoft.com/office/drawing/2018/hyperlinkcolor" show="0">
-  <p:cSld>
-    <p:bg>
-      <p:bgPr>
-        <a:solidFill>
-          <a:schemeClr val="dk1"/>
-        </a:solidFill>
-      </p:bgPr>
-    </p:bg>
-    <p:spTree>
-      <p:nvGrpSpPr>
-        <p:cNvPr id="412" name="Shape 412"/>
-        <p:cNvGrpSpPr/>
-        <p:nvPr/>
-      </p:nvGrpSpPr>
-      <p:grpSpPr>
-        <a:xfrm>
-          <a:off x="0" y="0"/>
-          <a:ext cx="0" cy="0"/>
-          <a:chOff x="0" y="0"/>
-          <a:chExt cx="0" cy="0"/>
-        </a:xfrm>
-      </p:grpSpPr>
-      <p:sp>
-        <p:nvSpPr>
-          <p:cNvPr id="413" name="Google Shape;413;p45"/>
-          <p:cNvSpPr txBox="1"/>
-          <p:nvPr/>
-        </p:nvSpPr>
-        <p:spPr>
-          <a:xfrm>
-            <a:off x="1343325" y="4851000"/>
-            <a:ext cx="1225800" cy="292500"/>
-          </a:xfrm>
-          <a:prstGeom prst="rect">
-            <a:avLst/>
-          </a:prstGeom>
-          <a:noFill/>
-          <a:ln>
-            <a:noFill/>
-          </a:ln>
-        </p:spPr>
-        <p:txBody>
-          <a:bodyPr anchorCtr="0" anchor="b" bIns="91425" lIns="91425" spcFirstLastPara="1" rIns="91425" wrap="square" tIns="91425">
-            <a:noAutofit/>
-          </a:bodyPr>
-          <a:lstStyle/>
-          <a:p>
-            <a:pPr indent="0" lvl="0" marL="0" rtl="0" algn="l">
-              <a:spcBef>
-                <a:spcPts val="0"/>
-              </a:spcBef>
-              <a:spcAft>
-                <a:spcPts val="0"/>
-              </a:spcAft>
-              <a:buNone/>
-            </a:pPr>
-            <a:r>
-              <a:rPr lang="en" sz="700">
-                <a:solidFill>
-                  <a:schemeClr val="lt1"/>
-                </a:solidFill>
-                <a:latin typeface="Roboto"/>
-                <a:ea typeface="Roboto"/>
-                <a:cs typeface="Roboto"/>
-                <a:sym typeface="Roboto"/>
-              </a:rPr>
-              <a:t>Gestão de NF-e com IA</a:t>
-            </a:r>
-            <a:endParaRPr sz="700">
-              <a:solidFill>
-                <a:schemeClr val="lt1"/>
-              </a:solidFill>
-              <a:latin typeface="Roboto"/>
-              <a:ea typeface="Roboto"/>
-              <a:cs typeface="Roboto"/>
-              <a:sym typeface="Roboto"/>
-            </a:endParaRPr>
-          </a:p>
-        </p:txBody>
-      </p:sp>
-      <p:sp>
-        <p:nvSpPr>
-          <p:cNvPr id="414" name="Google Shape;414;p45"/>
-          <p:cNvSpPr txBox="1"/>
-          <p:nvPr/>
-        </p:nvSpPr>
-        <p:spPr>
-          <a:xfrm>
-            <a:off x="117900" y="4851000"/>
-            <a:ext cx="1225200" cy="292500"/>
-          </a:xfrm>
-          <a:prstGeom prst="rect">
-            <a:avLst/>
-          </a:prstGeom>
-          <a:noFill/>
-          <a:ln>
-            <a:noFill/>
-          </a:ln>
-        </p:spPr>
-        <p:txBody>
-          <a:bodyPr anchorCtr="0" anchor="b" bIns="91425" lIns="91425" spcFirstLastPara="1" rIns="91425" wrap="square" tIns="91425">
-            <a:noAutofit/>
-          </a:bodyPr>
-          <a:lstStyle/>
-          <a:p>
-            <a:pPr indent="0" lvl="0" marL="0" rtl="0" algn="l">
-              <a:spcBef>
-                <a:spcPts val="0"/>
-              </a:spcBef>
-              <a:spcAft>
-                <a:spcPts val="0"/>
-              </a:spcAft>
-              <a:buNone/>
-            </a:pPr>
-            <a:r>
-              <a:rPr lang="en" sz="700">
-                <a:solidFill>
-                  <a:schemeClr val="lt1"/>
-                </a:solidFill>
-                <a:latin typeface="Roboto"/>
-                <a:ea typeface="Roboto"/>
-                <a:cs typeface="Roboto"/>
-                <a:sym typeface="Roboto"/>
-              </a:rPr>
-              <a:t>02</a:t>
-            </a:r>
-            <a:r>
-              <a:rPr lang="en" sz="700">
-                <a:solidFill>
-                  <a:schemeClr val="lt1"/>
-                </a:solidFill>
-                <a:latin typeface="Roboto"/>
-                <a:ea typeface="Roboto"/>
-                <a:cs typeface="Roboto"/>
-                <a:sym typeface="Roboto"/>
-              </a:rPr>
-              <a:t>/11/2025</a:t>
-            </a:r>
-            <a:endParaRPr sz="700">
-              <a:solidFill>
-                <a:schemeClr val="lt1"/>
-              </a:solidFill>
-              <a:latin typeface="Roboto"/>
-              <a:ea typeface="Roboto"/>
-              <a:cs typeface="Roboto"/>
-              <a:sym typeface="Roboto"/>
-            </a:endParaRPr>
-          </a:p>
-        </p:txBody>
-      </p:sp>
-      <p:sp>
-        <p:nvSpPr>
-          <p:cNvPr id="415" name="Google Shape;415;p45"/>
-          <p:cNvSpPr txBox="1"/>
-          <p:nvPr/>
-        </p:nvSpPr>
-        <p:spPr>
-          <a:xfrm>
-            <a:off x="7800300" y="4851000"/>
-            <a:ext cx="1225800" cy="292500"/>
-          </a:xfrm>
-          <a:prstGeom prst="rect">
-            <a:avLst/>
-          </a:prstGeom>
-          <a:noFill/>
-          <a:ln>
-            <a:noFill/>
-          </a:ln>
-        </p:spPr>
-        <p:txBody>
-          <a:bodyPr anchorCtr="0" anchor="b" bIns="91425" lIns="91425" spcFirstLastPara="1" rIns="91425" wrap="square" tIns="91425">
-            <a:noAutofit/>
-          </a:bodyPr>
-          <a:lstStyle/>
-          <a:p>
-            <a:pPr indent="0" lvl="0" marL="0" rtl="0" algn="r">
-              <a:spcBef>
-                <a:spcPts val="0"/>
-              </a:spcBef>
-              <a:spcAft>
-                <a:spcPts val="0"/>
-              </a:spcAft>
-              <a:buNone/>
-            </a:pPr>
-            <a:r>
-              <a:rPr lang="en" sz="700">
-                <a:solidFill>
-                  <a:schemeClr val="lt1"/>
-                </a:solidFill>
-                <a:latin typeface="Roboto"/>
-                <a:ea typeface="Roboto"/>
-                <a:cs typeface="Roboto"/>
-                <a:sym typeface="Roboto"/>
-              </a:rPr>
-              <a:t>Grupo SIA</a:t>
-            </a:r>
-            <a:endParaRPr sz="700">
-              <a:solidFill>
-                <a:schemeClr val="lt1"/>
-              </a:solidFill>
-              <a:latin typeface="Roboto"/>
-              <a:ea typeface="Roboto"/>
-              <a:cs typeface="Roboto"/>
-              <a:sym typeface="Roboto"/>
-            </a:endParaRPr>
-          </a:p>
-        </p:txBody>
-      </p:sp>
-      <p:sp>
-        <p:nvSpPr>
-          <p:cNvPr id="416" name="Google Shape;416;p45"/>
-          <p:cNvSpPr txBox="1"/>
-          <p:nvPr>
-            <p:ph type="title"/>
-          </p:nvPr>
-        </p:nvSpPr>
-        <p:spPr>
-          <a:xfrm>
-            <a:off x="720000" y="445025"/>
-            <a:ext cx="7704000" cy="572700"/>
-          </a:xfrm>
-          <a:prstGeom prst="rect">
-            <a:avLst/>
-          </a:prstGeom>
-        </p:spPr>
-        <p:txBody>
-          <a:bodyPr anchorCtr="0" anchor="t" bIns="91425" lIns="91425" spcFirstLastPara="1" rIns="91425" wrap="square" tIns="91425">
-            <a:noAutofit/>
-          </a:bodyPr>
-          <a:lstStyle/>
-          <a:p>
-            <a:pPr indent="0" lvl="0" marL="0" rtl="0" algn="l">
-              <a:spcBef>
-                <a:spcPts val="0"/>
-              </a:spcBef>
-              <a:spcAft>
-                <a:spcPts val="0"/>
-              </a:spcAft>
-              <a:buClr>
-                <a:schemeClr val="dk1"/>
-              </a:buClr>
-              <a:buSzPts val="1100"/>
-              <a:buFont typeface="Arial"/>
-              <a:buNone/>
-            </a:pPr>
-            <a:r>
-              <a:rPr lang="en"/>
-              <a:t>Tabela de Conteúdo</a:t>
-            </a:r>
-            <a:endParaRPr/>
-          </a:p>
-        </p:txBody>
-      </p:sp>
-      <p:sp>
-        <p:nvSpPr>
-          <p:cNvPr id="417" name="Google Shape;417;p45"/>
-          <p:cNvSpPr txBox="1"/>
-          <p:nvPr>
-            <p:ph idx="2" type="title"/>
-          </p:nvPr>
-        </p:nvSpPr>
-        <p:spPr>
-          <a:xfrm>
-            <a:off x="713225" y="1400863"/>
-            <a:ext cx="577800" cy="677100"/>
-          </a:xfrm>
-          <a:prstGeom prst="rect">
-            <a:avLst/>
-          </a:prstGeom>
-        </p:spPr>
-        <p:txBody>
-          <a:bodyPr anchorCtr="0" anchor="t" bIns="91425" lIns="91425" spcFirstLastPara="1" rIns="91425" wrap="square" tIns="91425">
-            <a:noAutofit/>
-          </a:bodyPr>
-          <a:lstStyle/>
-          <a:p>
-            <a:pPr indent="0" lvl="0" marL="0" rtl="0" algn="ctr">
-              <a:spcBef>
-                <a:spcPts val="0"/>
-              </a:spcBef>
-              <a:spcAft>
-                <a:spcPts val="0"/>
-              </a:spcAft>
-              <a:buNone/>
-            </a:pPr>
-            <a:r>
-              <a:rPr lang="en"/>
-              <a:t>1.</a:t>
-            </a:r>
-            <a:endParaRPr/>
-          </a:p>
-        </p:txBody>
-      </p:sp>
-      <p:sp>
-        <p:nvSpPr>
-          <p:cNvPr id="418" name="Google Shape;418;p45"/>
-          <p:cNvSpPr txBox="1"/>
-          <p:nvPr>
-            <p:ph idx="3" type="title"/>
-          </p:nvPr>
-        </p:nvSpPr>
-        <p:spPr>
-          <a:xfrm>
-            <a:off x="4223200" y="1400840"/>
-            <a:ext cx="576000" cy="677100"/>
-          </a:xfrm>
-          <a:prstGeom prst="rect">
-            <a:avLst/>
-          </a:prstGeom>
-        </p:spPr>
-        <p:txBody>
-          <a:bodyPr anchorCtr="0" anchor="t" bIns="91425" lIns="91425" spcFirstLastPara="1" rIns="91425" wrap="square" tIns="91425">
-            <a:noAutofit/>
-          </a:bodyPr>
-          <a:lstStyle/>
-          <a:p>
-            <a:pPr indent="0" lvl="0" marL="0" rtl="0" algn="ctr">
-              <a:spcBef>
-                <a:spcPts val="0"/>
-              </a:spcBef>
-              <a:spcAft>
-                <a:spcPts val="0"/>
-              </a:spcAft>
-              <a:buNone/>
-            </a:pPr>
-            <a:r>
-              <a:rPr lang="en"/>
-              <a:t>4.</a:t>
-            </a:r>
-            <a:endParaRPr/>
-          </a:p>
-        </p:txBody>
-      </p:sp>
-      <p:sp>
-        <p:nvSpPr>
-          <p:cNvPr id="419" name="Google Shape;419;p45"/>
-          <p:cNvSpPr txBox="1"/>
-          <p:nvPr>
-            <p:ph idx="4" type="title"/>
-          </p:nvPr>
-        </p:nvSpPr>
-        <p:spPr>
-          <a:xfrm>
-            <a:off x="713225" y="2472438"/>
-            <a:ext cx="577800" cy="677100"/>
-          </a:xfrm>
-          <a:prstGeom prst="rect">
-            <a:avLst/>
-          </a:prstGeom>
-        </p:spPr>
-        <p:txBody>
-          <a:bodyPr anchorCtr="0" anchor="t" bIns="91425" lIns="91425" spcFirstLastPara="1" rIns="91425" wrap="square" tIns="91425">
-            <a:noAutofit/>
-          </a:bodyPr>
-          <a:lstStyle/>
-          <a:p>
-            <a:pPr indent="0" lvl="0" marL="0" rtl="0" algn="ctr">
-              <a:spcBef>
-                <a:spcPts val="0"/>
-              </a:spcBef>
-              <a:spcAft>
-                <a:spcPts val="0"/>
-              </a:spcAft>
-              <a:buNone/>
-            </a:pPr>
-            <a:r>
-              <a:rPr lang="en"/>
-              <a:t>2.</a:t>
-            </a:r>
-            <a:endParaRPr/>
-          </a:p>
-        </p:txBody>
-      </p:sp>
-      <p:sp>
-        <p:nvSpPr>
-          <p:cNvPr id="420" name="Google Shape;420;p45"/>
-          <p:cNvSpPr txBox="1"/>
-          <p:nvPr>
-            <p:ph idx="5" type="title"/>
-          </p:nvPr>
-        </p:nvSpPr>
-        <p:spPr>
-          <a:xfrm>
-            <a:off x="4223200" y="2472414"/>
-            <a:ext cx="576000" cy="677100"/>
-          </a:xfrm>
-          <a:prstGeom prst="rect">
-            <a:avLst/>
-          </a:prstGeom>
-        </p:spPr>
-        <p:txBody>
-          <a:bodyPr anchorCtr="0" anchor="t" bIns="91425" lIns="91425" spcFirstLastPara="1" rIns="91425" wrap="square" tIns="91425">
-            <a:noAutofit/>
-          </a:bodyPr>
-          <a:lstStyle/>
-          <a:p>
-            <a:pPr indent="0" lvl="0" marL="0" rtl="0" algn="ctr">
-              <a:spcBef>
-                <a:spcPts val="0"/>
-              </a:spcBef>
-              <a:spcAft>
-                <a:spcPts val="0"/>
-              </a:spcAft>
-              <a:buNone/>
-            </a:pPr>
-            <a:r>
-              <a:rPr lang="en"/>
-              <a:t>5.</a:t>
-            </a:r>
-            <a:endParaRPr/>
-          </a:p>
-        </p:txBody>
-      </p:sp>
-      <p:sp>
-        <p:nvSpPr>
-          <p:cNvPr id="421" name="Google Shape;421;p45"/>
-          <p:cNvSpPr txBox="1"/>
-          <p:nvPr>
-            <p:ph idx="6" type="title"/>
-          </p:nvPr>
-        </p:nvSpPr>
-        <p:spPr>
-          <a:xfrm>
-            <a:off x="713225" y="3544013"/>
-            <a:ext cx="577800" cy="677100"/>
-          </a:xfrm>
-          <a:prstGeom prst="rect">
-            <a:avLst/>
-          </a:prstGeom>
-        </p:spPr>
-        <p:txBody>
-          <a:bodyPr anchorCtr="0" anchor="t" bIns="91425" lIns="91425" spcFirstLastPara="1" rIns="91425" wrap="square" tIns="91425">
-            <a:noAutofit/>
-          </a:bodyPr>
-          <a:lstStyle/>
-          <a:p>
-            <a:pPr indent="0" lvl="0" marL="0" rtl="0" algn="ctr">
-              <a:spcBef>
-                <a:spcPts val="0"/>
-              </a:spcBef>
-              <a:spcAft>
-                <a:spcPts val="0"/>
-              </a:spcAft>
-              <a:buNone/>
-            </a:pPr>
-            <a:r>
-              <a:rPr lang="en"/>
-              <a:t>3.</a:t>
-            </a:r>
-            <a:endParaRPr/>
-          </a:p>
-        </p:txBody>
-      </p:sp>
-      <p:sp>
-        <p:nvSpPr>
-          <p:cNvPr id="422" name="Google Shape;422;p45"/>
-          <p:cNvSpPr txBox="1"/>
-          <p:nvPr>
-            <p:ph idx="7" type="title"/>
-          </p:nvPr>
-        </p:nvSpPr>
-        <p:spPr>
-          <a:xfrm>
-            <a:off x="4223200" y="3543989"/>
-            <a:ext cx="576000" cy="677100"/>
-          </a:xfrm>
-          <a:prstGeom prst="rect">
-            <a:avLst/>
-          </a:prstGeom>
-        </p:spPr>
-        <p:txBody>
-          <a:bodyPr anchorCtr="0" anchor="t" bIns="91425" lIns="91425" spcFirstLastPara="1" rIns="91425" wrap="square" tIns="91425">
-            <a:noAutofit/>
-          </a:bodyPr>
-          <a:lstStyle/>
-          <a:p>
-            <a:pPr indent="0" lvl="0" marL="0" rtl="0" algn="ctr">
-              <a:spcBef>
-                <a:spcPts val="0"/>
-              </a:spcBef>
-              <a:spcAft>
-                <a:spcPts val="0"/>
-              </a:spcAft>
-              <a:buNone/>
-            </a:pPr>
-            <a:r>
-              <a:rPr lang="en"/>
-              <a:t>6.</a:t>
-            </a:r>
-            <a:endParaRPr/>
-          </a:p>
-        </p:txBody>
-      </p:sp>
-      <p:sp>
-        <p:nvSpPr>
-          <p:cNvPr id="423" name="Google Shape;423;p45"/>
-          <p:cNvSpPr txBox="1"/>
-          <p:nvPr>
-            <p:ph idx="1" type="subTitle"/>
-          </p:nvPr>
-        </p:nvSpPr>
-        <p:spPr>
-          <a:xfrm>
-            <a:off x="1292489" y="1400867"/>
-            <a:ext cx="2702100" cy="677100"/>
-          </a:xfrm>
-          <a:prstGeom prst="rect">
-            <a:avLst/>
-          </a:prstGeom>
-        </p:spPr>
-        <p:txBody>
-          <a:bodyPr anchorCtr="0" anchor="t" bIns="91425" lIns="91425" spcFirstLastPara="1" rIns="91425" wrap="square" tIns="91425">
-            <a:noAutofit/>
-          </a:bodyPr>
-          <a:lstStyle/>
-          <a:p>
-            <a:pPr indent="0" lvl="0" marL="0" rtl="0" algn="l">
-              <a:spcBef>
-                <a:spcPts val="0"/>
-              </a:spcBef>
-              <a:spcAft>
-                <a:spcPts val="0"/>
-              </a:spcAft>
-              <a:buClr>
-                <a:schemeClr val="dk1"/>
-              </a:buClr>
-              <a:buSzPts val="1100"/>
-              <a:buFont typeface="Arial"/>
-              <a:buNone/>
-            </a:pPr>
-            <a:r>
-              <a:rPr lang="en"/>
-              <a:t>O Problema</a:t>
-            </a:r>
-            <a:endParaRPr/>
-          </a:p>
-        </p:txBody>
-      </p:sp>
-      <p:sp>
-        <p:nvSpPr>
-          <p:cNvPr id="424" name="Google Shape;424;p45"/>
-          <p:cNvSpPr txBox="1"/>
-          <p:nvPr>
-            <p:ph idx="8" type="subTitle"/>
-          </p:nvPr>
-        </p:nvSpPr>
-        <p:spPr>
-          <a:xfrm>
-            <a:off x="1292489" y="2472433"/>
-            <a:ext cx="2702100" cy="677100"/>
-          </a:xfrm>
-          <a:prstGeom prst="rect">
-            <a:avLst/>
-          </a:prstGeom>
-        </p:spPr>
-        <p:txBody>
-          <a:bodyPr anchorCtr="0" anchor="t" bIns="91425" lIns="91425" spcFirstLastPara="1" rIns="91425" wrap="square" tIns="91425">
-            <a:noAutofit/>
-          </a:bodyPr>
-          <a:lstStyle/>
-          <a:p>
-            <a:pPr indent="0" lvl="0" marL="0" rtl="0" algn="l">
-              <a:spcBef>
-                <a:spcPts val="0"/>
-              </a:spcBef>
-              <a:spcAft>
-                <a:spcPts val="0"/>
-              </a:spcAft>
-              <a:buClr>
-                <a:schemeClr val="dk1"/>
-              </a:buClr>
-              <a:buSzPts val="1100"/>
-              <a:buFont typeface="Arial"/>
-              <a:buNone/>
-            </a:pPr>
-            <a:r>
-              <a:rPr lang="en"/>
-              <a:t>A Solução</a:t>
-            </a:r>
-            <a:endParaRPr/>
-          </a:p>
-        </p:txBody>
-      </p:sp>
-      <p:sp>
-        <p:nvSpPr>
-          <p:cNvPr id="425" name="Google Shape;425;p45"/>
-          <p:cNvSpPr txBox="1"/>
-          <p:nvPr>
-            <p:ph idx="9" type="subTitle"/>
-          </p:nvPr>
-        </p:nvSpPr>
-        <p:spPr>
-          <a:xfrm>
-            <a:off x="1292489" y="3544000"/>
-            <a:ext cx="2702100" cy="677100"/>
-          </a:xfrm>
-          <a:prstGeom prst="rect">
-            <a:avLst/>
-          </a:prstGeom>
-        </p:spPr>
-        <p:txBody>
-          <a:bodyPr anchorCtr="0" anchor="t" bIns="91425" lIns="91425" spcFirstLastPara="1" rIns="91425" wrap="square" tIns="91425">
-            <a:noAutofit/>
-          </a:bodyPr>
-          <a:lstStyle/>
-          <a:p>
-            <a:pPr indent="0" lvl="0" marL="0" rtl="0" algn="l">
-              <a:spcBef>
-                <a:spcPts val="0"/>
-              </a:spcBef>
-              <a:spcAft>
-                <a:spcPts val="0"/>
-              </a:spcAft>
-              <a:buClr>
-                <a:schemeClr val="dk1"/>
-              </a:buClr>
-              <a:buSzPts val="1100"/>
-              <a:buFont typeface="Arial"/>
-              <a:buNone/>
-            </a:pPr>
-            <a:r>
-              <a:rPr lang="en"/>
-              <a:t>O Produto em Ação</a:t>
-            </a:r>
-            <a:endParaRPr/>
-          </a:p>
-        </p:txBody>
-      </p:sp>
-      <p:sp>
-        <p:nvSpPr>
-          <p:cNvPr id="426" name="Google Shape;426;p45"/>
-          <p:cNvSpPr txBox="1"/>
-          <p:nvPr>
-            <p:ph idx="13" type="subTitle"/>
-          </p:nvPr>
-        </p:nvSpPr>
-        <p:spPr>
-          <a:xfrm>
-            <a:off x="4799202" y="1400867"/>
-            <a:ext cx="2702100" cy="677100"/>
-          </a:xfrm>
-          <a:prstGeom prst="rect">
-            <a:avLst/>
-          </a:prstGeom>
-        </p:spPr>
-        <p:txBody>
-          <a:bodyPr anchorCtr="0" anchor="t" bIns="91425" lIns="91425" spcFirstLastPara="1" rIns="91425" wrap="square" tIns="91425">
-            <a:noAutofit/>
-          </a:bodyPr>
-          <a:lstStyle/>
-          <a:p>
-            <a:pPr indent="0" lvl="0" marL="0" rtl="0" algn="l">
-              <a:spcBef>
-                <a:spcPts val="0"/>
-              </a:spcBef>
-              <a:spcAft>
-                <a:spcPts val="0"/>
-              </a:spcAft>
-              <a:buClr>
-                <a:schemeClr val="dk1"/>
-              </a:buClr>
-              <a:buSzPts val="1100"/>
-              <a:buFont typeface="Arial"/>
-              <a:buNone/>
-            </a:pPr>
-            <a:r>
-              <a:rPr lang="en"/>
-              <a:t>Valor de Mercado</a:t>
-            </a:r>
-            <a:endParaRPr/>
-          </a:p>
-        </p:txBody>
-      </p:sp>
-      <p:sp>
-        <p:nvSpPr>
-          <p:cNvPr id="427" name="Google Shape;427;p45"/>
-          <p:cNvSpPr txBox="1"/>
-          <p:nvPr>
-            <p:ph idx="14" type="subTitle"/>
-          </p:nvPr>
-        </p:nvSpPr>
-        <p:spPr>
-          <a:xfrm>
-            <a:off x="4799202" y="2472431"/>
-            <a:ext cx="2702100" cy="677100"/>
-          </a:xfrm>
-          <a:prstGeom prst="rect">
-            <a:avLst/>
-          </a:prstGeom>
-        </p:spPr>
-        <p:txBody>
-          <a:bodyPr anchorCtr="0" anchor="t" bIns="91425" lIns="91425" spcFirstLastPara="1" rIns="91425" wrap="square" tIns="91425">
-            <a:noAutofit/>
-          </a:bodyPr>
-          <a:lstStyle/>
-          <a:p>
-            <a:pPr indent="0" lvl="0" marL="0" rtl="0" algn="l">
-              <a:spcBef>
-                <a:spcPts val="0"/>
-              </a:spcBef>
-              <a:spcAft>
-                <a:spcPts val="0"/>
-              </a:spcAft>
-              <a:buClr>
-                <a:schemeClr val="dk1"/>
-              </a:buClr>
-              <a:buSzPts val="1100"/>
-              <a:buFont typeface="Arial"/>
-              <a:buNone/>
-            </a:pPr>
-            <a:r>
-              <a:rPr lang="en"/>
-              <a:t>Vantagens Competitivas</a:t>
-            </a:r>
-            <a:endParaRPr/>
-          </a:p>
-        </p:txBody>
-      </p:sp>
-      <p:sp>
-        <p:nvSpPr>
-          <p:cNvPr id="428" name="Google Shape;428;p45"/>
-          <p:cNvSpPr txBox="1"/>
-          <p:nvPr>
-            <p:ph idx="15" type="subTitle"/>
-          </p:nvPr>
-        </p:nvSpPr>
-        <p:spPr>
-          <a:xfrm>
-            <a:off x="4799202" y="3543996"/>
-            <a:ext cx="2702100" cy="677100"/>
-          </a:xfrm>
-          <a:prstGeom prst="rect">
-            <a:avLst/>
-          </a:prstGeom>
-        </p:spPr>
-        <p:txBody>
-          <a:bodyPr anchorCtr="0" anchor="t" bIns="91425" lIns="91425" spcFirstLastPara="1" rIns="91425" wrap="square" tIns="91425">
-            <a:noAutofit/>
-          </a:bodyPr>
-          <a:lstStyle/>
-          <a:p>
-            <a:pPr indent="0" lvl="0" marL="0" rtl="0" algn="l">
-              <a:spcBef>
-                <a:spcPts val="0"/>
-              </a:spcBef>
-              <a:spcAft>
-                <a:spcPts val="0"/>
-              </a:spcAft>
-              <a:buClr>
-                <a:schemeClr val="dk1"/>
-              </a:buClr>
-              <a:buSzPts val="1100"/>
-              <a:buFont typeface="Arial"/>
-              <a:buNone/>
-            </a:pPr>
-            <a:r>
-              <a:rPr lang="en"/>
-              <a:t>Próximos Passos</a:t>
-            </a:r>
-            <a:endParaRPr/>
-          </a:p>
-        </p:txBody>
-      </p:sp>
-    </p:spTree>
-  </p:cSld>
-  <p:clrMapOvr>
-    <a:masterClrMapping/>
-  </p:clrMapOvr>
-</p:sld>
-</file>
-
-<file path=ppt/slides/slide23.xml><?xml version="1.0" encoding="utf-8"?>
-<p:sld xmlns:a="http://schemas.openxmlformats.org/drawingml/2006/main" xmlns:r="http://schemas.openxmlformats.org/officeDocument/2006/relationships" xmlns:mc="http://schemas.openxmlformats.org/markup-compatibility/2006" xmlns:mv="urn:schemas-microsoft-com:mac:vml" xmlns:p="http://schemas.openxmlformats.org/presentationml/2006/main" xmlns:c="http://schemas.openxmlformats.org/drawingml/2006/chart" xmlns:dgm="http://schemas.openxmlformats.org/drawingml/2006/diagram" xmlns:o="urn:schemas-microsoft-com:office:office" xmlns:v="urn:schemas-microsoft-com:vml" xmlns:pvml="urn:schemas-microsoft-com:office:powerpoint" xmlns:com="http://schemas.openxmlformats.org/drawingml/2006/compatibility" xmlns:p14="http://schemas.microsoft.com/office/powerpoint/2010/main" xmlns:p15="http://schemas.microsoft.com/office/powerpoint/2012/main" xmlns:ahyp="http://schemas.microsoft.com/office/drawing/2018/hyperlinkcolor" show="0">
-  <p:cSld>
-    <p:bg>
-      <p:bgPr>
-        <a:solidFill>
-          <a:schemeClr val="lt1"/>
-        </a:solidFill>
-      </p:bgPr>
-    </p:bg>
-    <p:spTree>
-      <p:nvGrpSpPr>
-        <p:cNvPr id="432" name="Shape 432"/>
-        <p:cNvGrpSpPr/>
-        <p:nvPr/>
-      </p:nvGrpSpPr>
-      <p:grpSpPr>
-        <a:xfrm>
-          <a:off x="0" y="0"/>
-          <a:ext cx="0" cy="0"/>
-          <a:chOff x="0" y="0"/>
-          <a:chExt cx="0" cy="0"/>
-        </a:xfrm>
-      </p:grpSpPr>
-      <p:sp>
-        <p:nvSpPr>
-          <p:cNvPr id="433" name="Google Shape;433;p46"/>
-          <p:cNvSpPr txBox="1"/>
-          <p:nvPr/>
-        </p:nvSpPr>
-        <p:spPr>
-          <a:xfrm>
-            <a:off x="1343325" y="4851000"/>
-            <a:ext cx="1225800" cy="292500"/>
-          </a:xfrm>
-          <a:prstGeom prst="rect">
-            <a:avLst/>
-          </a:prstGeom>
-          <a:noFill/>
-          <a:ln>
-            <a:noFill/>
-          </a:ln>
-        </p:spPr>
-        <p:txBody>
-          <a:bodyPr anchorCtr="0" anchor="b" bIns="91425" lIns="91425" spcFirstLastPara="1" rIns="91425" wrap="square" tIns="91425">
-            <a:noAutofit/>
-          </a:bodyPr>
-          <a:lstStyle/>
-          <a:p>
-            <a:pPr indent="0" lvl="0" marL="0" rtl="0" algn="l">
-              <a:spcBef>
-                <a:spcPts val="0"/>
-              </a:spcBef>
-              <a:spcAft>
-                <a:spcPts val="0"/>
-              </a:spcAft>
-              <a:buNone/>
-            </a:pPr>
-            <a:r>
-              <a:rPr lang="en" sz="700">
-                <a:solidFill>
-                  <a:schemeClr val="dk1"/>
-                </a:solidFill>
-                <a:latin typeface="Roboto"/>
-                <a:ea typeface="Roboto"/>
-                <a:cs typeface="Roboto"/>
-                <a:sym typeface="Roboto"/>
-              </a:rPr>
-              <a:t>Gestão de NF-e com IA</a:t>
-            </a:r>
-            <a:endParaRPr sz="700">
-              <a:solidFill>
-                <a:schemeClr val="dk1"/>
-              </a:solidFill>
-              <a:latin typeface="Roboto"/>
-              <a:ea typeface="Roboto"/>
-              <a:cs typeface="Roboto"/>
-              <a:sym typeface="Roboto"/>
-            </a:endParaRPr>
-          </a:p>
-        </p:txBody>
-      </p:sp>
-      <p:sp>
-        <p:nvSpPr>
-          <p:cNvPr id="434" name="Google Shape;434;p46"/>
-          <p:cNvSpPr txBox="1"/>
-          <p:nvPr/>
-        </p:nvSpPr>
-        <p:spPr>
-          <a:xfrm>
-            <a:off x="117900" y="4851000"/>
-            <a:ext cx="1225200" cy="292500"/>
-          </a:xfrm>
-          <a:prstGeom prst="rect">
-            <a:avLst/>
-          </a:prstGeom>
-          <a:noFill/>
-          <a:ln>
-            <a:noFill/>
-          </a:ln>
-        </p:spPr>
-        <p:txBody>
-          <a:bodyPr anchorCtr="0" anchor="b" bIns="91425" lIns="91425" spcFirstLastPara="1" rIns="91425" wrap="square" tIns="91425">
-            <a:noAutofit/>
-          </a:bodyPr>
-          <a:lstStyle/>
-          <a:p>
-            <a:pPr indent="0" lvl="0" marL="0" rtl="0" algn="l">
-              <a:spcBef>
-                <a:spcPts val="0"/>
-              </a:spcBef>
-              <a:spcAft>
-                <a:spcPts val="0"/>
-              </a:spcAft>
-              <a:buNone/>
-            </a:pPr>
-            <a:r>
-              <a:rPr lang="en" sz="700">
-                <a:solidFill>
-                  <a:schemeClr val="dk1"/>
-                </a:solidFill>
-                <a:latin typeface="Roboto"/>
-                <a:ea typeface="Roboto"/>
-                <a:cs typeface="Roboto"/>
-                <a:sym typeface="Roboto"/>
-              </a:rPr>
-              <a:t>02/11/2025</a:t>
-            </a:r>
-            <a:endParaRPr sz="700">
-              <a:solidFill>
-                <a:schemeClr val="dk1"/>
-              </a:solidFill>
-              <a:latin typeface="Roboto"/>
-              <a:ea typeface="Roboto"/>
-              <a:cs typeface="Roboto"/>
-              <a:sym typeface="Roboto"/>
-            </a:endParaRPr>
-          </a:p>
-        </p:txBody>
-      </p:sp>
-      <p:sp>
-        <p:nvSpPr>
-          <p:cNvPr id="435" name="Google Shape;435;p46"/>
-          <p:cNvSpPr txBox="1"/>
-          <p:nvPr/>
-        </p:nvSpPr>
-        <p:spPr>
-          <a:xfrm>
-            <a:off x="7800300" y="4851000"/>
-            <a:ext cx="1225800" cy="292500"/>
-          </a:xfrm>
-          <a:prstGeom prst="rect">
-            <a:avLst/>
-          </a:prstGeom>
-          <a:noFill/>
-          <a:ln>
-            <a:noFill/>
-          </a:ln>
-        </p:spPr>
-        <p:txBody>
-          <a:bodyPr anchorCtr="0" anchor="b" bIns="91425" lIns="91425" spcFirstLastPara="1" rIns="91425" wrap="square" tIns="91425">
-            <a:noAutofit/>
-          </a:bodyPr>
-          <a:lstStyle/>
-          <a:p>
-            <a:pPr indent="0" lvl="0" marL="0" rtl="0" algn="r">
-              <a:spcBef>
-                <a:spcPts val="0"/>
-              </a:spcBef>
-              <a:spcAft>
-                <a:spcPts val="0"/>
-              </a:spcAft>
-              <a:buNone/>
-            </a:pPr>
-            <a:r>
-              <a:rPr lang="en" sz="700">
-                <a:solidFill>
-                  <a:schemeClr val="dk1"/>
-                </a:solidFill>
-                <a:latin typeface="Roboto"/>
-                <a:ea typeface="Roboto"/>
-                <a:cs typeface="Roboto"/>
-                <a:sym typeface="Roboto"/>
-              </a:rPr>
-              <a:t>Grupo SIA</a:t>
-            </a:r>
-            <a:endParaRPr sz="700">
-              <a:solidFill>
-                <a:schemeClr val="dk1"/>
-              </a:solidFill>
-              <a:latin typeface="Roboto"/>
-              <a:ea typeface="Roboto"/>
-              <a:cs typeface="Roboto"/>
-              <a:sym typeface="Roboto"/>
-            </a:endParaRPr>
-          </a:p>
-        </p:txBody>
-      </p:sp>
-      <p:sp>
-        <p:nvSpPr>
-          <p:cNvPr id="436" name="Google Shape;436;p46"/>
-          <p:cNvSpPr txBox="1"/>
-          <p:nvPr>
-            <p:ph type="title"/>
-          </p:nvPr>
-        </p:nvSpPr>
-        <p:spPr>
-          <a:xfrm>
-            <a:off x="722376" y="1861301"/>
-            <a:ext cx="4131900" cy="1569900"/>
-          </a:xfrm>
-          <a:prstGeom prst="rect">
-            <a:avLst/>
-          </a:prstGeom>
-        </p:spPr>
-        <p:txBody>
-          <a:bodyPr anchorCtr="0" anchor="t" bIns="91425" lIns="91425" spcFirstLastPara="1" rIns="91425" wrap="square" tIns="91425">
-            <a:noAutofit/>
-          </a:bodyPr>
-          <a:lstStyle/>
-          <a:p>
-            <a:pPr indent="0" lvl="0" marL="0" rtl="0" algn="l">
-              <a:spcBef>
-                <a:spcPts val="0"/>
-              </a:spcBef>
-              <a:spcAft>
-                <a:spcPts val="0"/>
-              </a:spcAft>
-              <a:buNone/>
-            </a:pPr>
-            <a:r>
-              <a:rPr lang="en" sz="2200"/>
-              <a:t>Estratégia focada em quem mais precisa: contadores e PMEs.</a:t>
-            </a:r>
-            <a:endParaRPr sz="2200"/>
-          </a:p>
-        </p:txBody>
-      </p:sp>
-      <p:sp>
-        <p:nvSpPr>
-          <p:cNvPr id="437" name="Google Shape;437;p46"/>
-          <p:cNvSpPr txBox="1"/>
-          <p:nvPr>
-            <p:ph idx="2" type="title"/>
-          </p:nvPr>
-        </p:nvSpPr>
-        <p:spPr>
-          <a:xfrm>
-            <a:off x="722375" y="984100"/>
-            <a:ext cx="7575000" cy="877200"/>
-          </a:xfrm>
-          <a:prstGeom prst="rect">
-            <a:avLst/>
-          </a:prstGeom>
-        </p:spPr>
-        <p:txBody>
-          <a:bodyPr anchorCtr="0" anchor="b" bIns="91425" lIns="91425" spcFirstLastPara="1" rIns="91425" wrap="square" tIns="91425">
-            <a:noAutofit/>
-          </a:bodyPr>
-          <a:lstStyle/>
-          <a:p>
-            <a:pPr indent="0" lvl="0" marL="0" rtl="0" algn="l">
-              <a:spcBef>
-                <a:spcPts val="0"/>
-              </a:spcBef>
-              <a:spcAft>
-                <a:spcPts val="0"/>
-              </a:spcAft>
-              <a:buNone/>
-            </a:pPr>
-            <a:r>
-              <a:rPr lang="en"/>
-              <a:t>6. Adoção de Mercado</a:t>
-            </a:r>
-            <a:endParaRPr/>
-          </a:p>
-        </p:txBody>
-      </p:sp>
-      <p:sp>
-        <p:nvSpPr>
-          <p:cNvPr id="438" name="Google Shape;438;p46"/>
-          <p:cNvSpPr txBox="1"/>
-          <p:nvPr>
-            <p:ph idx="1" type="subTitle"/>
-          </p:nvPr>
-        </p:nvSpPr>
-        <p:spPr>
-          <a:xfrm>
-            <a:off x="722374" y="3431199"/>
-            <a:ext cx="4131900" cy="400200"/>
-          </a:xfrm>
-          <a:prstGeom prst="rect">
-            <a:avLst/>
-          </a:prstGeom>
-        </p:spPr>
-        <p:txBody>
-          <a:bodyPr anchorCtr="0" anchor="t" bIns="91425" lIns="91425" spcFirstLastPara="1" rIns="91425" wrap="square" tIns="91425">
-            <a:noAutofit/>
-          </a:bodyPr>
-          <a:lstStyle/>
-          <a:p>
-            <a:pPr indent="0" lvl="0" marL="0" rtl="0" algn="l">
-              <a:spcBef>
-                <a:spcPts val="0"/>
-              </a:spcBef>
-              <a:spcAft>
-                <a:spcPts val="0"/>
-              </a:spcAft>
-              <a:buClr>
-                <a:schemeClr val="dk1"/>
-              </a:buClr>
-              <a:buSzPts val="1100"/>
-              <a:buFont typeface="Arial"/>
-              <a:buNone/>
-            </a:pPr>
-            <a:r>
-              <a:t/>
-            </a:r>
-            <a:endParaRPr/>
-          </a:p>
-        </p:txBody>
-      </p:sp>
-    </p:spTree>
-  </p:cSld>
-  <p:clrMapOvr>
-    <a:masterClrMapping/>
-  </p:clrMapOvr>
-</p:sld>
-</file>
-
-<file path=ppt/slides/slide24.xml><?xml version="1.0" encoding="utf-8"?>
-<p:sld xmlns:a="http://schemas.openxmlformats.org/drawingml/2006/main" xmlns:r="http://schemas.openxmlformats.org/officeDocument/2006/relationships" xmlns:mc="http://schemas.openxmlformats.org/markup-compatibility/2006" xmlns:mv="urn:schemas-microsoft-com:mac:vml" xmlns:p="http://schemas.openxmlformats.org/presentationml/2006/main" xmlns:c="http://schemas.openxmlformats.org/drawingml/2006/chart" xmlns:dgm="http://schemas.openxmlformats.org/drawingml/2006/diagram" xmlns:o="urn:schemas-microsoft-com:office:office" xmlns:v="urn:schemas-microsoft-com:vml" xmlns:pvml="urn:schemas-microsoft-com:office:powerpoint" xmlns:com="http://schemas.openxmlformats.org/drawingml/2006/compatibility" xmlns:p14="http://schemas.microsoft.com/office/powerpoint/2010/main" xmlns:p15="http://schemas.microsoft.com/office/powerpoint/2012/main" xmlns:ahyp="http://schemas.microsoft.com/office/drawing/2018/hyperlinkcolor" show="0">
-  <p:cSld>
-    <p:bg>
-      <p:bgPr>
-        <a:solidFill>
-          <a:schemeClr val="dk1"/>
-        </a:solidFill>
-      </p:bgPr>
-    </p:bg>
-    <p:spTree>
-      <p:nvGrpSpPr>
-        <p:cNvPr id="442" name="Shape 442"/>
-        <p:cNvGrpSpPr/>
-        <p:nvPr/>
-      </p:nvGrpSpPr>
-      <p:grpSpPr>
-        <a:xfrm>
-          <a:off x="0" y="0"/>
-          <a:ext cx="0" cy="0"/>
-          <a:chOff x="0" y="0"/>
-          <a:chExt cx="0" cy="0"/>
-        </a:xfrm>
-      </p:grpSpPr>
-      <p:sp>
-        <p:nvSpPr>
-          <p:cNvPr id="443" name="Google Shape;443;p47"/>
-          <p:cNvSpPr txBox="1"/>
-          <p:nvPr/>
-        </p:nvSpPr>
-        <p:spPr>
-          <a:xfrm>
-            <a:off x="1343325" y="4851000"/>
-            <a:ext cx="1225800" cy="292500"/>
-          </a:xfrm>
-          <a:prstGeom prst="rect">
-            <a:avLst/>
-          </a:prstGeom>
-          <a:noFill/>
-          <a:ln>
-            <a:noFill/>
-          </a:ln>
-        </p:spPr>
-        <p:txBody>
-          <a:bodyPr anchorCtr="0" anchor="b" bIns="91425" lIns="91425" spcFirstLastPara="1" rIns="91425" wrap="square" tIns="91425">
-            <a:noAutofit/>
-          </a:bodyPr>
-          <a:lstStyle/>
-          <a:p>
-            <a:pPr indent="0" lvl="0" marL="0" rtl="0" algn="l">
-              <a:spcBef>
-                <a:spcPts val="0"/>
-              </a:spcBef>
-              <a:spcAft>
-                <a:spcPts val="0"/>
-              </a:spcAft>
-              <a:buNone/>
-            </a:pPr>
-            <a:r>
-              <a:rPr lang="en" sz="700">
-                <a:solidFill>
-                  <a:schemeClr val="lt1"/>
-                </a:solidFill>
-                <a:latin typeface="Roboto"/>
-                <a:ea typeface="Roboto"/>
-                <a:cs typeface="Roboto"/>
-                <a:sym typeface="Roboto"/>
-              </a:rPr>
-              <a:t>Gestão de NF-e com IA</a:t>
-            </a:r>
-            <a:endParaRPr sz="700">
-              <a:solidFill>
-                <a:schemeClr val="lt1"/>
-              </a:solidFill>
-              <a:latin typeface="Roboto"/>
-              <a:ea typeface="Roboto"/>
-              <a:cs typeface="Roboto"/>
-              <a:sym typeface="Roboto"/>
-            </a:endParaRPr>
-          </a:p>
-        </p:txBody>
-      </p:sp>
-      <p:sp>
-        <p:nvSpPr>
-          <p:cNvPr id="444" name="Google Shape;444;p47"/>
-          <p:cNvSpPr txBox="1"/>
-          <p:nvPr/>
-        </p:nvSpPr>
-        <p:spPr>
-          <a:xfrm>
-            <a:off x="117900" y="4851000"/>
-            <a:ext cx="1225200" cy="292500"/>
-          </a:xfrm>
-          <a:prstGeom prst="rect">
-            <a:avLst/>
-          </a:prstGeom>
-          <a:noFill/>
-          <a:ln>
-            <a:noFill/>
-          </a:ln>
-        </p:spPr>
-        <p:txBody>
-          <a:bodyPr anchorCtr="0" anchor="b" bIns="91425" lIns="91425" spcFirstLastPara="1" rIns="91425" wrap="square" tIns="91425">
-            <a:noAutofit/>
-          </a:bodyPr>
-          <a:lstStyle/>
-          <a:p>
-            <a:pPr indent="0" lvl="0" marL="0" rtl="0" algn="l">
-              <a:spcBef>
-                <a:spcPts val="0"/>
-              </a:spcBef>
-              <a:spcAft>
-                <a:spcPts val="0"/>
-              </a:spcAft>
-              <a:buNone/>
-            </a:pPr>
-            <a:r>
-              <a:rPr lang="en" sz="700">
-                <a:solidFill>
-                  <a:schemeClr val="lt1"/>
-                </a:solidFill>
-                <a:latin typeface="Roboto"/>
-                <a:ea typeface="Roboto"/>
-                <a:cs typeface="Roboto"/>
-                <a:sym typeface="Roboto"/>
-              </a:rPr>
-              <a:t>02</a:t>
-            </a:r>
-            <a:r>
-              <a:rPr lang="en" sz="700">
-                <a:solidFill>
-                  <a:schemeClr val="lt1"/>
-                </a:solidFill>
-                <a:latin typeface="Roboto"/>
-                <a:ea typeface="Roboto"/>
-                <a:cs typeface="Roboto"/>
-                <a:sym typeface="Roboto"/>
-              </a:rPr>
-              <a:t>/11/2025</a:t>
-            </a:r>
-            <a:endParaRPr sz="700">
-              <a:solidFill>
-                <a:schemeClr val="lt1"/>
-              </a:solidFill>
-              <a:latin typeface="Roboto"/>
-              <a:ea typeface="Roboto"/>
-              <a:cs typeface="Roboto"/>
-              <a:sym typeface="Roboto"/>
-            </a:endParaRPr>
-          </a:p>
-        </p:txBody>
-      </p:sp>
-      <p:sp>
-        <p:nvSpPr>
-          <p:cNvPr id="445" name="Google Shape;445;p47"/>
-          <p:cNvSpPr txBox="1"/>
-          <p:nvPr/>
-        </p:nvSpPr>
-        <p:spPr>
-          <a:xfrm>
-            <a:off x="7800300" y="4851000"/>
-            <a:ext cx="1225800" cy="292500"/>
-          </a:xfrm>
-          <a:prstGeom prst="rect">
-            <a:avLst/>
-          </a:prstGeom>
-          <a:noFill/>
-          <a:ln>
-            <a:noFill/>
-          </a:ln>
-        </p:spPr>
-        <p:txBody>
-          <a:bodyPr anchorCtr="0" anchor="b" bIns="91425" lIns="91425" spcFirstLastPara="1" rIns="91425" wrap="square" tIns="91425">
-            <a:noAutofit/>
-          </a:bodyPr>
-          <a:lstStyle/>
-          <a:p>
-            <a:pPr indent="0" lvl="0" marL="0" rtl="0" algn="r">
-              <a:spcBef>
-                <a:spcPts val="0"/>
-              </a:spcBef>
-              <a:spcAft>
-                <a:spcPts val="0"/>
-              </a:spcAft>
-              <a:buNone/>
-            </a:pPr>
-            <a:r>
-              <a:rPr lang="en" sz="700">
-                <a:solidFill>
-                  <a:schemeClr val="lt1"/>
-                </a:solidFill>
-                <a:latin typeface="Roboto"/>
-                <a:ea typeface="Roboto"/>
-                <a:cs typeface="Roboto"/>
-                <a:sym typeface="Roboto"/>
-              </a:rPr>
-              <a:t>Grupo SIA</a:t>
-            </a:r>
-            <a:endParaRPr sz="700">
-              <a:solidFill>
-                <a:schemeClr val="lt1"/>
-              </a:solidFill>
-              <a:latin typeface="Roboto"/>
-              <a:ea typeface="Roboto"/>
-              <a:cs typeface="Roboto"/>
-              <a:sym typeface="Roboto"/>
-            </a:endParaRPr>
-          </a:p>
-        </p:txBody>
-      </p:sp>
-      <p:sp>
-        <p:nvSpPr>
-          <p:cNvPr id="446" name="Google Shape;446;p47"/>
-          <p:cNvSpPr txBox="1"/>
-          <p:nvPr>
-            <p:ph type="title"/>
-          </p:nvPr>
-        </p:nvSpPr>
-        <p:spPr>
-          <a:xfrm>
-            <a:off x="720000" y="445025"/>
-            <a:ext cx="7704000" cy="572700"/>
-          </a:xfrm>
-          <a:prstGeom prst="rect">
-            <a:avLst/>
-          </a:prstGeom>
-        </p:spPr>
-        <p:txBody>
-          <a:bodyPr anchorCtr="0" anchor="t" bIns="91425" lIns="91425" spcFirstLastPara="1" rIns="91425" wrap="square" tIns="91425">
-            <a:noAutofit/>
-          </a:bodyPr>
-          <a:lstStyle/>
-          <a:p>
-            <a:pPr indent="0" lvl="0" marL="0" rtl="0" algn="l">
-              <a:spcBef>
-                <a:spcPts val="0"/>
-              </a:spcBef>
-              <a:spcAft>
-                <a:spcPts val="0"/>
-              </a:spcAft>
-              <a:buNone/>
-            </a:pPr>
-            <a:r>
-              <a:rPr lang="en"/>
-              <a:t>Nossas 3 Estratégias:</a:t>
-            </a:r>
-            <a:endParaRPr/>
-          </a:p>
-        </p:txBody>
-      </p:sp>
-      <p:sp>
-        <p:nvSpPr>
-          <p:cNvPr id="447" name="Google Shape;447;p47"/>
-          <p:cNvSpPr txBox="1"/>
-          <p:nvPr>
-            <p:ph idx="4" type="subTitle"/>
-          </p:nvPr>
-        </p:nvSpPr>
-        <p:spPr>
-          <a:xfrm>
-            <a:off x="713225" y="1987175"/>
-            <a:ext cx="2505300" cy="677100"/>
-          </a:xfrm>
-          <a:prstGeom prst="rect">
-            <a:avLst/>
-          </a:prstGeom>
-        </p:spPr>
-        <p:txBody>
-          <a:bodyPr anchorCtr="0" anchor="b" bIns="91425" lIns="91425" spcFirstLastPara="1" rIns="91425" wrap="square" tIns="91425">
-            <a:noAutofit/>
-          </a:bodyPr>
-          <a:lstStyle/>
-          <a:p>
-            <a:pPr indent="0" lvl="0" marL="0" rtl="0" algn="l">
-              <a:spcBef>
-                <a:spcPts val="0"/>
-              </a:spcBef>
-              <a:spcAft>
-                <a:spcPts val="0"/>
-              </a:spcAft>
-              <a:buNone/>
-            </a:pPr>
-            <a:r>
-              <a:rPr lang="en"/>
-              <a:t>Parcerias </a:t>
-            </a:r>
-            <a:endParaRPr/>
-          </a:p>
-          <a:p>
-            <a:pPr indent="0" lvl="0" marL="0" rtl="0" algn="l">
-              <a:spcBef>
-                <a:spcPts val="0"/>
-              </a:spcBef>
-              <a:spcAft>
-                <a:spcPts val="0"/>
-              </a:spcAft>
-              <a:buNone/>
-            </a:pPr>
-            <a:r>
-              <a:rPr lang="en"/>
-              <a:t>Estratégicas</a:t>
-            </a:r>
-            <a:endParaRPr/>
-          </a:p>
-        </p:txBody>
-      </p:sp>
-      <p:sp>
-        <p:nvSpPr>
-          <p:cNvPr id="448" name="Google Shape;448;p47"/>
-          <p:cNvSpPr txBox="1"/>
-          <p:nvPr>
-            <p:ph idx="5" type="subTitle"/>
-          </p:nvPr>
-        </p:nvSpPr>
-        <p:spPr>
-          <a:xfrm>
-            <a:off x="3319390" y="1987175"/>
-            <a:ext cx="2505300" cy="677100"/>
-          </a:xfrm>
-          <a:prstGeom prst="rect">
-            <a:avLst/>
-          </a:prstGeom>
-        </p:spPr>
-        <p:txBody>
-          <a:bodyPr anchorCtr="0" anchor="b" bIns="91425" lIns="91425" spcFirstLastPara="1" rIns="91425" wrap="square" tIns="91425">
-            <a:noAutofit/>
-          </a:bodyPr>
-          <a:lstStyle/>
-          <a:p>
-            <a:pPr indent="0" lvl="0" marL="0" rtl="0" algn="l">
-              <a:spcBef>
-                <a:spcPts val="0"/>
-              </a:spcBef>
-              <a:spcAft>
-                <a:spcPts val="0"/>
-              </a:spcAft>
-              <a:buNone/>
-            </a:pPr>
-            <a:r>
-              <a:rPr lang="en"/>
-              <a:t>Marketing </a:t>
-            </a:r>
-            <a:endParaRPr/>
-          </a:p>
-          <a:p>
-            <a:pPr indent="0" lvl="0" marL="0" rtl="0" algn="l">
-              <a:spcBef>
-                <a:spcPts val="0"/>
-              </a:spcBef>
-              <a:spcAft>
-                <a:spcPts val="0"/>
-              </a:spcAft>
-              <a:buNone/>
-            </a:pPr>
-            <a:r>
-              <a:rPr lang="en"/>
-              <a:t>de Conteúdo</a:t>
-            </a:r>
-            <a:endParaRPr/>
-          </a:p>
-        </p:txBody>
-      </p:sp>
-      <p:sp>
-        <p:nvSpPr>
-          <p:cNvPr id="449" name="Google Shape;449;p47"/>
-          <p:cNvSpPr txBox="1"/>
-          <p:nvPr>
-            <p:ph idx="1" type="subTitle"/>
-          </p:nvPr>
-        </p:nvSpPr>
-        <p:spPr>
-          <a:xfrm>
-            <a:off x="713225" y="2588075"/>
-            <a:ext cx="2505300" cy="1477500"/>
-          </a:xfrm>
-          <a:prstGeom prst="rect">
-            <a:avLst/>
-          </a:prstGeom>
-        </p:spPr>
-        <p:txBody>
-          <a:bodyPr anchorCtr="0" anchor="t" bIns="91425" lIns="91425" spcFirstLastPara="1" rIns="91425" wrap="square" tIns="91425">
-            <a:noAutofit/>
-          </a:bodyPr>
-          <a:lstStyle/>
-          <a:p>
-            <a:pPr indent="0" lvl="0" marL="0" rtl="0" algn="l">
-              <a:spcBef>
-                <a:spcPts val="0"/>
-              </a:spcBef>
-              <a:spcAft>
-                <a:spcPts val="0"/>
-              </a:spcAft>
-              <a:buNone/>
-            </a:pPr>
-            <a:r>
-              <a:rPr lang="en" sz="1300"/>
-              <a:t>Alianças com escritórios de contabilidade para que ofereçam nossa plataforma como um diferencial para seus clientes.</a:t>
-            </a:r>
-            <a:endParaRPr sz="1400"/>
-          </a:p>
-        </p:txBody>
-      </p:sp>
-      <p:sp>
-        <p:nvSpPr>
-          <p:cNvPr id="450" name="Google Shape;450;p47"/>
-          <p:cNvSpPr txBox="1"/>
-          <p:nvPr>
-            <p:ph idx="2" type="subTitle"/>
-          </p:nvPr>
-        </p:nvSpPr>
-        <p:spPr>
-          <a:xfrm>
-            <a:off x="3319390" y="2588075"/>
-            <a:ext cx="2505300" cy="1477500"/>
-          </a:xfrm>
-          <a:prstGeom prst="rect">
-            <a:avLst/>
-          </a:prstGeom>
-        </p:spPr>
-        <p:txBody>
-          <a:bodyPr anchorCtr="0" anchor="t" bIns="91425" lIns="91425" spcFirstLastPara="1" rIns="91425" wrap="square" tIns="91425">
-            <a:noAutofit/>
-          </a:bodyPr>
-          <a:lstStyle/>
-          <a:p>
-            <a:pPr indent="0" lvl="0" marL="0" rtl="0" algn="l">
-              <a:spcBef>
-                <a:spcPts val="0"/>
-              </a:spcBef>
-              <a:spcAft>
-                <a:spcPts val="0"/>
-              </a:spcAft>
-              <a:buNone/>
-            </a:pPr>
-            <a:r>
-              <a:rPr lang="en" sz="1300"/>
-              <a:t>Criar artigos, webinars e guias sobre eficiência fiscal e a nova reforma tributária, posicionando nossa marca como autoridade no assunto.</a:t>
-            </a:r>
-            <a:endParaRPr sz="1300"/>
-          </a:p>
-        </p:txBody>
-      </p:sp>
-      <p:sp>
-        <p:nvSpPr>
-          <p:cNvPr id="451" name="Google Shape;451;p47"/>
-          <p:cNvSpPr txBox="1"/>
-          <p:nvPr>
-            <p:ph idx="3" type="subTitle"/>
-          </p:nvPr>
-        </p:nvSpPr>
-        <p:spPr>
-          <a:xfrm>
-            <a:off x="5925555" y="2588075"/>
-            <a:ext cx="2505300" cy="1477500"/>
-          </a:xfrm>
-          <a:prstGeom prst="rect">
-            <a:avLst/>
-          </a:prstGeom>
-        </p:spPr>
-        <p:txBody>
-          <a:bodyPr anchorCtr="0" anchor="t" bIns="91425" lIns="91425" spcFirstLastPara="1" rIns="91425" wrap="square" tIns="91425">
-            <a:noAutofit/>
-          </a:bodyPr>
-          <a:lstStyle/>
-          <a:p>
-            <a:pPr indent="0" lvl="0" marL="0" rtl="0" algn="l">
-              <a:spcBef>
-                <a:spcPts val="0"/>
-              </a:spcBef>
-              <a:spcAft>
-                <a:spcPts val="0"/>
-              </a:spcAft>
-              <a:buNone/>
-            </a:pPr>
-            <a:r>
-              <a:rPr lang="en" sz="1300"/>
-              <a:t>Permitir que empresas testem o poder da nossa ferramenta gratuitamente, criando uma base de usuários sólida para conversão em planos pagos.</a:t>
-            </a:r>
-            <a:endParaRPr sz="1400"/>
-          </a:p>
-        </p:txBody>
-      </p:sp>
-      <p:sp>
-        <p:nvSpPr>
-          <p:cNvPr id="452" name="Google Shape;452;p47"/>
-          <p:cNvSpPr txBox="1"/>
-          <p:nvPr>
-            <p:ph idx="6" type="subTitle"/>
-          </p:nvPr>
-        </p:nvSpPr>
-        <p:spPr>
-          <a:xfrm>
-            <a:off x="5925555" y="1987175"/>
-            <a:ext cx="2505300" cy="677100"/>
-          </a:xfrm>
-          <a:prstGeom prst="rect">
-            <a:avLst/>
-          </a:prstGeom>
-        </p:spPr>
-        <p:txBody>
-          <a:bodyPr anchorCtr="0" anchor="b" bIns="91425" lIns="91425" spcFirstLastPara="1" rIns="91425" wrap="square" tIns="91425">
-            <a:noAutofit/>
-          </a:bodyPr>
-          <a:lstStyle/>
-          <a:p>
-            <a:pPr indent="0" lvl="0" marL="0" rtl="0" algn="l">
-              <a:spcBef>
-                <a:spcPts val="0"/>
-              </a:spcBef>
-              <a:spcAft>
-                <a:spcPts val="0"/>
-              </a:spcAft>
-              <a:buNone/>
-            </a:pPr>
-            <a:r>
-              <a:rPr lang="en"/>
-              <a:t>Modelo</a:t>
-            </a:r>
-            <a:endParaRPr/>
-          </a:p>
-          <a:p>
-            <a:pPr indent="0" lvl="0" marL="0" rtl="0" algn="l">
-              <a:spcBef>
-                <a:spcPts val="0"/>
-              </a:spcBef>
-              <a:spcAft>
-                <a:spcPts val="0"/>
-              </a:spcAft>
-              <a:buNone/>
-            </a:pPr>
-            <a:r>
-              <a:rPr lang="en"/>
-              <a:t>Freemium</a:t>
-            </a:r>
-            <a:endParaRPr/>
-          </a:p>
-        </p:txBody>
-      </p:sp>
-      <p:sp>
-        <p:nvSpPr>
-          <p:cNvPr id="453" name="Google Shape;453;p47"/>
-          <p:cNvSpPr txBox="1"/>
-          <p:nvPr>
-            <p:ph idx="7" type="title"/>
-          </p:nvPr>
-        </p:nvSpPr>
-        <p:spPr>
-          <a:xfrm>
-            <a:off x="3319390" y="1556080"/>
-            <a:ext cx="734700" cy="431100"/>
-          </a:xfrm>
-          <a:prstGeom prst="rect">
-            <a:avLst/>
-          </a:prstGeom>
-        </p:spPr>
-        <p:txBody>
-          <a:bodyPr anchorCtr="0" anchor="ctr" bIns="91425" lIns="91425" spcFirstLastPara="1" rIns="91425" wrap="square" tIns="91425">
-            <a:noAutofit/>
-          </a:bodyPr>
-          <a:lstStyle/>
-          <a:p>
-            <a:pPr indent="0" lvl="0" marL="0" rtl="0" algn="l">
-              <a:spcBef>
-                <a:spcPts val="0"/>
-              </a:spcBef>
-              <a:spcAft>
-                <a:spcPts val="0"/>
-              </a:spcAft>
-              <a:buNone/>
-            </a:pPr>
-            <a:r>
-              <a:rPr lang="en"/>
-              <a:t>2.</a:t>
-            </a:r>
-            <a:endParaRPr/>
-          </a:p>
-        </p:txBody>
-      </p:sp>
-      <p:sp>
-        <p:nvSpPr>
-          <p:cNvPr id="454" name="Google Shape;454;p47"/>
-          <p:cNvSpPr txBox="1"/>
-          <p:nvPr>
-            <p:ph idx="8" type="title"/>
-          </p:nvPr>
-        </p:nvSpPr>
-        <p:spPr>
-          <a:xfrm>
-            <a:off x="713225" y="1556083"/>
-            <a:ext cx="734700" cy="431100"/>
-          </a:xfrm>
-          <a:prstGeom prst="rect">
-            <a:avLst/>
-          </a:prstGeom>
-        </p:spPr>
-        <p:txBody>
-          <a:bodyPr anchorCtr="0" anchor="ctr" bIns="91425" lIns="91425" spcFirstLastPara="1" rIns="91425" wrap="square" tIns="91425">
-            <a:noAutofit/>
-          </a:bodyPr>
-          <a:lstStyle/>
-          <a:p>
-            <a:pPr indent="0" lvl="0" marL="0" rtl="0" algn="l">
-              <a:spcBef>
-                <a:spcPts val="0"/>
-              </a:spcBef>
-              <a:spcAft>
-                <a:spcPts val="0"/>
-              </a:spcAft>
-              <a:buNone/>
-            </a:pPr>
-            <a:r>
-              <a:rPr lang="en"/>
-              <a:t>1.</a:t>
-            </a:r>
-            <a:endParaRPr/>
-          </a:p>
-        </p:txBody>
-      </p:sp>
-      <p:sp>
-        <p:nvSpPr>
-          <p:cNvPr id="455" name="Google Shape;455;p47"/>
-          <p:cNvSpPr txBox="1"/>
-          <p:nvPr>
-            <p:ph idx="9" type="title"/>
-          </p:nvPr>
-        </p:nvSpPr>
-        <p:spPr>
-          <a:xfrm>
-            <a:off x="5925555" y="1556080"/>
-            <a:ext cx="734700" cy="431100"/>
-          </a:xfrm>
-          <a:prstGeom prst="rect">
-            <a:avLst/>
-          </a:prstGeom>
-        </p:spPr>
-        <p:txBody>
-          <a:bodyPr anchorCtr="0" anchor="ctr" bIns="91425" lIns="91425" spcFirstLastPara="1" rIns="91425" wrap="square" tIns="91425">
-            <a:noAutofit/>
-          </a:bodyPr>
-          <a:lstStyle/>
-          <a:p>
-            <a:pPr indent="0" lvl="0" marL="0" rtl="0" algn="l">
-              <a:spcBef>
-                <a:spcPts val="0"/>
-              </a:spcBef>
-              <a:spcAft>
-                <a:spcPts val="0"/>
-              </a:spcAft>
-              <a:buNone/>
-            </a:pPr>
-            <a:r>
-              <a:rPr lang="en"/>
-              <a:t>3.</a:t>
-            </a:r>
-            <a:endParaRPr/>
-          </a:p>
-        </p:txBody>
-      </p:sp>
-    </p:spTree>
-  </p:cSld>
-  <p:clrMapOvr>
-    <a:masterClrMapping/>
-  </p:clrMapOvr>
-</p:sld>
-</file>
-
 <file path=ppt/slides/slide3.xml><?xml version="1.0" encoding="utf-8"?>
 <p:sld xmlns:a="http://schemas.openxmlformats.org/drawingml/2006/main" xmlns:r="http://schemas.openxmlformats.org/officeDocument/2006/relationships" xmlns:mc="http://schemas.openxmlformats.org/markup-compatibility/2006" xmlns:mv="urn:schemas-microsoft-com:mac:vml" xmlns:p="http://schemas.openxmlformats.org/presentationml/2006/main" xmlns:c="http://schemas.openxmlformats.org/drawingml/2006/chart" xmlns:dgm="http://schemas.openxmlformats.org/drawingml/2006/diagram" xmlns:o="urn:schemas-microsoft-com:office:office" xmlns:v="urn:schemas-microsoft-com:vml" xmlns:pvml="urn:schemas-microsoft-com:office:powerpoint" xmlns:com="http://schemas.openxmlformats.org/drawingml/2006/compatibility" xmlns:p14="http://schemas.microsoft.com/office/powerpoint/2010/main" xmlns:p15="http://schemas.microsoft.com/office/powerpoint/2012/main" xmlns:ahyp="http://schemas.microsoft.com/office/drawing/2018/hyperlinkcolor">
   <p:cSld>
@@ -35823,7 +30670,7 @@
             </a:pPr>
             <a:r>
               <a:rPr lang="en"/>
-              <a:t>E o Cenário se agrava: A Reforma Tributária (EC 132/23) cria uma urgência sem precedentes para a organização e otimização fiscal.</a:t>
+              <a:t>E o cenário se agrava: A Reforma Tributária (EC 132/23) cria uma urgência sem precedentes para a organização e otimização fiscal.</a:t>
             </a:r>
             <a:endParaRPr/>
           </a:p>
@@ -37907,6 +32754,285 @@
 </file>
 
 <file path=ppt/theme/theme1.xml><?xml version="1.0" encoding="utf-8"?>
+<a:theme xmlns:a="http://schemas.openxmlformats.org/drawingml/2006/main" xmlns:r="http://schemas.openxmlformats.org/officeDocument/2006/relationships">
+  <a:themeElements>
+    <a:clrScheme name="Default">
+      <a:dk1>
+        <a:srgbClr val="000000"/>
+      </a:dk1>
+      <a:lt1>
+        <a:srgbClr val="FFFFFF"/>
+      </a:lt1>
+      <a:dk2>
+        <a:srgbClr val="158158"/>
+      </a:dk2>
+      <a:lt2>
+        <a:srgbClr val="F3F3F3"/>
+      </a:lt2>
+      <a:accent1>
+        <a:srgbClr val="058DC7"/>
+      </a:accent1>
+      <a:accent2>
+        <a:srgbClr val="50B432"/>
+      </a:accent2>
+      <a:accent3>
+        <a:srgbClr val="ED561B"/>
+      </a:accent3>
+      <a:accent4>
+        <a:srgbClr val="EDEF00"/>
+      </a:accent4>
+      <a:accent5>
+        <a:srgbClr val="24CBE5"/>
+      </a:accent5>
+      <a:accent6>
+        <a:srgbClr val="64E572"/>
+      </a:accent6>
+      <a:hlink>
+        <a:srgbClr val="2200CC"/>
+      </a:hlink>
+      <a:folHlink>
+        <a:srgbClr val="551A8B"/>
+      </a:folHlink>
+    </a:clrScheme>
+    <a:fontScheme name="Office">
+      <a:majorFont>
+        <a:latin typeface="Arial"/>
+        <a:ea typeface=""/>
+        <a:cs typeface=""/>
+        <a:font script="Jpan" typeface="ＭＳ Ｐゴシック"/>
+        <a:font script="Hang" typeface="맑은 고딕"/>
+        <a:font script="Hans" typeface="宋体"/>
+        <a:font script="Hant" typeface="新細明體"/>
+        <a:font script="Arab" typeface="Times New Roman"/>
+        <a:font script="Hebr" typeface="Times New Roman"/>
+        <a:font script="Thai" typeface="Angsana New"/>
+        <a:font script="Ethi" typeface="Nyala"/>
+        <a:font script="Beng" typeface="Vrinda"/>
+        <a:font script="Gujr" typeface="Shruti"/>
+        <a:font script="Khmr" typeface="MoolBoran"/>
+        <a:font script="Knda" typeface="Tunga"/>
+        <a:font script="Guru" typeface="Raavi"/>
+        <a:font script="Cans" typeface="Euphemia"/>
+        <a:font script="Cher" typeface="Plantagenet Cherokee"/>
+        <a:font script="Yiii" typeface="Microsoft Yi Baiti"/>
+        <a:font script="Tibt" typeface="Microsoft Himalaya"/>
+        <a:font script="Thaa" typeface="MV Boli"/>
+        <a:font script="Deva" typeface="Mangal"/>
+        <a:font script="Telu" typeface="Gautami"/>
+        <a:font script="Taml" typeface="Latha"/>
+        <a:font script="Syrc" typeface="Estrangelo Edessa"/>
+        <a:font script="Orya" typeface="Kalinga"/>
+        <a:font script="Mlym" typeface="Kartika"/>
+        <a:font script="Laoo" typeface="DokChampa"/>
+        <a:font script="Sinh" typeface="Iskoola Pota"/>
+        <a:font script="Mong" typeface="Mongolian Baiti"/>
+        <a:font script="Viet" typeface="Times New Roman"/>
+        <a:font script="Uigh" typeface="Microsoft Uighur"/>
+        <a:font script="Geor" typeface="Sylfaen"/>
+      </a:majorFont>
+      <a:minorFont>
+        <a:latin typeface="Arial"/>
+        <a:ea typeface=""/>
+        <a:cs typeface=""/>
+        <a:font script="Jpan" typeface="ＭＳ Ｐゴシック"/>
+        <a:font script="Hang" typeface="맑은 고딕"/>
+        <a:font script="Hans" typeface="宋体"/>
+        <a:font script="Hant" typeface="新細明體"/>
+        <a:font script="Arab" typeface="Arial"/>
+        <a:font script="Hebr" typeface="Arial"/>
+        <a:font script="Thai" typeface="Cordia New"/>
+        <a:font script="Ethi" typeface="Nyala"/>
+        <a:font script="Beng" typeface="Vrinda"/>
+        <a:font script="Gujr" typeface="Shruti"/>
+        <a:font script="Khmr" typeface="DaunPenh"/>
+        <a:font script="Knda" typeface="Tunga"/>
+        <a:font script="Guru" typeface="Raavi"/>
+        <a:font script="Cans" typeface="Euphemia"/>
+        <a:font script="Cher" typeface="Plantagenet Cherokee"/>
+        <a:font script="Yiii" typeface="Microsoft Yi Baiti"/>
+        <a:font script="Tibt" typeface="Microsoft Himalaya"/>
+        <a:font script="Thaa" typeface="MV Boli"/>
+        <a:font script="Deva" typeface="Mangal"/>
+        <a:font script="Telu" typeface="Gautami"/>
+        <a:font script="Taml" typeface="Latha"/>
+        <a:font script="Syrc" typeface="Estrangelo Edessa"/>
+        <a:font script="Orya" typeface="Kalinga"/>
+        <a:font script="Mlym" typeface="Kartika"/>
+        <a:font script="Laoo" typeface="DokChampa"/>
+        <a:font script="Sinh" typeface="Iskoola Pota"/>
+        <a:font script="Mong" typeface="Mongolian Baiti"/>
+        <a:font script="Viet" typeface="Arial"/>
+        <a:font script="Uigh" typeface="Microsoft Uighur"/>
+        <a:font script="Geor" typeface="Sylfaen"/>
+      </a:minorFont>
+    </a:fontScheme>
+    <a:fmtScheme name="Office">
+      <a:fillStyleLst>
+        <a:solidFill>
+          <a:schemeClr val="phClr"/>
+        </a:solidFill>
+        <a:gradFill rotWithShape="1">
+          <a:gsLst>
+            <a:gs pos="0">
+              <a:schemeClr val="phClr">
+                <a:tint val="50000"/>
+                <a:satMod val="300000"/>
+              </a:schemeClr>
+            </a:gs>
+            <a:gs pos="35000">
+              <a:schemeClr val="phClr">
+                <a:tint val="37000"/>
+                <a:satMod val="300000"/>
+              </a:schemeClr>
+            </a:gs>
+            <a:gs pos="100000">
+              <a:schemeClr val="phClr">
+                <a:tint val="15000"/>
+                <a:satMod val="350000"/>
+              </a:schemeClr>
+            </a:gs>
+          </a:gsLst>
+          <a:lin ang="16200000" scaled="1"/>
+        </a:gradFill>
+        <a:gradFill rotWithShape="1">
+          <a:gsLst>
+            <a:gs pos="0">
+              <a:schemeClr val="phClr">
+                <a:tint val="100000"/>
+                <a:shade val="100000"/>
+                <a:satMod val="130000"/>
+              </a:schemeClr>
+            </a:gs>
+            <a:gs pos="100000">
+              <a:schemeClr val="phClr">
+                <a:tint val="50000"/>
+                <a:shade val="100000"/>
+                <a:satMod val="350000"/>
+              </a:schemeClr>
+            </a:gs>
+          </a:gsLst>
+          <a:lin ang="16200000" scaled="0"/>
+        </a:gradFill>
+      </a:fillStyleLst>
+      <a:lnStyleLst>
+        <a:ln w="9525" cap="flat" cmpd="sng" algn="ctr">
+          <a:solidFill>
+            <a:schemeClr val="phClr">
+              <a:shade val="95000"/>
+              <a:satMod val="105000"/>
+            </a:schemeClr>
+          </a:solidFill>
+          <a:prstDash val="solid"/>
+        </a:ln>
+        <a:ln w="25400" cap="flat" cmpd="sng" algn="ctr">
+          <a:solidFill>
+            <a:schemeClr val="phClr"/>
+          </a:solidFill>
+          <a:prstDash val="solid"/>
+        </a:ln>
+        <a:ln w="38100" cap="flat" cmpd="sng" algn="ctr">
+          <a:solidFill>
+            <a:schemeClr val="phClr"/>
+          </a:solidFill>
+          <a:prstDash val="solid"/>
+        </a:ln>
+      </a:lnStyleLst>
+      <a:effectStyleLst>
+        <a:effectStyle>
+          <a:effectLst>
+            <a:outerShdw blurRad="40000" dist="20000" dir="5400000" rotWithShape="0">
+              <a:srgbClr val="000000">
+                <a:alpha val="38000"/>
+              </a:srgbClr>
+            </a:outerShdw>
+          </a:effectLst>
+        </a:effectStyle>
+        <a:effectStyle>
+          <a:effectLst>
+            <a:outerShdw blurRad="40000" dist="23000" dir="5400000" rotWithShape="0">
+              <a:srgbClr val="000000">
+                <a:alpha val="35000"/>
+              </a:srgbClr>
+            </a:outerShdw>
+          </a:effectLst>
+        </a:effectStyle>
+        <a:effectStyle>
+          <a:effectLst>
+            <a:outerShdw blurRad="40000" dist="23000" dir="5400000" rotWithShape="0">
+              <a:srgbClr val="000000">
+                <a:alpha val="35000"/>
+              </a:srgbClr>
+            </a:outerShdw>
+          </a:effectLst>
+          <a:scene3d>
+            <a:camera prst="orthographicFront">
+              <a:rot lat="0" lon="0" rev="0"/>
+            </a:camera>
+            <a:lightRig rig="threePt" dir="t">
+              <a:rot lat="0" lon="0" rev="1200000"/>
+            </a:lightRig>
+          </a:scene3d>
+          <a:sp3d>
+            <a:bevelT w="63500" h="25400"/>
+          </a:sp3d>
+        </a:effectStyle>
+      </a:effectStyleLst>
+      <a:bgFillStyleLst>
+        <a:solidFill>
+          <a:schemeClr val="phClr"/>
+        </a:solidFill>
+        <a:gradFill rotWithShape="1">
+          <a:gsLst>
+            <a:gs pos="0">
+              <a:schemeClr val="phClr">
+                <a:tint val="40000"/>
+                <a:satMod val="350000"/>
+              </a:schemeClr>
+            </a:gs>
+            <a:gs pos="40000">
+              <a:schemeClr val="phClr">
+                <a:tint val="45000"/>
+                <a:shade val="99000"/>
+                <a:satMod val="350000"/>
+              </a:schemeClr>
+            </a:gs>
+            <a:gs pos="100000">
+              <a:schemeClr val="phClr">
+                <a:shade val="20000"/>
+                <a:satMod val="255000"/>
+              </a:schemeClr>
+            </a:gs>
+          </a:gsLst>
+          <a:path path="circle">
+            <a:fillToRect l="50000" t="-80000" r="50000" b="180000"/>
+          </a:path>
+        </a:gradFill>
+        <a:gradFill rotWithShape="1">
+          <a:gsLst>
+            <a:gs pos="0">
+              <a:schemeClr val="phClr">
+                <a:tint val="80000"/>
+                <a:satMod val="300000"/>
+              </a:schemeClr>
+            </a:gs>
+            <a:gs pos="100000">
+              <a:schemeClr val="phClr">
+                <a:shade val="30000"/>
+                <a:satMod val="200000"/>
+              </a:schemeClr>
+            </a:gs>
+          </a:gsLst>
+          <a:path path="circle">
+            <a:fillToRect l="50000" t="50000" r="50000" b="50000"/>
+          </a:path>
+        </a:gradFill>
+      </a:bgFillStyleLst>
+    </a:fmtScheme>
+  </a:themeElements>
+</a:theme>
+</file>
+
+<file path=ppt/theme/theme2.xml><?xml version="1.0" encoding="utf-8"?>
 <a:theme xmlns:a="http://schemas.openxmlformats.org/drawingml/2006/main" xmlns:r="http://schemas.openxmlformats.org/officeDocument/2006/relationships" name="Minimalist Pitch Deck by Slidesgo">
   <a:themeElements>
     <a:clrScheme name="Simple Light">
@@ -38183,283 +33309,4 @@
     </a:fmtScheme>
   </a:themeElements>
 </a:theme>
-</file>
-
-<file path=ppt/theme/theme2.xml><?xml version="1.0" encoding="utf-8"?>
-<a:theme xmlns:a="http://schemas.openxmlformats.org/drawingml/2006/main" xmlns:r="http://schemas.openxmlformats.org/officeDocument/2006/relationships">
-  <a:themeElements>
-    <a:clrScheme name="Default">
-      <a:dk1>
-        <a:srgbClr val="000000"/>
-      </a:dk1>
-      <a:lt1>
-        <a:srgbClr val="FFFFFF"/>
-      </a:lt1>
-      <a:dk2>
-        <a:srgbClr val="158158"/>
-      </a:dk2>
-      <a:lt2>
-        <a:srgbClr val="F3F3F3"/>
-      </a:lt2>
-      <a:accent1>
-        <a:srgbClr val="058DC7"/>
-      </a:accent1>
-      <a:accent2>
-        <a:srgbClr val="50B432"/>
-      </a:accent2>
-      <a:accent3>
-        <a:srgbClr val="ED561B"/>
-      </a:accent3>
-      <a:accent4>
-        <a:srgbClr val="EDEF00"/>
-      </a:accent4>
-      <a:accent5>
-        <a:srgbClr val="24CBE5"/>
-      </a:accent5>
-      <a:accent6>
-        <a:srgbClr val="64E572"/>
-      </a:accent6>
-      <a:hlink>
-        <a:srgbClr val="2200CC"/>
-      </a:hlink>
-      <a:folHlink>
-        <a:srgbClr val="551A8B"/>
-      </a:folHlink>
-    </a:clrScheme>
-    <a:fontScheme name="Office">
-      <a:majorFont>
-        <a:latin typeface="Arial"/>
-        <a:ea typeface=""/>
-        <a:cs typeface=""/>
-        <a:font script="Jpan" typeface="ＭＳ Ｐゴシック"/>
-        <a:font script="Hang" typeface="맑은 고딕"/>
-        <a:font script="Hans" typeface="宋体"/>
-        <a:font script="Hant" typeface="新細明體"/>
-        <a:font script="Arab" typeface="Times New Roman"/>
-        <a:font script="Hebr" typeface="Times New Roman"/>
-        <a:font script="Thai" typeface="Angsana New"/>
-        <a:font script="Ethi" typeface="Nyala"/>
-        <a:font script="Beng" typeface="Vrinda"/>
-        <a:font script="Gujr" typeface="Shruti"/>
-        <a:font script="Khmr" typeface="MoolBoran"/>
-        <a:font script="Knda" typeface="Tunga"/>
-        <a:font script="Guru" typeface="Raavi"/>
-        <a:font script="Cans" typeface="Euphemia"/>
-        <a:font script="Cher" typeface="Plantagenet Cherokee"/>
-        <a:font script="Yiii" typeface="Microsoft Yi Baiti"/>
-        <a:font script="Tibt" typeface="Microsoft Himalaya"/>
-        <a:font script="Thaa" typeface="MV Boli"/>
-        <a:font script="Deva" typeface="Mangal"/>
-        <a:font script="Telu" typeface="Gautami"/>
-        <a:font script="Taml" typeface="Latha"/>
-        <a:font script="Syrc" typeface="Estrangelo Edessa"/>
-        <a:font script="Orya" typeface="Kalinga"/>
-        <a:font script="Mlym" typeface="Kartika"/>
-        <a:font script="Laoo" typeface="DokChampa"/>
-        <a:font script="Sinh" typeface="Iskoola Pota"/>
-        <a:font script="Mong" typeface="Mongolian Baiti"/>
-        <a:font script="Viet" typeface="Times New Roman"/>
-        <a:font script="Uigh" typeface="Microsoft Uighur"/>
-        <a:font script="Geor" typeface="Sylfaen"/>
-      </a:majorFont>
-      <a:minorFont>
-        <a:latin typeface="Arial"/>
-        <a:ea typeface=""/>
-        <a:cs typeface=""/>
-        <a:font script="Jpan" typeface="ＭＳ Ｐゴシック"/>
-        <a:font script="Hang" typeface="맑은 고딕"/>
-        <a:font script="Hans" typeface="宋体"/>
-        <a:font script="Hant" typeface="新細明體"/>
-        <a:font script="Arab" typeface="Arial"/>
-        <a:font script="Hebr" typeface="Arial"/>
-        <a:font script="Thai" typeface="Cordia New"/>
-        <a:font script="Ethi" typeface="Nyala"/>
-        <a:font script="Beng" typeface="Vrinda"/>
-        <a:font script="Gujr" typeface="Shruti"/>
-        <a:font script="Khmr" typeface="DaunPenh"/>
-        <a:font script="Knda" typeface="Tunga"/>
-        <a:font script="Guru" typeface="Raavi"/>
-        <a:font script="Cans" typeface="Euphemia"/>
-        <a:font script="Cher" typeface="Plantagenet Cherokee"/>
-        <a:font script="Yiii" typeface="Microsoft Yi Baiti"/>
-        <a:font script="Tibt" typeface="Microsoft Himalaya"/>
-        <a:font script="Thaa" typeface="MV Boli"/>
-        <a:font script="Deva" typeface="Mangal"/>
-        <a:font script="Telu" typeface="Gautami"/>
-        <a:font script="Taml" typeface="Latha"/>
-        <a:font script="Syrc" typeface="Estrangelo Edessa"/>
-        <a:font script="Orya" typeface="Kalinga"/>
-        <a:font script="Mlym" typeface="Kartika"/>
-        <a:font script="Laoo" typeface="DokChampa"/>
-        <a:font script="Sinh" typeface="Iskoola Pota"/>
-        <a:font script="Mong" typeface="Mongolian Baiti"/>
-        <a:font script="Viet" typeface="Arial"/>
-        <a:font script="Uigh" typeface="Microsoft Uighur"/>
-        <a:font script="Geor" typeface="Sylfaen"/>
-      </a:minorFont>
-    </a:fontScheme>
-    <a:fmtScheme name="Office">
-      <a:fillStyleLst>
-        <a:solidFill>
-          <a:schemeClr val="phClr"/>
-        </a:solidFill>
-        <a:gradFill rotWithShape="1">
-          <a:gsLst>
-            <a:gs pos="0">
-              <a:schemeClr val="phClr">
-                <a:tint val="50000"/>
-                <a:satMod val="300000"/>
-              </a:schemeClr>
-            </a:gs>
-            <a:gs pos="35000">
-              <a:schemeClr val="phClr">
-                <a:tint val="37000"/>
-                <a:satMod val="300000"/>
-              </a:schemeClr>
-            </a:gs>
-            <a:gs pos="100000">
-              <a:schemeClr val="phClr">
-                <a:tint val="15000"/>
-                <a:satMod val="350000"/>
-              </a:schemeClr>
-            </a:gs>
-          </a:gsLst>
-          <a:lin ang="16200000" scaled="1"/>
-        </a:gradFill>
-        <a:gradFill rotWithShape="1">
-          <a:gsLst>
-            <a:gs pos="0">
-              <a:schemeClr val="phClr">
-                <a:tint val="100000"/>
-                <a:shade val="100000"/>
-                <a:satMod val="130000"/>
-              </a:schemeClr>
-            </a:gs>
-            <a:gs pos="100000">
-              <a:schemeClr val="phClr">
-                <a:tint val="50000"/>
-                <a:shade val="100000"/>
-                <a:satMod val="350000"/>
-              </a:schemeClr>
-            </a:gs>
-          </a:gsLst>
-          <a:lin ang="16200000" scaled="0"/>
-        </a:gradFill>
-      </a:fillStyleLst>
-      <a:lnStyleLst>
-        <a:ln w="9525" cap="flat" cmpd="sng" algn="ctr">
-          <a:solidFill>
-            <a:schemeClr val="phClr">
-              <a:shade val="95000"/>
-              <a:satMod val="105000"/>
-            </a:schemeClr>
-          </a:solidFill>
-          <a:prstDash val="solid"/>
-        </a:ln>
-        <a:ln w="25400" cap="flat" cmpd="sng" algn="ctr">
-          <a:solidFill>
-            <a:schemeClr val="phClr"/>
-          </a:solidFill>
-          <a:prstDash val="solid"/>
-        </a:ln>
-        <a:ln w="38100" cap="flat" cmpd="sng" algn="ctr">
-          <a:solidFill>
-            <a:schemeClr val="phClr"/>
-          </a:solidFill>
-          <a:prstDash val="solid"/>
-        </a:ln>
-      </a:lnStyleLst>
-      <a:effectStyleLst>
-        <a:effectStyle>
-          <a:effectLst>
-            <a:outerShdw blurRad="40000" dist="20000" dir="5400000" rotWithShape="0">
-              <a:srgbClr val="000000">
-                <a:alpha val="38000"/>
-              </a:srgbClr>
-            </a:outerShdw>
-          </a:effectLst>
-        </a:effectStyle>
-        <a:effectStyle>
-          <a:effectLst>
-            <a:outerShdw blurRad="40000" dist="23000" dir="5400000" rotWithShape="0">
-              <a:srgbClr val="000000">
-                <a:alpha val="35000"/>
-              </a:srgbClr>
-            </a:outerShdw>
-          </a:effectLst>
-        </a:effectStyle>
-        <a:effectStyle>
-          <a:effectLst>
-            <a:outerShdw blurRad="40000" dist="23000" dir="5400000" rotWithShape="0">
-              <a:srgbClr val="000000">
-                <a:alpha val="35000"/>
-              </a:srgbClr>
-            </a:outerShdw>
-          </a:effectLst>
-          <a:scene3d>
-            <a:camera prst="orthographicFront">
-              <a:rot lat="0" lon="0" rev="0"/>
-            </a:camera>
-            <a:lightRig rig="threePt" dir="t">
-              <a:rot lat="0" lon="0" rev="1200000"/>
-            </a:lightRig>
-          </a:scene3d>
-          <a:sp3d>
-            <a:bevelT w="63500" h="25400"/>
-          </a:sp3d>
-        </a:effectStyle>
-      </a:effectStyleLst>
-      <a:bgFillStyleLst>
-        <a:solidFill>
-          <a:schemeClr val="phClr"/>
-        </a:solidFill>
-        <a:gradFill rotWithShape="1">
-          <a:gsLst>
-            <a:gs pos="0">
-              <a:schemeClr val="phClr">
-                <a:tint val="40000"/>
-                <a:satMod val="350000"/>
-              </a:schemeClr>
-            </a:gs>
-            <a:gs pos="40000">
-              <a:schemeClr val="phClr">
-                <a:tint val="45000"/>
-                <a:shade val="99000"/>
-                <a:satMod val="350000"/>
-              </a:schemeClr>
-            </a:gs>
-            <a:gs pos="100000">
-              <a:schemeClr val="phClr">
-                <a:shade val="20000"/>
-                <a:satMod val="255000"/>
-              </a:schemeClr>
-            </a:gs>
-          </a:gsLst>
-          <a:path path="circle">
-            <a:fillToRect l="50000" t="-80000" r="50000" b="180000"/>
-          </a:path>
-        </a:gradFill>
-        <a:gradFill rotWithShape="1">
-          <a:gsLst>
-            <a:gs pos="0">
-              <a:schemeClr val="phClr">
-                <a:tint val="80000"/>
-                <a:satMod val="300000"/>
-              </a:schemeClr>
-            </a:gs>
-            <a:gs pos="100000">
-              <a:schemeClr val="phClr">
-                <a:shade val="30000"/>
-                <a:satMod val="200000"/>
-              </a:schemeClr>
-            </a:gs>
-          </a:gsLst>
-          <a:path path="circle">
-            <a:fillToRect l="50000" t="50000" r="50000" b="50000"/>
-          </a:path>
-        </a:gradFill>
-      </a:bgFillStyleLst>
-    </a:fmtScheme>
-  </a:themeElements>
-</a:theme>
 </file>